--- a/Analyse spectrale_antoine.pptx
+++ b/Analyse spectrale_antoine.pptx
@@ -5,10 +5,10 @@
     <p:sldMasterId id="2147483648" r:id="rId2"/>
   </p:sldMasterIdLst>
   <p:notesMasterIdLst>
-    <p:notesMasterId r:id="rId18"/>
+    <p:notesMasterId r:id="rId19"/>
   </p:notesMasterIdLst>
   <p:handoutMasterIdLst>
-    <p:handoutMasterId r:id="rId19"/>
+    <p:handoutMasterId r:id="rId20"/>
   </p:handoutMasterIdLst>
   <p:sldIdLst>
     <p:sldId id="256" r:id="rId3"/>
@@ -19,13 +19,14 @@
     <p:sldId id="270" r:id="rId8"/>
     <p:sldId id="271" r:id="rId9"/>
     <p:sldId id="272" r:id="rId10"/>
-    <p:sldId id="259" r:id="rId11"/>
-    <p:sldId id="261" r:id="rId12"/>
-    <p:sldId id="262" r:id="rId13"/>
-    <p:sldId id="263" r:id="rId14"/>
-    <p:sldId id="264" r:id="rId15"/>
-    <p:sldId id="265" r:id="rId16"/>
-    <p:sldId id="266" r:id="rId17"/>
+    <p:sldId id="273" r:id="rId11"/>
+    <p:sldId id="259" r:id="rId12"/>
+    <p:sldId id="261" r:id="rId13"/>
+    <p:sldId id="262" r:id="rId14"/>
+    <p:sldId id="263" r:id="rId15"/>
+    <p:sldId id="264" r:id="rId16"/>
+    <p:sldId id="265" r:id="rId17"/>
+    <p:sldId id="266" r:id="rId18"/>
   </p:sldIdLst>
   <p:sldSz cx="12192000" cy="6858000"/>
   <p:notesSz cx="6858000" cy="9144000"/>
@@ -3851,7 +3852,7 @@
           <a:p>
             <a:fld id="{043B725B-653D-4166-A8E9-72A38A1847CF}" type="datetimeFigureOut">
               <a:rPr lang="es-ES"/>
-              <a:t>30/10/2014</a:t>
+              <a:t>03/11/2014</a:t>
             </a:fld>
             <a:endParaRPr/>
           </a:p>
@@ -4016,7 +4017,7 @@
           <a:p>
             <a:fld id="{783F64CD-0576-4A9A-BD06-7889D6E60BDC}" type="datetimeFigureOut">
               <a:rPr lang="es-ES"/>
-              <a:t>30/10/2014</a:t>
+              <a:t>03/11/2014</a:t>
             </a:fld>
             <a:endParaRPr/>
           </a:p>
@@ -4607,7 +4608,7 @@
           <a:p>
             <a:fld id="{37CC0096-1860-4642-9CD2-0079EA5E7CD1}" type="datetimeFigureOut">
               <a:rPr lang="es-ES"/>
-              <a:t>30/10/2014</a:t>
+              <a:t>03/11/2014</a:t>
             </a:fld>
             <a:endParaRPr/>
           </a:p>
@@ -4863,7 +4864,7 @@
           <a:p>
             <a:fld id="{37CC0096-1860-4642-9CD2-0079EA5E7CD1}" type="datetimeFigureOut">
               <a:rPr lang="es-ES"/>
-              <a:t>30/10/2014</a:t>
+              <a:t>03/11/2014</a:t>
             </a:fld>
             <a:endParaRPr/>
           </a:p>
@@ -5056,7 +5057,7 @@
           <a:p>
             <a:fld id="{37CC0096-1860-4642-9CD2-0079EA5E7CD1}" type="datetimeFigureOut">
               <a:rPr lang="es-ES"/>
-              <a:t>30/10/2014</a:t>
+              <a:t>03/11/2014</a:t>
             </a:fld>
             <a:endParaRPr/>
           </a:p>
@@ -5601,7 +5602,7 @@
           <a:p>
             <a:fld id="{37CC0096-1860-4642-9CD2-0079EA5E7CD1}" type="datetimeFigureOut">
               <a:rPr lang="es-ES"/>
-              <a:t>30/10/2014</a:t>
+              <a:t>03/11/2014</a:t>
             </a:fld>
             <a:endParaRPr/>
           </a:p>
@@ -6065,7 +6066,7 @@
           <a:p>
             <a:fld id="{37CC0096-1860-4642-9CD2-0079EA5E7CD1}" type="datetimeFigureOut">
               <a:rPr lang="es-ES"/>
-              <a:t>30/10/2014</a:t>
+              <a:t>03/11/2014</a:t>
             </a:fld>
             <a:endParaRPr/>
           </a:p>
@@ -6202,7 +6203,7 @@
           <a:p>
             <a:fld id="{37CC0096-1860-4642-9CD2-0079EA5E7CD1}" type="datetimeFigureOut">
               <a:rPr lang="es-ES"/>
-              <a:t>30/10/2014</a:t>
+              <a:t>03/11/2014</a:t>
             </a:fld>
             <a:endParaRPr/>
           </a:p>
@@ -6316,7 +6317,7 @@
           <a:p>
             <a:fld id="{37CC0096-1860-4642-9CD2-0079EA5E7CD1}" type="datetimeFigureOut">
               <a:rPr lang="es-ES"/>
-              <a:t>30/10/2014</a:t>
+              <a:t>03/11/2014</a:t>
             </a:fld>
             <a:endParaRPr/>
           </a:p>
@@ -7310,7 +7311,7 @@
             <a:fld id="{37CC0096-1860-4642-9CD2-0079EA5E7CD1}" type="datetimeFigureOut">
               <a:rPr lang="es-ES"/>
               <a:pPr/>
-              <a:t>30/10/2014</a:t>
+              <a:t>03/11/2014</a:t>
             </a:fld>
             <a:endParaRPr/>
           </a:p>
@@ -7979,48 +7980,116 @@
             <p:ph type="title"/>
           </p:nvPr>
         </p:nvSpPr>
-        <p:spPr/>
+        <p:spPr>
+          <a:xfrm>
+            <a:off x="1066800" y="99220"/>
+            <a:ext cx="10439400" cy="1325563"/>
+          </a:xfrm>
+        </p:spPr>
         <p:txBody>
-          <a:bodyPr/>
+          <a:bodyPr>
+            <a:normAutofit/>
+          </a:bodyPr>
           <a:lstStyle/>
           <a:p>
             <a:r>
-              <a:rPr lang="fr-FR" noProof="1" smtClean="0"/>
-              <a:t>Commité </a:t>
-            </a:r>
-            <a:r>
-              <a:rPr lang="fr-FR" noProof="1" smtClean="0">
-                <a:sym typeface="Wingdings" panose="05000000000000000000" pitchFamily="2" charset="2"/>
-              </a:rPr>
-              <a:t></a:t>
-            </a:r>
-            <a:endParaRPr lang="fr-FR" noProof="1"/>
+              <a:rPr lang="fr-FR" dirty="0"/>
+              <a:t>Disposition deux contenus avec graphique </a:t>
+            </a:r>
+            <a:r>
+              <a:rPr lang="fr-FR" dirty="0" err="1"/>
+              <a:t>SmartArt</a:t>
+            </a:r>
+            <a:endParaRPr lang="fr-FR" dirty="0"/>
           </a:p>
         </p:txBody>
       </p:sp>
       <p:sp>
         <p:nvSpPr>
-          <p:cNvPr id="3" name="Espace réservé du texte 2"/>
+          <p:cNvPr id="3" name="Espace réservé du contenu 2"/>
           <p:cNvSpPr>
             <a:spLocks noGrp="1"/>
           </p:cNvSpPr>
           <p:nvPr>
-            <p:ph type="body" idx="1"/>
+            <p:ph sz="half" idx="1"/>
           </p:nvPr>
         </p:nvSpPr>
         <p:spPr/>
         <p:txBody>
-          <a:bodyPr/>
+          <a:bodyPr>
+            <a:normAutofit/>
+          </a:bodyPr>
           <a:lstStyle/>
           <a:p>
-            <a:endParaRPr lang="fr-FR" noProof="1"/>
+            <a:pPr>
+              <a:buClr>
+                <a:schemeClr val="tx1">
+                  <a:lumMod val="75000"/>
+                </a:schemeClr>
+              </a:buClr>
+            </a:pPr>
+            <a:r>
+              <a:rPr lang="fr-FR" dirty="0"/>
+              <a:t>Texte de la première puce ici</a:t>
+            </a:r>
+          </a:p>
+          <a:p>
+            <a:pPr>
+              <a:buClr>
+                <a:schemeClr val="tx1">
+                  <a:lumMod val="75000"/>
+                </a:schemeClr>
+              </a:buClr>
+            </a:pPr>
+            <a:r>
+              <a:rPr lang="fr-FR" dirty="0"/>
+              <a:t>Texte de la deuxième puce ici</a:t>
+            </a:r>
+          </a:p>
+          <a:p>
+            <a:pPr>
+              <a:buClr>
+                <a:schemeClr val="tx1">
+                  <a:lumMod val="75000"/>
+                </a:schemeClr>
+              </a:buClr>
+            </a:pPr>
+            <a:r>
+              <a:rPr lang="fr-FR" dirty="0"/>
+              <a:t>Texte de la troisième puce ici</a:t>
+            </a:r>
           </a:p>
         </p:txBody>
       </p:sp>
+      <p:graphicFrame>
+        <p:nvGraphicFramePr>
+          <p:cNvPr id="7" name="Espace réservé du contenu 6" descr="Processus segmenté" title="SmartArt"/>
+          <p:cNvGraphicFramePr>
+            <a:graphicFrameLocks noGrp="1"/>
+          </p:cNvGraphicFramePr>
+          <p:nvPr>
+            <p:ph sz="half" idx="2"/>
+            <p:extLst>
+              <p:ext uri="{D42A27DB-BD31-4B8C-83A1-F6EECF244321}">
+                <p14:modId xmlns:p14="http://schemas.microsoft.com/office/powerpoint/2010/main" val="3312862639"/>
+              </p:ext>
+            </p:extLst>
+          </p:nvPr>
+        </p:nvGraphicFramePr>
+        <p:xfrm>
+          <a:off x="6324600" y="1825625"/>
+          <a:ext cx="5334000" cy="4575175"/>
+        </p:xfrm>
+        <a:graphic>
+          <a:graphicData uri="http://schemas.openxmlformats.org/drawingml/2006/diagram">
+            <dgm:relIds xmlns:dgm="http://schemas.openxmlformats.org/drawingml/2006/diagram" xmlns:r="http://schemas.openxmlformats.org/officeDocument/2006/relationships" r:dm="rId2" r:lo="rId3" r:qs="rId4" r:cs="rId5"/>
+          </a:graphicData>
+        </a:graphic>
+      </p:graphicFrame>
     </p:spTree>
     <p:extLst>
       <p:ext uri="{BB962C8B-B14F-4D97-AF65-F5344CB8AC3E}">
-        <p14:creationId xmlns:p14="http://schemas.microsoft.com/office/powerpoint/2010/main" val="3537718460"/>
+        <p14:creationId xmlns:p14="http://schemas.microsoft.com/office/powerpoint/2010/main" val="3948826341"/>
       </p:ext>
     </p:extLst>
   </p:cSld>
@@ -8081,6 +8150,16 @@
           <a:bodyPr/>
           <a:lstStyle/>
           <a:p>
+            <a:r>
+              <a:rPr lang="fr-FR" noProof="1" smtClean="0"/>
+              <a:t>Commité </a:t>
+            </a:r>
+            <a:r>
+              <a:rPr lang="fr-FR" noProof="1" smtClean="0">
+                <a:sym typeface="Wingdings" panose="05000000000000000000" pitchFamily="2" charset="2"/>
+              </a:rPr>
+              <a:t></a:t>
+            </a:r>
             <a:endParaRPr lang="fr-FR" noProof="1"/>
           </a:p>
         </p:txBody>
@@ -8104,67 +8183,10 @@
           </a:p>
         </p:txBody>
       </p:sp>
-      <p:sp>
-        <p:nvSpPr>
-          <p:cNvPr id="4" name="Espace réservé du contenu 3"/>
-          <p:cNvSpPr>
-            <a:spLocks noGrp="1"/>
-          </p:cNvSpPr>
-          <p:nvPr>
-            <p:ph sz="half" idx="2"/>
-          </p:nvPr>
-        </p:nvSpPr>
-        <p:spPr/>
-        <p:txBody>
-          <a:bodyPr/>
-          <a:lstStyle/>
-          <a:p>
-            <a:endParaRPr lang="fr-FR" noProof="1"/>
-          </a:p>
-        </p:txBody>
-      </p:sp>
-      <p:sp>
-        <p:nvSpPr>
-          <p:cNvPr id="5" name="Espace réservé du texte 4"/>
-          <p:cNvSpPr>
-            <a:spLocks noGrp="1"/>
-          </p:cNvSpPr>
-          <p:nvPr>
-            <p:ph type="body" sz="quarter" idx="3"/>
-          </p:nvPr>
-        </p:nvSpPr>
-        <p:spPr/>
-        <p:txBody>
-          <a:bodyPr/>
-          <a:lstStyle/>
-          <a:p>
-            <a:endParaRPr lang="fr-FR" noProof="1"/>
-          </a:p>
-        </p:txBody>
-      </p:sp>
-      <p:sp>
-        <p:nvSpPr>
-          <p:cNvPr id="6" name="Espace réservé du contenu 5"/>
-          <p:cNvSpPr>
-            <a:spLocks noGrp="1"/>
-          </p:cNvSpPr>
-          <p:nvPr>
-            <p:ph sz="quarter" idx="4"/>
-          </p:nvPr>
-        </p:nvSpPr>
-        <p:spPr/>
-        <p:txBody>
-          <a:bodyPr/>
-          <a:lstStyle/>
-          <a:p>
-            <a:endParaRPr lang="fr-FR" noProof="1"/>
-          </a:p>
-        </p:txBody>
-      </p:sp>
     </p:spTree>
     <p:extLst>
       <p:ext uri="{BB962C8B-B14F-4D97-AF65-F5344CB8AC3E}">
-        <p14:creationId xmlns:p14="http://schemas.microsoft.com/office/powerpoint/2010/main" val="2637673684"/>
+        <p14:creationId xmlns:p14="http://schemas.microsoft.com/office/powerpoint/2010/main" val="3537718460"/>
       </p:ext>
     </p:extLst>
   </p:cSld>
@@ -8229,6 +8251,150 @@
           </a:p>
         </p:txBody>
       </p:sp>
+      <p:sp>
+        <p:nvSpPr>
+          <p:cNvPr id="3" name="Espace réservé du texte 2"/>
+          <p:cNvSpPr>
+            <a:spLocks noGrp="1"/>
+          </p:cNvSpPr>
+          <p:nvPr>
+            <p:ph type="body" idx="1"/>
+          </p:nvPr>
+        </p:nvSpPr>
+        <p:spPr/>
+        <p:txBody>
+          <a:bodyPr/>
+          <a:lstStyle/>
+          <a:p>
+            <a:endParaRPr lang="fr-FR" noProof="1"/>
+          </a:p>
+        </p:txBody>
+      </p:sp>
+      <p:sp>
+        <p:nvSpPr>
+          <p:cNvPr id="4" name="Espace réservé du contenu 3"/>
+          <p:cNvSpPr>
+            <a:spLocks noGrp="1"/>
+          </p:cNvSpPr>
+          <p:nvPr>
+            <p:ph sz="half" idx="2"/>
+          </p:nvPr>
+        </p:nvSpPr>
+        <p:spPr/>
+        <p:txBody>
+          <a:bodyPr/>
+          <a:lstStyle/>
+          <a:p>
+            <a:endParaRPr lang="fr-FR" noProof="1"/>
+          </a:p>
+        </p:txBody>
+      </p:sp>
+      <p:sp>
+        <p:nvSpPr>
+          <p:cNvPr id="5" name="Espace réservé du texte 4"/>
+          <p:cNvSpPr>
+            <a:spLocks noGrp="1"/>
+          </p:cNvSpPr>
+          <p:nvPr>
+            <p:ph type="body" sz="quarter" idx="3"/>
+          </p:nvPr>
+        </p:nvSpPr>
+        <p:spPr/>
+        <p:txBody>
+          <a:bodyPr/>
+          <a:lstStyle/>
+          <a:p>
+            <a:endParaRPr lang="fr-FR" noProof="1"/>
+          </a:p>
+        </p:txBody>
+      </p:sp>
+      <p:sp>
+        <p:nvSpPr>
+          <p:cNvPr id="6" name="Espace réservé du contenu 5"/>
+          <p:cNvSpPr>
+            <a:spLocks noGrp="1"/>
+          </p:cNvSpPr>
+          <p:nvPr>
+            <p:ph sz="quarter" idx="4"/>
+          </p:nvPr>
+        </p:nvSpPr>
+        <p:spPr/>
+        <p:txBody>
+          <a:bodyPr/>
+          <a:lstStyle/>
+          <a:p>
+            <a:endParaRPr lang="fr-FR" noProof="1"/>
+          </a:p>
+        </p:txBody>
+      </p:sp>
+    </p:spTree>
+    <p:extLst>
+      <p:ext uri="{BB962C8B-B14F-4D97-AF65-F5344CB8AC3E}">
+        <p14:creationId xmlns:p14="http://schemas.microsoft.com/office/powerpoint/2010/main" val="2637673684"/>
+      </p:ext>
+    </p:extLst>
+  </p:cSld>
+  <p:clrMapOvr>
+    <a:masterClrMapping/>
+  </p:clrMapOvr>
+  <mc:AlternateContent xmlns:mc="http://schemas.openxmlformats.org/markup-compatibility/2006" xmlns:p14="http://schemas.microsoft.com/office/powerpoint/2010/main">
+    <mc:Choice Requires="p14">
+      <p:transition spd="med" p14:dur="700">
+        <p:fade/>
+      </p:transition>
+    </mc:Choice>
+    <mc:Fallback xmlns="">
+      <p:transition spd="med">
+        <p:fade/>
+      </p:transition>
+    </mc:Fallback>
+  </mc:AlternateContent>
+  <p:timing>
+    <p:tnLst>
+      <p:par>
+        <p:cTn id="1" dur="indefinite" restart="never" nodeType="tmRoot"/>
+      </p:par>
+    </p:tnLst>
+  </p:timing>
+</p:sld>
+</file>
+
+<file path=ppt/slides/slide13.xml><?xml version="1.0" encoding="utf-8"?>
+<p:sld xmlns:a="http://schemas.openxmlformats.org/drawingml/2006/main" xmlns:r="http://schemas.openxmlformats.org/officeDocument/2006/relationships" xmlns:p="http://schemas.openxmlformats.org/presentationml/2006/main">
+  <p:cSld>
+    <p:spTree>
+      <p:nvGrpSpPr>
+        <p:cNvPr id="1" name=""/>
+        <p:cNvGrpSpPr/>
+        <p:nvPr/>
+      </p:nvGrpSpPr>
+      <p:grpSpPr>
+        <a:xfrm>
+          <a:off x="0" y="0"/>
+          <a:ext cx="0" cy="0"/>
+          <a:chOff x="0" y="0"/>
+          <a:chExt cx="0" cy="0"/>
+        </a:xfrm>
+      </p:grpSpPr>
+      <p:sp>
+        <p:nvSpPr>
+          <p:cNvPr id="2" name="Titre 1"/>
+          <p:cNvSpPr>
+            <a:spLocks noGrp="1"/>
+          </p:cNvSpPr>
+          <p:nvPr>
+            <p:ph type="title"/>
+          </p:nvPr>
+        </p:nvSpPr>
+        <p:spPr/>
+        <p:txBody>
+          <a:bodyPr/>
+          <a:lstStyle/>
+          <a:p>
+            <a:endParaRPr lang="fr-FR" noProof="1"/>
+          </a:p>
+        </p:txBody>
+      </p:sp>
     </p:spTree>
     <p:extLst>
       <p:ext uri="{BB962C8B-B14F-4D97-AF65-F5344CB8AC3E}">
@@ -8261,7 +8427,7 @@
 </p:sld>
 </file>
 
-<file path=ppt/slides/slide13.xml><?xml version="1.0" encoding="utf-8"?>
+<file path=ppt/slides/slide14.xml><?xml version="1.0" encoding="utf-8"?>
 <p:sld xmlns:a="http://schemas.openxmlformats.org/drawingml/2006/main" xmlns:r="http://schemas.openxmlformats.org/officeDocument/2006/relationships" xmlns:p="http://schemas.openxmlformats.org/presentationml/2006/main">
   <p:cSld>
     <p:spTree>
@@ -8310,7 +8476,7 @@
 </p:sld>
 </file>
 
-<file path=ppt/slides/slide14.xml><?xml version="1.0" encoding="utf-8"?>
+<file path=ppt/slides/slide15.xml><?xml version="1.0" encoding="utf-8"?>
 <p:sld xmlns:a="http://schemas.openxmlformats.org/drawingml/2006/main" xmlns:r="http://schemas.openxmlformats.org/officeDocument/2006/relationships" xmlns:p="http://schemas.openxmlformats.org/presentationml/2006/main">
   <p:cSld>
     <p:spTree>
@@ -8416,7 +8582,7 @@
 </p:sld>
 </file>
 
-<file path=ppt/slides/slide15.xml><?xml version="1.0" encoding="utf-8"?>
+<file path=ppt/slides/slide16.xml><?xml version="1.0" encoding="utf-8"?>
 <p:sld xmlns:a="http://schemas.openxmlformats.org/drawingml/2006/main" xmlns:r="http://schemas.openxmlformats.org/officeDocument/2006/relationships" xmlns:p="http://schemas.openxmlformats.org/presentationml/2006/main">
   <p:cSld>
     <p:spTree>
@@ -8728,11 +8894,7 @@
           <a:p>
             <a:r>
               <a:rPr lang="fr-FR" dirty="0" smtClean="0"/>
-              <a:t>Méthode </a:t>
-            </a:r>
-            <a:r>
-              <a:rPr lang="fr-FR" dirty="0" smtClean="0"/>
-              <a:t>:</a:t>
+              <a:t>Méthode :</a:t>
             </a:r>
           </a:p>
           <a:p>
@@ -9167,8 +9329,8 @@
           </a:p>
         </p:txBody>
       </p:sp>
-      <mc:AlternateContent xmlns:mc="http://schemas.openxmlformats.org/markup-compatibility/2006">
-        <mc:Choice xmlns:a14="http://schemas.microsoft.com/office/drawing/2010/main" Requires="a14">
+      <mc:AlternateContent xmlns:mc="http://schemas.openxmlformats.org/markup-compatibility/2006" xmlns:a14="http://schemas.microsoft.com/office/drawing/2010/main">
+        <mc:Choice Requires="a14">
           <p:sp>
             <p:nvSpPr>
               <p:cNvPr id="9" name="ZoneTexte 8"/>
@@ -9262,7 +9424,7 @@
             </p:txBody>
           </p:sp>
         </mc:Choice>
-        <mc:Fallback>
+        <mc:Fallback xmlns="">
           <p:sp>
             <p:nvSpPr>
               <p:cNvPr id="9" name="ZoneTexte 8"/>
@@ -9572,7 +9734,6 @@
               <a:rPr lang="fr-FR" dirty="0" smtClean="0"/>
               <a:t>Estimation de la corrélation</a:t>
             </a:r>
-            <a:endParaRPr lang="fr-FR" dirty="0" smtClean="0"/>
           </a:p>
           <a:p>
             <a:pPr marL="285750" indent="-285750">
@@ -10454,7 +10615,7 @@
             </a:pPr>
             <a:r>
               <a:rPr lang="fr-FR" dirty="0" smtClean="0"/>
-              <a:t>Performances de l’algorithme (suite) :</a:t>
+              <a:t>Application sur signal réel :</a:t>
             </a:r>
             <a:endParaRPr lang="fr-FR" dirty="0"/>
           </a:p>
@@ -10500,38 +10661,6 @@
           </a:p>
         </p:txBody>
       </p:sp>
-      <p:pic>
-        <p:nvPicPr>
-          <p:cNvPr id="6" name="Image 5"/>
-          <p:cNvPicPr>
-            <a:picLocks noChangeAspect="1"/>
-          </p:cNvPicPr>
-          <p:nvPr/>
-        </p:nvPicPr>
-        <p:blipFill rotWithShape="1">
-          <a:blip r:embed="rId2">
-            <a:extLst>
-              <a:ext uri="{28A0092B-C50C-407E-A947-70E740481C1C}">
-                <a14:useLocalDpi xmlns:a14="http://schemas.microsoft.com/office/drawing/2010/main" val="0"/>
-              </a:ext>
-            </a:extLst>
-          </a:blip>
-          <a:srcRect l="10060" t="2913" r="7281" b="5712"/>
-          <a:stretch/>
-        </p:blipFill>
-        <p:spPr>
-          <a:xfrm>
-            <a:off x="3359695" y="2060848"/>
-            <a:ext cx="8441653" cy="4680520"/>
-          </a:xfrm>
-          <a:prstGeom prst="rect">
-            <a:avLst/>
-          </a:prstGeom>
-          <a:effectLst>
-            <a:softEdge rad="50800"/>
-          </a:effectLst>
-        </p:spPr>
-      </p:pic>
     </p:spTree>
     <p:extLst>
       <p:ext uri="{BB962C8B-B14F-4D97-AF65-F5344CB8AC3E}">
@@ -10591,12 +10720,7 @@
             <p:ph type="title"/>
           </p:nvPr>
         </p:nvSpPr>
-        <p:spPr>
-          <a:xfrm>
-            <a:off x="1066800" y="99220"/>
-            <a:ext cx="10439400" cy="1325563"/>
-          </a:xfrm>
-        </p:spPr>
+        <p:spPr/>
         <p:txBody>
           <a:bodyPr>
             <a:normAutofit/>
@@ -10604,12 +10728,8 @@
           <a:lstStyle/>
           <a:p>
             <a:r>
-              <a:rPr lang="fr-FR" dirty="0"/>
-              <a:t>Disposition deux contenus avec graphique </a:t>
-            </a:r>
-            <a:r>
-              <a:rPr lang="fr-FR" dirty="0" err="1"/>
-              <a:t>SmartArt</a:t>
+              <a:rPr lang="fr-FR" dirty="0" err="1" smtClean="0"/>
+              <a:t>Levinson-Durbin</a:t>
             </a:r>
             <a:endParaRPr lang="fr-FR" dirty="0"/>
           </a:p>
@@ -10625,7 +10745,12 @@
             <p:ph sz="half" idx="1"/>
           </p:nvPr>
         </p:nvSpPr>
-        <p:spPr/>
+        <p:spPr>
+          <a:xfrm>
+            <a:off x="1066800" y="1700808"/>
+            <a:ext cx="10573816" cy="4575175"/>
+          </a:xfrm>
+        </p:spPr>
         <p:txBody>
           <a:bodyPr>
             <a:normAutofit/>
@@ -10640,67 +10765,89 @@
               </a:buClr>
             </a:pPr>
             <a:r>
-              <a:rPr lang="fr-FR" dirty="0"/>
-              <a:t>Texte de la première puce ici</a:t>
-            </a:r>
-          </a:p>
-          <a:p>
-            <a:pPr>
-              <a:buClr>
-                <a:schemeClr val="tx1">
-                  <a:lumMod val="75000"/>
-                </a:schemeClr>
-              </a:buClr>
-            </a:pPr>
-            <a:r>
-              <a:rPr lang="fr-FR" dirty="0"/>
-              <a:t>Texte de la deuxième puce ici</a:t>
-            </a:r>
-          </a:p>
-          <a:p>
-            <a:pPr>
-              <a:buClr>
-                <a:schemeClr val="tx1">
-                  <a:lumMod val="75000"/>
-                </a:schemeClr>
-              </a:buClr>
-            </a:pPr>
-            <a:r>
-              <a:rPr lang="fr-FR" dirty="0"/>
-              <a:t>Texte de la troisième puce ici</a:t>
-            </a:r>
+              <a:rPr lang="fr-FR" dirty="0" smtClean="0"/>
+              <a:t>Performances de l’algorithme (suite) :</a:t>
+            </a:r>
+            <a:endParaRPr lang="fr-FR" dirty="0"/>
           </a:p>
         </p:txBody>
       </p:sp>
-      <p:graphicFrame>
-        <p:nvGraphicFramePr>
-          <p:cNvPr id="7" name="Espace réservé du contenu 6" descr="Processus segmenté" title="SmartArt"/>
-          <p:cNvGraphicFramePr>
-            <a:graphicFrameLocks noGrp="1"/>
-          </p:cNvGraphicFramePr>
-          <p:nvPr>
-            <p:ph sz="half" idx="2"/>
-            <p:extLst>
-              <p:ext uri="{D42A27DB-BD31-4B8C-83A1-F6EECF244321}">
-                <p14:modId xmlns:p14="http://schemas.microsoft.com/office/powerpoint/2010/main" val="3312862639"/>
-              </p:ext>
-            </p:extLst>
-          </p:nvPr>
-        </p:nvGraphicFramePr>
-        <p:xfrm>
-          <a:off x="6324600" y="1825625"/>
-          <a:ext cx="5334000" cy="4575175"/>
-        </p:xfrm>
-        <a:graphic>
-          <a:graphicData uri="http://schemas.openxmlformats.org/drawingml/2006/diagram">
-            <dgm:relIds xmlns:dgm="http://schemas.openxmlformats.org/drawingml/2006/diagram" xmlns:r="http://schemas.openxmlformats.org/officeDocument/2006/relationships" r:dm="rId2" r:lo="rId3" r:qs="rId4" r:cs="rId5"/>
-          </a:graphicData>
-        </a:graphic>
-      </p:graphicFrame>
+      <p:sp>
+        <p:nvSpPr>
+          <p:cNvPr id="5" name="ZoneTexte 4"/>
+          <p:cNvSpPr txBox="1"/>
+          <p:nvPr/>
+        </p:nvSpPr>
+        <p:spPr>
+          <a:xfrm>
+            <a:off x="767408" y="4077072"/>
+            <a:ext cx="2694005" cy="646331"/>
+          </a:xfrm>
+          <a:prstGeom prst="rect">
+            <a:avLst/>
+          </a:prstGeom>
+          <a:noFill/>
+        </p:spPr>
+        <p:txBody>
+          <a:bodyPr wrap="square" rtlCol="0">
+            <a:spAutoFit/>
+          </a:bodyPr>
+          <a:lstStyle/>
+          <a:p>
+            <a:pPr marL="285750" indent="-285750" algn="ctr">
+              <a:buFontTx/>
+              <a:buChar char="-"/>
+            </a:pPr>
+            <a:r>
+              <a:rPr lang="fr-FR" dirty="0" smtClean="0"/>
+              <a:t>Amplitude variable :</a:t>
+            </a:r>
+          </a:p>
+          <a:p>
+            <a:pPr marL="285750" indent="-285750">
+              <a:buFontTx/>
+              <a:buChar char="-"/>
+            </a:pPr>
+            <a:endParaRPr lang="fr-FR" dirty="0" smtClean="0"/>
+          </a:p>
+        </p:txBody>
+      </p:sp>
+      <p:pic>
+        <p:nvPicPr>
+          <p:cNvPr id="6" name="Image 5"/>
+          <p:cNvPicPr>
+            <a:picLocks noChangeAspect="1"/>
+          </p:cNvPicPr>
+          <p:nvPr/>
+        </p:nvPicPr>
+        <p:blipFill rotWithShape="1">
+          <a:blip r:embed="rId2">
+            <a:extLst>
+              <a:ext uri="{28A0092B-C50C-407E-A947-70E740481C1C}">
+                <a14:useLocalDpi xmlns:a14="http://schemas.microsoft.com/office/drawing/2010/main" val="0"/>
+              </a:ext>
+            </a:extLst>
+          </a:blip>
+          <a:srcRect l="10060" t="2913" r="7281" b="5712"/>
+          <a:stretch/>
+        </p:blipFill>
+        <p:spPr>
+          <a:xfrm>
+            <a:off x="3359695" y="2060848"/>
+            <a:ext cx="8441653" cy="4680520"/>
+          </a:xfrm>
+          <a:prstGeom prst="rect">
+            <a:avLst/>
+          </a:prstGeom>
+          <a:effectLst>
+            <a:softEdge rad="50800"/>
+          </a:effectLst>
+        </p:spPr>
+      </p:pic>
     </p:spTree>
     <p:extLst>
       <p:ext uri="{BB962C8B-B14F-4D97-AF65-F5344CB8AC3E}">
-        <p14:creationId xmlns:p14="http://schemas.microsoft.com/office/powerpoint/2010/main" val="3948826341"/>
+        <p14:creationId xmlns:p14="http://schemas.microsoft.com/office/powerpoint/2010/main" val="569882389"/>
       </p:ext>
     </p:extLst>
   </p:cSld>

--- a/Analyse spectrale_antoine.pptx
+++ b/Analyse spectrale_antoine.pptx
@@ -5,28 +5,30 @@
     <p:sldMasterId id="2147483648" r:id="rId2"/>
   </p:sldMasterIdLst>
   <p:notesMasterIdLst>
-    <p:notesMasterId r:id="rId19"/>
+    <p:notesMasterId r:id="rId21"/>
   </p:notesMasterIdLst>
   <p:handoutMasterIdLst>
-    <p:handoutMasterId r:id="rId20"/>
+    <p:handoutMasterId r:id="rId22"/>
   </p:handoutMasterIdLst>
   <p:sldIdLst>
     <p:sldId id="256" r:id="rId3"/>
-    <p:sldId id="257" r:id="rId4"/>
-    <p:sldId id="258" r:id="rId5"/>
-    <p:sldId id="260" r:id="rId6"/>
-    <p:sldId id="267" r:id="rId7"/>
-    <p:sldId id="270" r:id="rId8"/>
-    <p:sldId id="271" r:id="rId9"/>
+    <p:sldId id="258" r:id="rId4"/>
+    <p:sldId id="260" r:id="rId5"/>
+    <p:sldId id="267" r:id="rId6"/>
+    <p:sldId id="270" r:id="rId7"/>
+    <p:sldId id="271" r:id="rId8"/>
+    <p:sldId id="273" r:id="rId9"/>
     <p:sldId id="272" r:id="rId10"/>
-    <p:sldId id="273" r:id="rId11"/>
-    <p:sldId id="259" r:id="rId12"/>
-    <p:sldId id="261" r:id="rId13"/>
-    <p:sldId id="262" r:id="rId14"/>
-    <p:sldId id="263" r:id="rId15"/>
-    <p:sldId id="264" r:id="rId16"/>
-    <p:sldId id="265" r:id="rId17"/>
-    <p:sldId id="266" r:id="rId18"/>
+    <p:sldId id="274" r:id="rId11"/>
+    <p:sldId id="275" r:id="rId12"/>
+    <p:sldId id="276" r:id="rId13"/>
+    <p:sldId id="277" r:id="rId14"/>
+    <p:sldId id="278" r:id="rId15"/>
+    <p:sldId id="279" r:id="rId16"/>
+    <p:sldId id="280" r:id="rId17"/>
+    <p:sldId id="281" r:id="rId18"/>
+    <p:sldId id="282" r:id="rId19"/>
+    <p:sldId id="283" r:id="rId20"/>
   </p:sldIdLst>
   <p:sldSz cx="12192000" cy="6858000"/>
   <p:notesSz cx="6858000" cy="9144000"/>
@@ -136,3640 +138,6 @@
 </p:presentation>
 </file>
 
-<file path=ppt/diagrams/colors1.xml><?xml version="1.0" encoding="utf-8"?>
-<dgm:colorsDef xmlns:dgm="http://schemas.openxmlformats.org/drawingml/2006/diagram" xmlns:a="http://schemas.openxmlformats.org/drawingml/2006/main" uniqueId="urn:microsoft.com/office/officeart/2005/8/colors/colorful3">
-  <dgm:title val=""/>
-  <dgm:desc val=""/>
-  <dgm:catLst>
-    <dgm:cat type="colorful" pri="10300"/>
-  </dgm:catLst>
-  <dgm:styleLbl name="node0">
-    <dgm:fillClrLst meth="repeat">
-      <a:schemeClr val="accent2"/>
-    </dgm:fillClrLst>
-    <dgm:linClrLst meth="repeat">
-      <a:schemeClr val="lt1"/>
-    </dgm:linClrLst>
-    <dgm:effectClrLst/>
-    <dgm:txLinClrLst/>
-    <dgm:txFillClrLst/>
-    <dgm:txEffectClrLst/>
-  </dgm:styleLbl>
-  <dgm:styleLbl name="node1">
-    <dgm:fillClrLst>
-      <a:schemeClr val="accent3"/>
-      <a:schemeClr val="accent4"/>
-    </dgm:fillClrLst>
-    <dgm:linClrLst meth="repeat">
-      <a:schemeClr val="lt1"/>
-    </dgm:linClrLst>
-    <dgm:effectClrLst/>
-    <dgm:txLinClrLst/>
-    <dgm:txFillClrLst/>
-    <dgm:txEffectClrLst/>
-  </dgm:styleLbl>
-  <dgm:styleLbl name="alignNode1">
-    <dgm:fillClrLst>
-      <a:schemeClr val="accent3"/>
-      <a:schemeClr val="accent4"/>
-    </dgm:fillClrLst>
-    <dgm:linClrLst>
-      <a:schemeClr val="accent3"/>
-      <a:schemeClr val="accent4"/>
-    </dgm:linClrLst>
-    <dgm:effectClrLst/>
-    <dgm:txLinClrLst/>
-    <dgm:txFillClrLst/>
-    <dgm:txEffectClrLst/>
-  </dgm:styleLbl>
-  <dgm:styleLbl name="lnNode1">
-    <dgm:fillClrLst>
-      <a:schemeClr val="accent3"/>
-      <a:schemeClr val="accent4"/>
-    </dgm:fillClrLst>
-    <dgm:linClrLst meth="repeat">
-      <a:schemeClr val="lt1"/>
-    </dgm:linClrLst>
-    <dgm:effectClrLst/>
-    <dgm:txLinClrLst/>
-    <dgm:txFillClrLst/>
-    <dgm:txEffectClrLst/>
-  </dgm:styleLbl>
-  <dgm:styleLbl name="vennNode1">
-    <dgm:fillClrLst>
-      <a:schemeClr val="accent3">
-        <a:alpha val="50000"/>
-      </a:schemeClr>
-      <a:schemeClr val="accent4">
-        <a:alpha val="50000"/>
-      </a:schemeClr>
-    </dgm:fillClrLst>
-    <dgm:linClrLst meth="repeat">
-      <a:schemeClr val="lt1"/>
-    </dgm:linClrLst>
-    <dgm:effectClrLst/>
-    <dgm:txLinClrLst/>
-    <dgm:txFillClrLst/>
-    <dgm:txEffectClrLst/>
-  </dgm:styleLbl>
-  <dgm:styleLbl name="node2">
-    <dgm:fillClrLst>
-      <a:schemeClr val="accent4"/>
-    </dgm:fillClrLst>
-    <dgm:linClrLst meth="repeat">
-      <a:schemeClr val="lt1"/>
-    </dgm:linClrLst>
-    <dgm:effectClrLst/>
-    <dgm:txLinClrLst/>
-    <dgm:txFillClrLst/>
-    <dgm:txEffectClrLst/>
-  </dgm:styleLbl>
-  <dgm:styleLbl name="node3">
-    <dgm:fillClrLst>
-      <a:schemeClr val="accent5"/>
-    </dgm:fillClrLst>
-    <dgm:linClrLst meth="repeat">
-      <a:schemeClr val="lt1"/>
-    </dgm:linClrLst>
-    <dgm:effectClrLst/>
-    <dgm:txLinClrLst/>
-    <dgm:txFillClrLst/>
-    <dgm:txEffectClrLst/>
-  </dgm:styleLbl>
-  <dgm:styleLbl name="node4">
-    <dgm:fillClrLst>
-      <a:schemeClr val="accent6"/>
-    </dgm:fillClrLst>
-    <dgm:linClrLst meth="repeat">
-      <a:schemeClr val="lt1"/>
-    </dgm:linClrLst>
-    <dgm:effectClrLst/>
-    <dgm:txLinClrLst/>
-    <dgm:txFillClrLst/>
-    <dgm:txEffectClrLst/>
-  </dgm:styleLbl>
-  <dgm:styleLbl name="fgImgPlace1">
-    <dgm:fillClrLst>
-      <a:schemeClr val="accent3">
-        <a:tint val="50000"/>
-      </a:schemeClr>
-      <a:schemeClr val="accent4">
-        <a:tint val="50000"/>
-      </a:schemeClr>
-    </dgm:fillClrLst>
-    <dgm:linClrLst meth="repeat">
-      <a:schemeClr val="lt1"/>
-    </dgm:linClrLst>
-    <dgm:effectClrLst/>
-    <dgm:txLinClrLst/>
-    <dgm:txFillClrLst meth="repeat">
-      <a:schemeClr val="lt1"/>
-    </dgm:txFillClrLst>
-    <dgm:txEffectClrLst/>
-  </dgm:styleLbl>
-  <dgm:styleLbl name="alignImgPlace1">
-    <dgm:fillClrLst>
-      <a:schemeClr val="accent3">
-        <a:tint val="50000"/>
-      </a:schemeClr>
-      <a:schemeClr val="accent4">
-        <a:tint val="20000"/>
-      </a:schemeClr>
-    </dgm:fillClrLst>
-    <dgm:linClrLst meth="repeat">
-      <a:schemeClr val="lt1"/>
-    </dgm:linClrLst>
-    <dgm:effectClrLst/>
-    <dgm:txLinClrLst/>
-    <dgm:txFillClrLst meth="repeat">
-      <a:schemeClr val="lt1"/>
-    </dgm:txFillClrLst>
-    <dgm:txEffectClrLst/>
-  </dgm:styleLbl>
-  <dgm:styleLbl name="bgImgPlace1">
-    <dgm:fillClrLst>
-      <a:schemeClr val="accent3">
-        <a:tint val="50000"/>
-      </a:schemeClr>
-      <a:schemeClr val="accent4">
-        <a:tint val="20000"/>
-      </a:schemeClr>
-    </dgm:fillClrLst>
-    <dgm:linClrLst meth="repeat">
-      <a:schemeClr val="lt1"/>
-    </dgm:linClrLst>
-    <dgm:effectClrLst/>
-    <dgm:txLinClrLst/>
-    <dgm:txFillClrLst meth="repeat">
-      <a:schemeClr val="lt1"/>
-    </dgm:txFillClrLst>
-    <dgm:txEffectClrLst/>
-  </dgm:styleLbl>
-  <dgm:styleLbl name="sibTrans2D1">
-    <dgm:fillClrLst>
-      <a:schemeClr val="accent3"/>
-      <a:schemeClr val="accent4"/>
-    </dgm:fillClrLst>
-    <dgm:linClrLst meth="repeat">
-      <a:schemeClr val="lt1"/>
-    </dgm:linClrLst>
-    <dgm:effectClrLst/>
-    <dgm:txLinClrLst/>
-    <dgm:txFillClrLst/>
-    <dgm:txEffectClrLst/>
-  </dgm:styleLbl>
-  <dgm:styleLbl name="fgSibTrans2D1">
-    <dgm:fillClrLst>
-      <a:schemeClr val="accent3"/>
-      <a:schemeClr val="accent4"/>
-    </dgm:fillClrLst>
-    <dgm:linClrLst meth="repeat">
-      <a:schemeClr val="lt1"/>
-    </dgm:linClrLst>
-    <dgm:effectClrLst/>
-    <dgm:txLinClrLst/>
-    <dgm:txFillClrLst meth="repeat">
-      <a:schemeClr val="lt1"/>
-    </dgm:txFillClrLst>
-    <dgm:txEffectClrLst/>
-  </dgm:styleLbl>
-  <dgm:styleLbl name="bgSibTrans2D1">
-    <dgm:fillClrLst>
-      <a:schemeClr val="accent3"/>
-      <a:schemeClr val="accent4"/>
-    </dgm:fillClrLst>
-    <dgm:linClrLst meth="repeat">
-      <a:schemeClr val="lt1"/>
-    </dgm:linClrLst>
-    <dgm:effectClrLst/>
-    <dgm:txLinClrLst/>
-    <dgm:txFillClrLst meth="repeat">
-      <a:schemeClr val="lt1"/>
-    </dgm:txFillClrLst>
-    <dgm:txEffectClrLst/>
-  </dgm:styleLbl>
-  <dgm:styleLbl name="sibTrans1D1">
-    <dgm:fillClrLst/>
-    <dgm:linClrLst>
-      <a:schemeClr val="accent3"/>
-      <a:schemeClr val="accent4"/>
-    </dgm:linClrLst>
-    <dgm:effectClrLst/>
-    <dgm:txLinClrLst/>
-    <dgm:txFillClrLst meth="repeat">
-      <a:schemeClr val="tx1"/>
-    </dgm:txFillClrLst>
-    <dgm:txEffectClrLst/>
-  </dgm:styleLbl>
-  <dgm:styleLbl name="callout">
-    <dgm:fillClrLst meth="repeat">
-      <a:schemeClr val="accent3"/>
-    </dgm:fillClrLst>
-    <dgm:linClrLst meth="repeat">
-      <a:schemeClr val="accent3">
-        <a:tint val="50000"/>
-      </a:schemeClr>
-    </dgm:linClrLst>
-    <dgm:effectClrLst/>
-    <dgm:txLinClrLst/>
-    <dgm:txFillClrLst meth="repeat">
-      <a:schemeClr val="tx1"/>
-    </dgm:txFillClrLst>
-    <dgm:txEffectClrLst/>
-  </dgm:styleLbl>
-  <dgm:styleLbl name="asst0">
-    <dgm:fillClrLst meth="repeat">
-      <a:schemeClr val="accent3"/>
-    </dgm:fillClrLst>
-    <dgm:linClrLst meth="repeat">
-      <a:schemeClr val="lt1">
-        <a:shade val="80000"/>
-      </a:schemeClr>
-    </dgm:linClrLst>
-    <dgm:effectClrLst/>
-    <dgm:txLinClrLst/>
-    <dgm:txFillClrLst/>
-    <dgm:txEffectClrLst/>
-  </dgm:styleLbl>
-  <dgm:styleLbl name="asst1">
-    <dgm:fillClrLst meth="repeat">
-      <a:schemeClr val="accent4"/>
-    </dgm:fillClrLst>
-    <dgm:linClrLst meth="repeat">
-      <a:schemeClr val="lt1">
-        <a:shade val="80000"/>
-      </a:schemeClr>
-    </dgm:linClrLst>
-    <dgm:effectClrLst/>
-    <dgm:txLinClrLst/>
-    <dgm:txFillClrLst/>
-    <dgm:txEffectClrLst/>
-  </dgm:styleLbl>
-  <dgm:styleLbl name="asst2">
-    <dgm:fillClrLst>
-      <a:schemeClr val="accent5"/>
-    </dgm:fillClrLst>
-    <dgm:linClrLst meth="repeat">
-      <a:schemeClr val="lt1"/>
-    </dgm:linClrLst>
-    <dgm:effectClrLst/>
-    <dgm:txLinClrLst/>
-    <dgm:txFillClrLst/>
-    <dgm:txEffectClrLst/>
-  </dgm:styleLbl>
-  <dgm:styleLbl name="asst3">
-    <dgm:fillClrLst>
-      <a:schemeClr val="accent6"/>
-    </dgm:fillClrLst>
-    <dgm:linClrLst meth="repeat">
-      <a:schemeClr val="lt1"/>
-    </dgm:linClrLst>
-    <dgm:effectClrLst/>
-    <dgm:txLinClrLst/>
-    <dgm:txFillClrLst/>
-    <dgm:txEffectClrLst/>
-  </dgm:styleLbl>
-  <dgm:styleLbl name="asst4">
-    <dgm:fillClrLst>
-      <a:schemeClr val="accent1"/>
-    </dgm:fillClrLst>
-    <dgm:linClrLst meth="repeat">
-      <a:schemeClr val="lt1"/>
-    </dgm:linClrLst>
-    <dgm:effectClrLst/>
-    <dgm:txLinClrLst/>
-    <dgm:txFillClrLst/>
-    <dgm:txEffectClrLst/>
-  </dgm:styleLbl>
-  <dgm:styleLbl name="parChTrans2D1">
-    <dgm:fillClrLst meth="repeat">
-      <a:schemeClr val="accent2"/>
-    </dgm:fillClrLst>
-    <dgm:linClrLst meth="repeat">
-      <a:schemeClr val="lt1"/>
-    </dgm:linClrLst>
-    <dgm:effectClrLst/>
-    <dgm:txLinClrLst/>
-    <dgm:txFillClrLst meth="repeat">
-      <a:schemeClr val="lt1"/>
-    </dgm:txFillClrLst>
-    <dgm:txEffectClrLst/>
-  </dgm:styleLbl>
-  <dgm:styleLbl name="parChTrans2D2">
-    <dgm:fillClrLst meth="repeat">
-      <a:schemeClr val="accent3"/>
-    </dgm:fillClrLst>
-    <dgm:linClrLst meth="repeat">
-      <a:schemeClr val="lt1"/>
-    </dgm:linClrLst>
-    <dgm:effectClrLst/>
-    <dgm:txLinClrLst/>
-    <dgm:txFillClrLst/>
-    <dgm:txEffectClrLst/>
-  </dgm:styleLbl>
-  <dgm:styleLbl name="parChTrans2D3">
-    <dgm:fillClrLst meth="repeat">
-      <a:schemeClr val="accent4"/>
-    </dgm:fillClrLst>
-    <dgm:linClrLst meth="repeat">
-      <a:schemeClr val="lt1"/>
-    </dgm:linClrLst>
-    <dgm:effectClrLst/>
-    <dgm:txLinClrLst/>
-    <dgm:txFillClrLst/>
-    <dgm:txEffectClrLst/>
-  </dgm:styleLbl>
-  <dgm:styleLbl name="parChTrans2D4">
-    <dgm:fillClrLst meth="repeat">
-      <a:schemeClr val="accent5"/>
-    </dgm:fillClrLst>
-    <dgm:linClrLst meth="repeat">
-      <a:schemeClr val="lt1"/>
-    </dgm:linClrLst>
-    <dgm:effectClrLst/>
-    <dgm:txLinClrLst/>
-    <dgm:txFillClrLst meth="repeat">
-      <a:schemeClr val="lt1"/>
-    </dgm:txFillClrLst>
-    <dgm:txEffectClrLst/>
-  </dgm:styleLbl>
-  <dgm:styleLbl name="parChTrans1D1">
-    <dgm:fillClrLst meth="repeat">
-      <a:schemeClr val="accent3"/>
-    </dgm:fillClrLst>
-    <dgm:linClrLst meth="repeat">
-      <a:schemeClr val="accent3"/>
-    </dgm:linClrLst>
-    <dgm:effectClrLst/>
-    <dgm:txLinClrLst/>
-    <dgm:txFillClrLst meth="repeat">
-      <a:schemeClr val="tx1"/>
-    </dgm:txFillClrLst>
-    <dgm:txEffectClrLst/>
-  </dgm:styleLbl>
-  <dgm:styleLbl name="parChTrans1D2">
-    <dgm:fillClrLst meth="repeat">
-      <a:schemeClr val="accent2">
-        <a:tint val="90000"/>
-      </a:schemeClr>
-    </dgm:fillClrLst>
-    <dgm:linClrLst meth="repeat">
-      <a:schemeClr val="accent4"/>
-    </dgm:linClrLst>
-    <dgm:effectClrLst/>
-    <dgm:txLinClrLst/>
-    <dgm:txFillClrLst meth="repeat">
-      <a:schemeClr val="tx1"/>
-    </dgm:txFillClrLst>
-    <dgm:txEffectClrLst/>
-  </dgm:styleLbl>
-  <dgm:styleLbl name="parChTrans1D3">
-    <dgm:fillClrLst meth="repeat">
-      <a:schemeClr val="accent2">
-        <a:tint val="70000"/>
-      </a:schemeClr>
-    </dgm:fillClrLst>
-    <dgm:linClrLst meth="repeat">
-      <a:schemeClr val="accent5"/>
-    </dgm:linClrLst>
-    <dgm:effectClrLst/>
-    <dgm:txLinClrLst/>
-    <dgm:txFillClrLst meth="repeat">
-      <a:schemeClr val="tx1"/>
-    </dgm:txFillClrLst>
-    <dgm:txEffectClrLst/>
-  </dgm:styleLbl>
-  <dgm:styleLbl name="parChTrans1D4">
-    <dgm:fillClrLst meth="repeat">
-      <a:schemeClr val="accent6">
-        <a:tint val="50000"/>
-      </a:schemeClr>
-    </dgm:fillClrLst>
-    <dgm:linClrLst meth="repeat">
-      <a:schemeClr val="accent6"/>
-    </dgm:linClrLst>
-    <dgm:effectClrLst/>
-    <dgm:txLinClrLst/>
-    <dgm:txFillClrLst meth="repeat">
-      <a:schemeClr val="tx1"/>
-    </dgm:txFillClrLst>
-    <dgm:txEffectClrLst/>
-  </dgm:styleLbl>
-  <dgm:styleLbl name="fgAcc1">
-    <dgm:fillClrLst meth="repeat">
-      <a:schemeClr val="lt1">
-        <a:alpha val="90000"/>
-      </a:schemeClr>
-    </dgm:fillClrLst>
-    <dgm:linClrLst>
-      <a:schemeClr val="accent3"/>
-      <a:schemeClr val="accent4"/>
-    </dgm:linClrLst>
-    <dgm:effectClrLst/>
-    <dgm:txLinClrLst/>
-    <dgm:txFillClrLst meth="repeat">
-      <a:schemeClr val="dk1"/>
-    </dgm:txFillClrLst>
-    <dgm:txEffectClrLst/>
-  </dgm:styleLbl>
-  <dgm:styleLbl name="conFgAcc1">
-    <dgm:fillClrLst meth="repeat">
-      <a:schemeClr val="lt1">
-        <a:alpha val="90000"/>
-      </a:schemeClr>
-    </dgm:fillClrLst>
-    <dgm:linClrLst>
-      <a:schemeClr val="accent3"/>
-      <a:schemeClr val="accent4"/>
-    </dgm:linClrLst>
-    <dgm:effectClrLst/>
-    <dgm:txLinClrLst/>
-    <dgm:txFillClrLst meth="repeat">
-      <a:schemeClr val="dk1"/>
-    </dgm:txFillClrLst>
-    <dgm:txEffectClrLst/>
-  </dgm:styleLbl>
-  <dgm:styleLbl name="alignAcc1">
-    <dgm:fillClrLst meth="repeat">
-      <a:schemeClr val="lt1">
-        <a:alpha val="90000"/>
-      </a:schemeClr>
-    </dgm:fillClrLst>
-    <dgm:linClrLst>
-      <a:schemeClr val="accent3"/>
-      <a:schemeClr val="accent4"/>
-    </dgm:linClrLst>
-    <dgm:effectClrLst/>
-    <dgm:txLinClrLst/>
-    <dgm:txFillClrLst meth="repeat">
-      <a:schemeClr val="dk1"/>
-    </dgm:txFillClrLst>
-    <dgm:txEffectClrLst/>
-  </dgm:styleLbl>
-  <dgm:styleLbl name="trAlignAcc1">
-    <dgm:fillClrLst meth="repeat">
-      <a:schemeClr val="lt1">
-        <a:alpha val="40000"/>
-      </a:schemeClr>
-    </dgm:fillClrLst>
-    <dgm:linClrLst meth="repeat">
-      <a:schemeClr val="accent2"/>
-    </dgm:linClrLst>
-    <dgm:effectClrLst/>
-    <dgm:txLinClrLst/>
-    <dgm:txFillClrLst meth="repeat">
-      <a:schemeClr val="dk1"/>
-    </dgm:txFillClrLst>
-    <dgm:txEffectClrLst/>
-  </dgm:styleLbl>
-  <dgm:styleLbl name="bgAcc1">
-    <dgm:fillClrLst meth="repeat">
-      <a:schemeClr val="lt1">
-        <a:alpha val="90000"/>
-      </a:schemeClr>
-    </dgm:fillClrLst>
-    <dgm:linClrLst>
-      <a:schemeClr val="accent3"/>
-      <a:schemeClr val="accent4"/>
-    </dgm:linClrLst>
-    <dgm:effectClrLst/>
-    <dgm:txLinClrLst/>
-    <dgm:txFillClrLst meth="repeat">
-      <a:schemeClr val="dk1"/>
-    </dgm:txFillClrLst>
-    <dgm:txEffectClrLst/>
-  </dgm:styleLbl>
-  <dgm:styleLbl name="solidFgAcc1">
-    <dgm:fillClrLst meth="repeat">
-      <a:schemeClr val="lt1"/>
-    </dgm:fillClrLst>
-    <dgm:linClrLst>
-      <a:schemeClr val="accent3"/>
-      <a:schemeClr val="accent4"/>
-    </dgm:linClrLst>
-    <dgm:effectClrLst/>
-    <dgm:txLinClrLst/>
-    <dgm:txFillClrLst meth="repeat">
-      <a:schemeClr val="dk1"/>
-    </dgm:txFillClrLst>
-    <dgm:txEffectClrLst/>
-  </dgm:styleLbl>
-  <dgm:styleLbl name="solidAlignAcc1">
-    <dgm:fillClrLst meth="repeat">
-      <a:schemeClr val="lt1"/>
-    </dgm:fillClrLst>
-    <dgm:linClrLst>
-      <a:schemeClr val="accent3"/>
-      <a:schemeClr val="accent4"/>
-    </dgm:linClrLst>
-    <dgm:effectClrLst/>
-    <dgm:txLinClrLst/>
-    <dgm:txFillClrLst meth="repeat">
-      <a:schemeClr val="dk1"/>
-    </dgm:txFillClrLst>
-    <dgm:txEffectClrLst/>
-  </dgm:styleLbl>
-  <dgm:styleLbl name="solidBgAcc1">
-    <dgm:fillClrLst meth="repeat">
-      <a:schemeClr val="lt1"/>
-    </dgm:fillClrLst>
-    <dgm:linClrLst>
-      <a:schemeClr val="accent3"/>
-      <a:schemeClr val="accent4"/>
-    </dgm:linClrLst>
-    <dgm:effectClrLst/>
-    <dgm:txLinClrLst/>
-    <dgm:txFillClrLst meth="repeat">
-      <a:schemeClr val="dk1"/>
-    </dgm:txFillClrLst>
-    <dgm:txEffectClrLst/>
-  </dgm:styleLbl>
-  <dgm:styleLbl name="fgAccFollowNode1">
-    <dgm:fillClrLst>
-      <a:schemeClr val="accent3">
-        <a:tint val="40000"/>
-        <a:alpha val="90000"/>
-      </a:schemeClr>
-      <a:schemeClr val="accent4">
-        <a:tint val="40000"/>
-        <a:alpha val="90000"/>
-      </a:schemeClr>
-    </dgm:fillClrLst>
-    <dgm:linClrLst>
-      <a:schemeClr val="accent3">
-        <a:tint val="40000"/>
-        <a:alpha val="90000"/>
-      </a:schemeClr>
-      <a:schemeClr val="accent4">
-        <a:tint val="40000"/>
-        <a:alpha val="90000"/>
-      </a:schemeClr>
-    </dgm:linClrLst>
-    <dgm:effectClrLst/>
-    <dgm:txLinClrLst/>
-    <dgm:txFillClrLst meth="repeat">
-      <a:schemeClr val="dk1"/>
-    </dgm:txFillClrLst>
-    <dgm:txEffectClrLst/>
-  </dgm:styleLbl>
-  <dgm:styleLbl name="alignAccFollowNode1">
-    <dgm:fillClrLst>
-      <a:schemeClr val="accent3">
-        <a:tint val="40000"/>
-        <a:alpha val="90000"/>
-      </a:schemeClr>
-      <a:schemeClr val="accent4">
-        <a:tint val="40000"/>
-        <a:alpha val="90000"/>
-      </a:schemeClr>
-    </dgm:fillClrLst>
-    <dgm:linClrLst>
-      <a:schemeClr val="accent3">
-        <a:tint val="40000"/>
-        <a:alpha val="90000"/>
-      </a:schemeClr>
-      <a:schemeClr val="accent4">
-        <a:tint val="40000"/>
-        <a:alpha val="90000"/>
-      </a:schemeClr>
-    </dgm:linClrLst>
-    <dgm:effectClrLst/>
-    <dgm:txLinClrLst/>
-    <dgm:txFillClrLst meth="repeat">
-      <a:schemeClr val="dk1"/>
-    </dgm:txFillClrLst>
-    <dgm:txEffectClrLst/>
-  </dgm:styleLbl>
-  <dgm:styleLbl name="bgAccFollowNode1">
-    <dgm:fillClrLst>
-      <a:schemeClr val="accent3">
-        <a:tint val="40000"/>
-        <a:alpha val="90000"/>
-      </a:schemeClr>
-      <a:schemeClr val="accent4">
-        <a:tint val="40000"/>
-        <a:alpha val="90000"/>
-      </a:schemeClr>
-    </dgm:fillClrLst>
-    <dgm:linClrLst>
-      <a:schemeClr val="accent3">
-        <a:tint val="40000"/>
-        <a:alpha val="90000"/>
-      </a:schemeClr>
-      <a:schemeClr val="accent4">
-        <a:tint val="40000"/>
-        <a:alpha val="90000"/>
-      </a:schemeClr>
-    </dgm:linClrLst>
-    <dgm:effectClrLst/>
-    <dgm:txLinClrLst/>
-    <dgm:txFillClrLst meth="repeat">
-      <a:schemeClr val="dk1"/>
-    </dgm:txFillClrLst>
-    <dgm:txEffectClrLst/>
-  </dgm:styleLbl>
-  <dgm:styleLbl name="fgAcc0">
-    <dgm:fillClrLst meth="repeat">
-      <a:schemeClr val="lt1">
-        <a:alpha val="90000"/>
-      </a:schemeClr>
-    </dgm:fillClrLst>
-    <dgm:linClrLst>
-      <a:schemeClr val="accent2"/>
-    </dgm:linClrLst>
-    <dgm:effectClrLst/>
-    <dgm:txLinClrLst/>
-    <dgm:txFillClrLst meth="repeat">
-      <a:schemeClr val="dk1"/>
-    </dgm:txFillClrLst>
-    <dgm:txEffectClrLst/>
-  </dgm:styleLbl>
-  <dgm:styleLbl name="fgAcc2">
-    <dgm:fillClrLst meth="repeat">
-      <a:schemeClr val="lt1">
-        <a:alpha val="90000"/>
-      </a:schemeClr>
-    </dgm:fillClrLst>
-    <dgm:linClrLst>
-      <a:schemeClr val="accent4"/>
-    </dgm:linClrLst>
-    <dgm:effectClrLst/>
-    <dgm:txLinClrLst/>
-    <dgm:txFillClrLst meth="repeat">
-      <a:schemeClr val="dk1"/>
-    </dgm:txFillClrLst>
-    <dgm:txEffectClrLst/>
-  </dgm:styleLbl>
-  <dgm:styleLbl name="fgAcc3">
-    <dgm:fillClrLst meth="repeat">
-      <a:schemeClr val="lt1">
-        <a:alpha val="90000"/>
-      </a:schemeClr>
-    </dgm:fillClrLst>
-    <dgm:linClrLst>
-      <a:schemeClr val="accent5"/>
-    </dgm:linClrLst>
-    <dgm:effectClrLst/>
-    <dgm:txLinClrLst/>
-    <dgm:txFillClrLst meth="repeat">
-      <a:schemeClr val="dk1"/>
-    </dgm:txFillClrLst>
-    <dgm:txEffectClrLst/>
-  </dgm:styleLbl>
-  <dgm:styleLbl name="fgAcc4">
-    <dgm:fillClrLst meth="repeat">
-      <a:schemeClr val="lt1">
-        <a:alpha val="90000"/>
-      </a:schemeClr>
-    </dgm:fillClrLst>
-    <dgm:linClrLst>
-      <a:schemeClr val="accent6"/>
-    </dgm:linClrLst>
-    <dgm:effectClrLst/>
-    <dgm:txLinClrLst/>
-    <dgm:txFillClrLst meth="repeat">
-      <a:schemeClr val="dk1"/>
-    </dgm:txFillClrLst>
-    <dgm:txEffectClrLst/>
-  </dgm:styleLbl>
-  <dgm:styleLbl name="bgShp">
-    <dgm:fillClrLst meth="repeat">
-      <a:schemeClr val="accent3">
-        <a:tint val="40000"/>
-      </a:schemeClr>
-    </dgm:fillClrLst>
-    <dgm:linClrLst meth="repeat">
-      <a:schemeClr val="dk1"/>
-    </dgm:linClrLst>
-    <dgm:effectClrLst/>
-    <dgm:txLinClrLst/>
-    <dgm:txFillClrLst meth="repeat">
-      <a:schemeClr val="dk1"/>
-    </dgm:txFillClrLst>
-    <dgm:txEffectClrLst/>
-  </dgm:styleLbl>
-  <dgm:styleLbl name="dkBgShp">
-    <dgm:fillClrLst meth="repeat">
-      <a:schemeClr val="accent3">
-        <a:shade val="90000"/>
-      </a:schemeClr>
-    </dgm:fillClrLst>
-    <dgm:linClrLst meth="repeat">
-      <a:schemeClr val="dk1"/>
-    </dgm:linClrLst>
-    <dgm:effectClrLst/>
-    <dgm:txLinClrLst/>
-    <dgm:txFillClrLst meth="repeat">
-      <a:schemeClr val="lt1"/>
-    </dgm:txFillClrLst>
-    <dgm:txEffectClrLst/>
-  </dgm:styleLbl>
-  <dgm:styleLbl name="trBgShp">
-    <dgm:fillClrLst meth="repeat">
-      <a:schemeClr val="accent2">
-        <a:tint val="50000"/>
-        <a:alpha val="40000"/>
-      </a:schemeClr>
-    </dgm:fillClrLst>
-    <dgm:linClrLst meth="repeat">
-      <a:schemeClr val="accent3"/>
-    </dgm:linClrLst>
-    <dgm:effectClrLst/>
-    <dgm:txLinClrLst/>
-    <dgm:txFillClrLst meth="repeat">
-      <a:schemeClr val="lt1"/>
-    </dgm:txFillClrLst>
-    <dgm:txEffectClrLst/>
-  </dgm:styleLbl>
-  <dgm:styleLbl name="fgShp">
-    <dgm:fillClrLst meth="repeat">
-      <a:schemeClr val="accent3">
-        <a:tint val="40000"/>
-      </a:schemeClr>
-    </dgm:fillClrLst>
-    <dgm:linClrLst meth="repeat">
-      <a:schemeClr val="lt1"/>
-    </dgm:linClrLst>
-    <dgm:effectClrLst/>
-    <dgm:txLinClrLst/>
-    <dgm:txFillClrLst meth="repeat">
-      <a:schemeClr val="dk1"/>
-    </dgm:txFillClrLst>
-    <dgm:txEffectClrLst/>
-  </dgm:styleLbl>
-  <dgm:styleLbl name="revTx">
-    <dgm:fillClrLst meth="repeat">
-      <a:schemeClr val="lt1">
-        <a:alpha val="0"/>
-      </a:schemeClr>
-    </dgm:fillClrLst>
-    <dgm:linClrLst meth="repeat">
-      <a:schemeClr val="dk1">
-        <a:alpha val="0"/>
-      </a:schemeClr>
-    </dgm:linClrLst>
-    <dgm:effectClrLst/>
-    <dgm:txLinClrLst/>
-    <dgm:txFillClrLst meth="repeat">
-      <a:schemeClr val="tx1"/>
-    </dgm:txFillClrLst>
-    <dgm:txEffectClrLst/>
-  </dgm:styleLbl>
-</dgm:colorsDef>
-</file>
-
-<file path=ppt/diagrams/data1.xml><?xml version="1.0" encoding="utf-8"?>
-<dgm:dataModel xmlns:dgm="http://schemas.openxmlformats.org/drawingml/2006/diagram" xmlns:a="http://schemas.openxmlformats.org/drawingml/2006/main">
-  <dgm:ptLst>
-    <dgm:pt modelId="{CD5204CD-6958-4A55-82AA-4AD73B3B6A19}" type="doc">
-      <dgm:prSet loTypeId="urn:microsoft.com/office/officeart/2005/8/layout/process4" loCatId="list" qsTypeId="urn:microsoft.com/office/officeart/2005/8/quickstyle/simple1" qsCatId="simple" csTypeId="urn:microsoft.com/office/officeart/2005/8/colors/colorful3" csCatId="colorful" phldr="1"/>
-      <dgm:spPr/>
-      <dgm:t>
-        <a:bodyPr/>
-        <a:lstStyle/>
-        <a:p>
-          <a:endParaRPr lang="en-US"/>
-        </a:p>
-      </dgm:t>
-    </dgm:pt>
-    <dgm:pt modelId="{C712D637-7FF1-401C-9304-F85D1B95B226}">
-      <dgm:prSet phldrT="[Text]"/>
-      <dgm:spPr/>
-      <dgm:t>
-        <a:bodyPr/>
-        <a:lstStyle/>
-        <a:p>
-          <a:pPr algn="ctr" defTabSz="914400">
-            <a:buNone/>
-          </a:pPr>
-          <a:r>
-            <a:rPr lang="fr-FR" noProof="0" dirty="0" smtClean="0"/>
-            <a:t>Étape 1</a:t>
-          </a:r>
-          <a:endParaRPr lang="fr-FR" noProof="0" dirty="0"/>
-        </a:p>
-      </dgm:t>
-    </dgm:pt>
-    <dgm:pt modelId="{05E1DD5C-7FEF-48F0-9651-C74D082ACBA9}" type="parTrans" cxnId="{9653D664-EC18-40D7-9F5E-3B27A70DCA4D}">
-      <dgm:prSet/>
-      <dgm:spPr/>
-      <dgm:t>
-        <a:bodyPr/>
-        <a:lstStyle/>
-        <a:p>
-          <a:endParaRPr lang="en-US"/>
-        </a:p>
-      </dgm:t>
-    </dgm:pt>
-    <dgm:pt modelId="{F14B97BF-E90F-4D5A-A42B-6364BCB81249}" type="sibTrans" cxnId="{9653D664-EC18-40D7-9F5E-3B27A70DCA4D}">
-      <dgm:prSet/>
-      <dgm:spPr/>
-      <dgm:t>
-        <a:bodyPr/>
-        <a:lstStyle/>
-        <a:p>
-          <a:endParaRPr lang="en-US"/>
-        </a:p>
-      </dgm:t>
-    </dgm:pt>
-    <dgm:pt modelId="{743FE7B1-011B-42E6-8768-1EB3E95741FA}">
-      <dgm:prSet phldrT="[Text]"/>
-      <dgm:spPr/>
-      <dgm:t>
-        <a:bodyPr/>
-        <a:lstStyle/>
-        <a:p>
-          <a:pPr algn="l" defTabSz="914400">
-            <a:buNone/>
-          </a:pPr>
-          <a:r>
-            <a:rPr lang="fr-FR" sz="1800" b="0" i="0" noProof="0" dirty="0" smtClean="0">
-              <a:latin typeface="Franklin Gothic Medium"/>
-              <a:ea typeface="+mn-ea"/>
-              <a:cs typeface="+mn-cs"/>
-            </a:rPr>
-            <a:t>Description de la tâche</a:t>
-          </a:r>
-          <a:endParaRPr lang="fr-FR" sz="1800" b="0" i="0" noProof="0" dirty="0">
-            <a:latin typeface="Franklin Gothic Medium"/>
-            <a:ea typeface="+mn-ea"/>
-            <a:cs typeface="+mn-cs"/>
-          </a:endParaRPr>
-        </a:p>
-      </dgm:t>
-    </dgm:pt>
-    <dgm:pt modelId="{921AFB12-2D70-40FB-8AB1-299E0FF2C5A6}" type="parTrans" cxnId="{6D29C741-1B1E-4EBC-A0C7-F287A8ED285A}">
-      <dgm:prSet/>
-      <dgm:spPr/>
-      <dgm:t>
-        <a:bodyPr/>
-        <a:lstStyle/>
-        <a:p>
-          <a:endParaRPr lang="en-US"/>
-        </a:p>
-      </dgm:t>
-    </dgm:pt>
-    <dgm:pt modelId="{FFAF77DD-A644-4C36-8908-6204BB0D9268}" type="sibTrans" cxnId="{6D29C741-1B1E-4EBC-A0C7-F287A8ED285A}">
-      <dgm:prSet/>
-      <dgm:spPr/>
-      <dgm:t>
-        <a:bodyPr/>
-        <a:lstStyle/>
-        <a:p>
-          <a:endParaRPr lang="en-US"/>
-        </a:p>
-      </dgm:t>
-    </dgm:pt>
-    <dgm:pt modelId="{DA33CDF4-5B94-4B92-9E0A-4DFD4CBFAF2D}">
-      <dgm:prSet phldrT="[Text]"/>
-      <dgm:spPr/>
-      <dgm:t>
-        <a:bodyPr/>
-        <a:lstStyle/>
-        <a:p>
-          <a:pPr algn="l" defTabSz="914400">
-            <a:buNone/>
-          </a:pPr>
-          <a:r>
-            <a:rPr lang="fr-FR" sz="1800" b="0" i="0" noProof="0" dirty="0" smtClean="0">
-              <a:latin typeface="Franklin Gothic Medium"/>
-              <a:ea typeface="+mn-ea"/>
-              <a:cs typeface="+mn-cs"/>
-            </a:rPr>
-            <a:t>Description de la tâche</a:t>
-          </a:r>
-          <a:endParaRPr lang="fr-FR" sz="1800" b="0" i="0" noProof="0" dirty="0">
-            <a:latin typeface="Franklin Gothic Medium"/>
-            <a:ea typeface="+mn-ea"/>
-            <a:cs typeface="+mn-cs"/>
-          </a:endParaRPr>
-        </a:p>
-      </dgm:t>
-    </dgm:pt>
-    <dgm:pt modelId="{B7ECB8E0-4CD3-4804-BE8C-5260A5083C57}" type="parTrans" cxnId="{88A87FA6-C1EB-4109-9B9E-2FE10DE80F14}">
-      <dgm:prSet/>
-      <dgm:spPr/>
-      <dgm:t>
-        <a:bodyPr/>
-        <a:lstStyle/>
-        <a:p>
-          <a:endParaRPr lang="en-US"/>
-        </a:p>
-      </dgm:t>
-    </dgm:pt>
-    <dgm:pt modelId="{D3EF4DE2-351E-4A5C-980A-1BBDC899AAC2}" type="sibTrans" cxnId="{88A87FA6-C1EB-4109-9B9E-2FE10DE80F14}">
-      <dgm:prSet/>
-      <dgm:spPr/>
-      <dgm:t>
-        <a:bodyPr/>
-        <a:lstStyle/>
-        <a:p>
-          <a:endParaRPr lang="en-US"/>
-        </a:p>
-      </dgm:t>
-    </dgm:pt>
-    <dgm:pt modelId="{DB6AA457-F75F-415D-BDD5-92045774FE4B}">
-      <dgm:prSet phldrT="[Text]"/>
-      <dgm:spPr/>
-      <dgm:t>
-        <a:bodyPr/>
-        <a:lstStyle/>
-        <a:p>
-          <a:pPr algn="ctr" defTabSz="914400">
-            <a:buNone/>
-          </a:pPr>
-          <a:r>
-            <a:rPr lang="fr-FR" noProof="0" dirty="0" smtClean="0"/>
-            <a:t>Étape 2</a:t>
-          </a:r>
-          <a:endParaRPr lang="fr-FR" noProof="0" dirty="0"/>
-        </a:p>
-      </dgm:t>
-    </dgm:pt>
-    <dgm:pt modelId="{195DBB62-3C1E-4BED-ADB6-6E31CA6ABD63}" type="parTrans" cxnId="{93F76B4F-907D-4630-B1A9-C3BE3C102DFF}">
-      <dgm:prSet/>
-      <dgm:spPr/>
-      <dgm:t>
-        <a:bodyPr/>
-        <a:lstStyle/>
-        <a:p>
-          <a:endParaRPr lang="en-US"/>
-        </a:p>
-      </dgm:t>
-    </dgm:pt>
-    <dgm:pt modelId="{C684833D-85CC-4010-A138-ABC65E139C69}" type="sibTrans" cxnId="{93F76B4F-907D-4630-B1A9-C3BE3C102DFF}">
-      <dgm:prSet/>
-      <dgm:spPr/>
-      <dgm:t>
-        <a:bodyPr/>
-        <a:lstStyle/>
-        <a:p>
-          <a:endParaRPr lang="en-US"/>
-        </a:p>
-      </dgm:t>
-    </dgm:pt>
-    <dgm:pt modelId="{99C943DF-AAA4-4E2C-A283-FA2BF761F447}">
-      <dgm:prSet phldrT="[Text]"/>
-      <dgm:spPr/>
-      <dgm:t>
-        <a:bodyPr/>
-        <a:lstStyle/>
-        <a:p>
-          <a:pPr algn="l" defTabSz="914400">
-            <a:buNone/>
-          </a:pPr>
-          <a:r>
-            <a:rPr lang="fr-FR" sz="1800" b="0" i="0" noProof="0" dirty="0" smtClean="0">
-              <a:latin typeface="Franklin Gothic Medium"/>
-              <a:ea typeface="+mn-ea"/>
-              <a:cs typeface="+mn-cs"/>
-            </a:rPr>
-            <a:t>Description de la tâche</a:t>
-          </a:r>
-          <a:endParaRPr lang="fr-FR" sz="1800" b="0" i="0" noProof="0" dirty="0">
-            <a:latin typeface="Franklin Gothic Medium"/>
-            <a:ea typeface="+mn-ea"/>
-            <a:cs typeface="+mn-cs"/>
-          </a:endParaRPr>
-        </a:p>
-      </dgm:t>
-    </dgm:pt>
-    <dgm:pt modelId="{20F107AF-35DA-4D25-AB35-B8AD821D3FE7}" type="parTrans" cxnId="{F9232B4D-645E-4C93-A5D6-A89B30504327}">
-      <dgm:prSet/>
-      <dgm:spPr/>
-      <dgm:t>
-        <a:bodyPr/>
-        <a:lstStyle/>
-        <a:p>
-          <a:endParaRPr lang="en-US"/>
-        </a:p>
-      </dgm:t>
-    </dgm:pt>
-    <dgm:pt modelId="{4802CB64-7B32-458C-A9FF-C35C0A51E69A}" type="sibTrans" cxnId="{F9232B4D-645E-4C93-A5D6-A89B30504327}">
-      <dgm:prSet/>
-      <dgm:spPr/>
-      <dgm:t>
-        <a:bodyPr/>
-        <a:lstStyle/>
-        <a:p>
-          <a:endParaRPr lang="en-US"/>
-        </a:p>
-      </dgm:t>
-    </dgm:pt>
-    <dgm:pt modelId="{3FE03ED9-3066-4E28-8291-0B1764DC85D6}">
-      <dgm:prSet phldrT="[Text]"/>
-      <dgm:spPr/>
-      <dgm:t>
-        <a:bodyPr/>
-        <a:lstStyle/>
-        <a:p>
-          <a:pPr algn="l" defTabSz="914400">
-            <a:buNone/>
-          </a:pPr>
-          <a:r>
-            <a:rPr lang="fr-FR" sz="1800" b="0" i="0" noProof="0" dirty="0" smtClean="0">
-              <a:latin typeface="Franklin Gothic Medium"/>
-              <a:ea typeface="+mn-ea"/>
-              <a:cs typeface="+mn-cs"/>
-            </a:rPr>
-            <a:t>Description de la tâche</a:t>
-          </a:r>
-          <a:endParaRPr lang="fr-FR" sz="1800" b="0" i="0" noProof="0" dirty="0">
-            <a:latin typeface="Franklin Gothic Medium"/>
-            <a:ea typeface="+mn-ea"/>
-            <a:cs typeface="+mn-cs"/>
-          </a:endParaRPr>
-        </a:p>
-      </dgm:t>
-    </dgm:pt>
-    <dgm:pt modelId="{70F79093-990B-4C69-A0BC-6E28D692D24F}" type="parTrans" cxnId="{EF7A2011-FCAC-41A8-A305-634BF780B59D}">
-      <dgm:prSet/>
-      <dgm:spPr/>
-      <dgm:t>
-        <a:bodyPr/>
-        <a:lstStyle/>
-        <a:p>
-          <a:endParaRPr lang="en-US"/>
-        </a:p>
-      </dgm:t>
-    </dgm:pt>
-    <dgm:pt modelId="{2D17DCF5-1F10-4F99-AFA5-9D17F12D0A73}" type="sibTrans" cxnId="{EF7A2011-FCAC-41A8-A305-634BF780B59D}">
-      <dgm:prSet/>
-      <dgm:spPr/>
-      <dgm:t>
-        <a:bodyPr/>
-        <a:lstStyle/>
-        <a:p>
-          <a:endParaRPr lang="en-US"/>
-        </a:p>
-      </dgm:t>
-    </dgm:pt>
-    <dgm:pt modelId="{C3DC95A2-4D92-42C5-966E-8600E4BA31BD}">
-      <dgm:prSet phldrT="[Text]"/>
-      <dgm:spPr/>
-      <dgm:t>
-        <a:bodyPr/>
-        <a:lstStyle/>
-        <a:p>
-          <a:pPr algn="ctr" defTabSz="914400">
-            <a:buNone/>
-          </a:pPr>
-          <a:r>
-            <a:rPr lang="fr-FR" noProof="0" dirty="0" smtClean="0"/>
-            <a:t>Étape 3</a:t>
-          </a:r>
-          <a:endParaRPr lang="fr-FR" noProof="0" dirty="0"/>
-        </a:p>
-      </dgm:t>
-    </dgm:pt>
-    <dgm:pt modelId="{F9D94033-59E5-4228-A5F3-6CB272E77E3B}" type="parTrans" cxnId="{8A476EEB-6A39-4004-AD8C-BD56913E7B26}">
-      <dgm:prSet/>
-      <dgm:spPr/>
-      <dgm:t>
-        <a:bodyPr/>
-        <a:lstStyle/>
-        <a:p>
-          <a:endParaRPr lang="en-US"/>
-        </a:p>
-      </dgm:t>
-    </dgm:pt>
-    <dgm:pt modelId="{A43E3114-C8AC-4F44-952D-8A0D6A8A6B45}" type="sibTrans" cxnId="{8A476EEB-6A39-4004-AD8C-BD56913E7B26}">
-      <dgm:prSet/>
-      <dgm:spPr/>
-      <dgm:t>
-        <a:bodyPr/>
-        <a:lstStyle/>
-        <a:p>
-          <a:endParaRPr lang="en-US"/>
-        </a:p>
-      </dgm:t>
-    </dgm:pt>
-    <dgm:pt modelId="{17ACD041-408C-4E7D-B463-7267D32756A1}">
-      <dgm:prSet phldrT="[Text]"/>
-      <dgm:spPr/>
-      <dgm:t>
-        <a:bodyPr/>
-        <a:lstStyle/>
-        <a:p>
-          <a:pPr algn="l" defTabSz="914400">
-            <a:buNone/>
-          </a:pPr>
-          <a:r>
-            <a:rPr lang="fr-FR" sz="1800" b="0" i="0" noProof="0" dirty="0" smtClean="0">
-              <a:latin typeface="Franklin Gothic Medium"/>
-              <a:ea typeface="+mn-ea"/>
-              <a:cs typeface="+mn-cs"/>
-            </a:rPr>
-            <a:t>Description de la tâche</a:t>
-          </a:r>
-          <a:endParaRPr lang="fr-FR" sz="1800" b="0" i="0" noProof="0" dirty="0">
-            <a:latin typeface="Franklin Gothic Medium"/>
-            <a:ea typeface="+mn-ea"/>
-            <a:cs typeface="+mn-cs"/>
-          </a:endParaRPr>
-        </a:p>
-      </dgm:t>
-    </dgm:pt>
-    <dgm:pt modelId="{209FC651-3F8E-4BF8-8C06-328027667041}" type="parTrans" cxnId="{EBCDDEFB-4955-4864-90AB-7D693BE5DA0A}">
-      <dgm:prSet/>
-      <dgm:spPr/>
-      <dgm:t>
-        <a:bodyPr/>
-        <a:lstStyle/>
-        <a:p>
-          <a:endParaRPr lang="en-US"/>
-        </a:p>
-      </dgm:t>
-    </dgm:pt>
-    <dgm:pt modelId="{A6AA8096-532A-4378-9BB6-B585B46357E5}" type="sibTrans" cxnId="{EBCDDEFB-4955-4864-90AB-7D693BE5DA0A}">
-      <dgm:prSet/>
-      <dgm:spPr/>
-      <dgm:t>
-        <a:bodyPr/>
-        <a:lstStyle/>
-        <a:p>
-          <a:endParaRPr lang="en-US"/>
-        </a:p>
-      </dgm:t>
-    </dgm:pt>
-    <dgm:pt modelId="{B5387FF0-0982-441E-9F8E-19335142671C}">
-      <dgm:prSet phldrT="[Text]"/>
-      <dgm:spPr/>
-      <dgm:t>
-        <a:bodyPr/>
-        <a:lstStyle/>
-        <a:p>
-          <a:pPr algn="l" defTabSz="914400">
-            <a:buNone/>
-          </a:pPr>
-          <a:r>
-            <a:rPr lang="fr-FR" sz="1800" b="0" i="0" noProof="0" dirty="0" smtClean="0">
-              <a:latin typeface="Franklin Gothic Medium"/>
-              <a:ea typeface="+mn-ea"/>
-              <a:cs typeface="+mn-cs"/>
-            </a:rPr>
-            <a:t>Description de la tâche</a:t>
-          </a:r>
-          <a:endParaRPr lang="fr-FR" sz="1800" b="0" i="0" noProof="0" dirty="0">
-            <a:latin typeface="Franklin Gothic Medium"/>
-            <a:ea typeface="+mn-ea"/>
-            <a:cs typeface="+mn-cs"/>
-          </a:endParaRPr>
-        </a:p>
-      </dgm:t>
-    </dgm:pt>
-    <dgm:pt modelId="{FE9534D2-E5E4-4494-A37E-5724362DB3AC}" type="parTrans" cxnId="{7F70C7BE-72E8-441E-B7CF-522ADEA91ECB}">
-      <dgm:prSet/>
-      <dgm:spPr/>
-      <dgm:t>
-        <a:bodyPr/>
-        <a:lstStyle/>
-        <a:p>
-          <a:endParaRPr lang="en-US"/>
-        </a:p>
-      </dgm:t>
-    </dgm:pt>
-    <dgm:pt modelId="{0DB486FB-DB2E-4894-89D1-AA4679580390}" type="sibTrans" cxnId="{7F70C7BE-72E8-441E-B7CF-522ADEA91ECB}">
-      <dgm:prSet/>
-      <dgm:spPr/>
-      <dgm:t>
-        <a:bodyPr/>
-        <a:lstStyle/>
-        <a:p>
-          <a:endParaRPr lang="en-US"/>
-        </a:p>
-      </dgm:t>
-    </dgm:pt>
-    <dgm:pt modelId="{31D3AE5D-DA06-4E2D-9D68-F5531DFE7C2B}" type="pres">
-      <dgm:prSet presAssocID="{CD5204CD-6958-4A55-82AA-4AD73B3B6A19}" presName="Name0" presStyleCnt="0">
-        <dgm:presLayoutVars>
-          <dgm:dir/>
-          <dgm:animLvl val="lvl"/>
-          <dgm:resizeHandles val="exact"/>
-        </dgm:presLayoutVars>
-      </dgm:prSet>
-      <dgm:spPr/>
-      <dgm:t>
-        <a:bodyPr/>
-        <a:lstStyle/>
-        <a:p>
-          <a:endParaRPr lang="en-US"/>
-        </a:p>
-      </dgm:t>
-    </dgm:pt>
-    <dgm:pt modelId="{127AFF01-F37D-42CC-8885-1689151201CD}" type="pres">
-      <dgm:prSet presAssocID="{C3DC95A2-4D92-42C5-966E-8600E4BA31BD}" presName="boxAndChildren" presStyleCnt="0"/>
-      <dgm:spPr/>
-    </dgm:pt>
-    <dgm:pt modelId="{588D9B7D-EC68-4FB0-96F2-2E47AC868059}" type="pres">
-      <dgm:prSet presAssocID="{C3DC95A2-4D92-42C5-966E-8600E4BA31BD}" presName="parentTextBox" presStyleLbl="node1" presStyleIdx="0" presStyleCnt="3"/>
-      <dgm:spPr/>
-      <dgm:t>
-        <a:bodyPr/>
-        <a:lstStyle/>
-        <a:p>
-          <a:endParaRPr lang="en-US"/>
-        </a:p>
-      </dgm:t>
-    </dgm:pt>
-    <dgm:pt modelId="{B752F9F5-2482-4D52-A33E-BE0263F4B0EA}" type="pres">
-      <dgm:prSet presAssocID="{C3DC95A2-4D92-42C5-966E-8600E4BA31BD}" presName="entireBox" presStyleLbl="node1" presStyleIdx="0" presStyleCnt="3"/>
-      <dgm:spPr/>
-      <dgm:t>
-        <a:bodyPr/>
-        <a:lstStyle/>
-        <a:p>
-          <a:endParaRPr lang="en-US"/>
-        </a:p>
-      </dgm:t>
-    </dgm:pt>
-    <dgm:pt modelId="{2DA8AD2F-BF50-4911-9A17-8274766C00A6}" type="pres">
-      <dgm:prSet presAssocID="{C3DC95A2-4D92-42C5-966E-8600E4BA31BD}" presName="descendantBox" presStyleCnt="0"/>
-      <dgm:spPr/>
-    </dgm:pt>
-    <dgm:pt modelId="{C4F2ADBF-C592-483D-A6FF-5DB9D2A90309}" type="pres">
-      <dgm:prSet presAssocID="{17ACD041-408C-4E7D-B463-7267D32756A1}" presName="childTextBox" presStyleLbl="fgAccFollowNode1" presStyleIdx="0" presStyleCnt="6">
-        <dgm:presLayoutVars>
-          <dgm:bulletEnabled val="1"/>
-        </dgm:presLayoutVars>
-      </dgm:prSet>
-      <dgm:spPr/>
-      <dgm:t>
-        <a:bodyPr/>
-        <a:lstStyle/>
-        <a:p>
-          <a:endParaRPr lang="en-US"/>
-        </a:p>
-      </dgm:t>
-    </dgm:pt>
-    <dgm:pt modelId="{0F0AC827-ACAE-4C23-875D-A4B53006A73F}" type="pres">
-      <dgm:prSet presAssocID="{B5387FF0-0982-441E-9F8E-19335142671C}" presName="childTextBox" presStyleLbl="fgAccFollowNode1" presStyleIdx="1" presStyleCnt="6">
-        <dgm:presLayoutVars>
-          <dgm:bulletEnabled val="1"/>
-        </dgm:presLayoutVars>
-      </dgm:prSet>
-      <dgm:spPr/>
-      <dgm:t>
-        <a:bodyPr/>
-        <a:lstStyle/>
-        <a:p>
-          <a:endParaRPr lang="en-US"/>
-        </a:p>
-      </dgm:t>
-    </dgm:pt>
-    <dgm:pt modelId="{7F8DEC81-0DCB-4545-8129-1A1632B41B5E}" type="pres">
-      <dgm:prSet presAssocID="{C684833D-85CC-4010-A138-ABC65E139C69}" presName="sp" presStyleCnt="0"/>
-      <dgm:spPr/>
-    </dgm:pt>
-    <dgm:pt modelId="{33200553-5A1C-45F1-A422-26ECCEDBD439}" type="pres">
-      <dgm:prSet presAssocID="{DB6AA457-F75F-415D-BDD5-92045774FE4B}" presName="arrowAndChildren" presStyleCnt="0"/>
-      <dgm:spPr/>
-    </dgm:pt>
-    <dgm:pt modelId="{7371425A-4D37-4FA7-A21E-1529F4324E45}" type="pres">
-      <dgm:prSet presAssocID="{DB6AA457-F75F-415D-BDD5-92045774FE4B}" presName="parentTextArrow" presStyleLbl="node1" presStyleIdx="0" presStyleCnt="3"/>
-      <dgm:spPr/>
-      <dgm:t>
-        <a:bodyPr/>
-        <a:lstStyle/>
-        <a:p>
-          <a:endParaRPr lang="en-US"/>
-        </a:p>
-      </dgm:t>
-    </dgm:pt>
-    <dgm:pt modelId="{80AD606B-F25E-46DF-B405-18F7D2EAE74A}" type="pres">
-      <dgm:prSet presAssocID="{DB6AA457-F75F-415D-BDD5-92045774FE4B}" presName="arrow" presStyleLbl="node1" presStyleIdx="1" presStyleCnt="3"/>
-      <dgm:spPr/>
-      <dgm:t>
-        <a:bodyPr/>
-        <a:lstStyle/>
-        <a:p>
-          <a:endParaRPr lang="en-US"/>
-        </a:p>
-      </dgm:t>
-    </dgm:pt>
-    <dgm:pt modelId="{72E9B7A5-E5DC-46EA-A30C-DAC09ADD2BF7}" type="pres">
-      <dgm:prSet presAssocID="{DB6AA457-F75F-415D-BDD5-92045774FE4B}" presName="descendantArrow" presStyleCnt="0"/>
-      <dgm:spPr/>
-    </dgm:pt>
-    <dgm:pt modelId="{A8E0F749-66B2-490B-99E9-CC106B163B16}" type="pres">
-      <dgm:prSet presAssocID="{99C943DF-AAA4-4E2C-A283-FA2BF761F447}" presName="childTextArrow" presStyleLbl="fgAccFollowNode1" presStyleIdx="2" presStyleCnt="6">
-        <dgm:presLayoutVars>
-          <dgm:bulletEnabled val="1"/>
-        </dgm:presLayoutVars>
-      </dgm:prSet>
-      <dgm:spPr/>
-      <dgm:t>
-        <a:bodyPr/>
-        <a:lstStyle/>
-        <a:p>
-          <a:endParaRPr lang="en-US"/>
-        </a:p>
-      </dgm:t>
-    </dgm:pt>
-    <dgm:pt modelId="{A6EE397C-6C28-4128-BFFE-CFF44F70153F}" type="pres">
-      <dgm:prSet presAssocID="{3FE03ED9-3066-4E28-8291-0B1764DC85D6}" presName="childTextArrow" presStyleLbl="fgAccFollowNode1" presStyleIdx="3" presStyleCnt="6">
-        <dgm:presLayoutVars>
-          <dgm:bulletEnabled val="1"/>
-        </dgm:presLayoutVars>
-      </dgm:prSet>
-      <dgm:spPr/>
-      <dgm:t>
-        <a:bodyPr/>
-        <a:lstStyle/>
-        <a:p>
-          <a:endParaRPr lang="en-US"/>
-        </a:p>
-      </dgm:t>
-    </dgm:pt>
-    <dgm:pt modelId="{0226793B-92A0-4530-A8D1-D80AF6A16C31}" type="pres">
-      <dgm:prSet presAssocID="{F14B97BF-E90F-4D5A-A42B-6364BCB81249}" presName="sp" presStyleCnt="0"/>
-      <dgm:spPr/>
-    </dgm:pt>
-    <dgm:pt modelId="{1A669411-1539-46A4-9D6E-2C85E15B0FA6}" type="pres">
-      <dgm:prSet presAssocID="{C712D637-7FF1-401C-9304-F85D1B95B226}" presName="arrowAndChildren" presStyleCnt="0"/>
-      <dgm:spPr/>
-    </dgm:pt>
-    <dgm:pt modelId="{859CA2CA-8A33-4975-9F01-7A3C8BB729DE}" type="pres">
-      <dgm:prSet presAssocID="{C712D637-7FF1-401C-9304-F85D1B95B226}" presName="parentTextArrow" presStyleLbl="node1" presStyleIdx="1" presStyleCnt="3"/>
-      <dgm:spPr/>
-      <dgm:t>
-        <a:bodyPr/>
-        <a:lstStyle/>
-        <a:p>
-          <a:endParaRPr lang="en-US"/>
-        </a:p>
-      </dgm:t>
-    </dgm:pt>
-    <dgm:pt modelId="{A48265CE-F3A3-46DB-9DD2-97590B4DBB84}" type="pres">
-      <dgm:prSet presAssocID="{C712D637-7FF1-401C-9304-F85D1B95B226}" presName="arrow" presStyleLbl="node1" presStyleIdx="2" presStyleCnt="3"/>
-      <dgm:spPr/>
-      <dgm:t>
-        <a:bodyPr/>
-        <a:lstStyle/>
-        <a:p>
-          <a:endParaRPr lang="en-US"/>
-        </a:p>
-      </dgm:t>
-    </dgm:pt>
-    <dgm:pt modelId="{DB89CC08-BF2F-4B2E-B88D-22F7BE6ECA5F}" type="pres">
-      <dgm:prSet presAssocID="{C712D637-7FF1-401C-9304-F85D1B95B226}" presName="descendantArrow" presStyleCnt="0"/>
-      <dgm:spPr/>
-    </dgm:pt>
-    <dgm:pt modelId="{59FFE57C-E5F2-4FBD-AA4D-8DB27381892F}" type="pres">
-      <dgm:prSet presAssocID="{743FE7B1-011B-42E6-8768-1EB3E95741FA}" presName="childTextArrow" presStyleLbl="fgAccFollowNode1" presStyleIdx="4" presStyleCnt="6">
-        <dgm:presLayoutVars>
-          <dgm:bulletEnabled val="1"/>
-        </dgm:presLayoutVars>
-      </dgm:prSet>
-      <dgm:spPr/>
-      <dgm:t>
-        <a:bodyPr/>
-        <a:lstStyle/>
-        <a:p>
-          <a:endParaRPr lang="en-US"/>
-        </a:p>
-      </dgm:t>
-    </dgm:pt>
-    <dgm:pt modelId="{3EC7D028-ECEA-492B-A6F1-68E9B57B69C6}" type="pres">
-      <dgm:prSet presAssocID="{DA33CDF4-5B94-4B92-9E0A-4DFD4CBFAF2D}" presName="childTextArrow" presStyleLbl="fgAccFollowNode1" presStyleIdx="5" presStyleCnt="6">
-        <dgm:presLayoutVars>
-          <dgm:bulletEnabled val="1"/>
-        </dgm:presLayoutVars>
-      </dgm:prSet>
-      <dgm:spPr/>
-      <dgm:t>
-        <a:bodyPr/>
-        <a:lstStyle/>
-        <a:p>
-          <a:endParaRPr lang="en-US"/>
-        </a:p>
-      </dgm:t>
-    </dgm:pt>
-  </dgm:ptLst>
-  <dgm:cxnLst>
-    <dgm:cxn modelId="{F9232B4D-645E-4C93-A5D6-A89B30504327}" srcId="{DB6AA457-F75F-415D-BDD5-92045774FE4B}" destId="{99C943DF-AAA4-4E2C-A283-FA2BF761F447}" srcOrd="0" destOrd="0" parTransId="{20F107AF-35DA-4D25-AB35-B8AD821D3FE7}" sibTransId="{4802CB64-7B32-458C-A9FF-C35C0A51E69A}"/>
-    <dgm:cxn modelId="{EF7A2011-FCAC-41A8-A305-634BF780B59D}" srcId="{DB6AA457-F75F-415D-BDD5-92045774FE4B}" destId="{3FE03ED9-3066-4E28-8291-0B1764DC85D6}" srcOrd="1" destOrd="0" parTransId="{70F79093-990B-4C69-A0BC-6E28D692D24F}" sibTransId="{2D17DCF5-1F10-4F99-AFA5-9D17F12D0A73}"/>
-    <dgm:cxn modelId="{9653D664-EC18-40D7-9F5E-3B27A70DCA4D}" srcId="{CD5204CD-6958-4A55-82AA-4AD73B3B6A19}" destId="{C712D637-7FF1-401C-9304-F85D1B95B226}" srcOrd="0" destOrd="0" parTransId="{05E1DD5C-7FEF-48F0-9651-C74D082ACBA9}" sibTransId="{F14B97BF-E90F-4D5A-A42B-6364BCB81249}"/>
-    <dgm:cxn modelId="{6E6CA696-8B54-476F-8D51-CE9ECC050E3A}" type="presOf" srcId="{DA33CDF4-5B94-4B92-9E0A-4DFD4CBFAF2D}" destId="{3EC7D028-ECEA-492B-A6F1-68E9B57B69C6}" srcOrd="0" destOrd="0" presId="urn:microsoft.com/office/officeart/2005/8/layout/process4"/>
-    <dgm:cxn modelId="{6D29C741-1B1E-4EBC-A0C7-F287A8ED285A}" srcId="{C712D637-7FF1-401C-9304-F85D1B95B226}" destId="{743FE7B1-011B-42E6-8768-1EB3E95741FA}" srcOrd="0" destOrd="0" parTransId="{921AFB12-2D70-40FB-8AB1-299E0FF2C5A6}" sibTransId="{FFAF77DD-A644-4C36-8908-6204BB0D9268}"/>
-    <dgm:cxn modelId="{9316510D-13B4-4805-A422-3ADE472E3CED}" type="presOf" srcId="{17ACD041-408C-4E7D-B463-7267D32756A1}" destId="{C4F2ADBF-C592-483D-A6FF-5DB9D2A90309}" srcOrd="0" destOrd="0" presId="urn:microsoft.com/office/officeart/2005/8/layout/process4"/>
-    <dgm:cxn modelId="{4BC4F29C-6AF5-4F17-9CDA-1468FA88B1A3}" type="presOf" srcId="{B5387FF0-0982-441E-9F8E-19335142671C}" destId="{0F0AC827-ACAE-4C23-875D-A4B53006A73F}" srcOrd="0" destOrd="0" presId="urn:microsoft.com/office/officeart/2005/8/layout/process4"/>
-    <dgm:cxn modelId="{C5225FAC-9385-411A-BFDD-CA9618BF9F59}" type="presOf" srcId="{C3DC95A2-4D92-42C5-966E-8600E4BA31BD}" destId="{588D9B7D-EC68-4FB0-96F2-2E47AC868059}" srcOrd="0" destOrd="0" presId="urn:microsoft.com/office/officeart/2005/8/layout/process4"/>
-    <dgm:cxn modelId="{93F76B4F-907D-4630-B1A9-C3BE3C102DFF}" srcId="{CD5204CD-6958-4A55-82AA-4AD73B3B6A19}" destId="{DB6AA457-F75F-415D-BDD5-92045774FE4B}" srcOrd="1" destOrd="0" parTransId="{195DBB62-3C1E-4BED-ADB6-6E31CA6ABD63}" sibTransId="{C684833D-85CC-4010-A138-ABC65E139C69}"/>
-    <dgm:cxn modelId="{0ED8DE1E-44AE-4D6E-B272-36A837D116F5}" type="presOf" srcId="{DB6AA457-F75F-415D-BDD5-92045774FE4B}" destId="{80AD606B-F25E-46DF-B405-18F7D2EAE74A}" srcOrd="1" destOrd="0" presId="urn:microsoft.com/office/officeart/2005/8/layout/process4"/>
-    <dgm:cxn modelId="{8C9BD688-12E5-4F5A-8BDA-E772A4740AB3}" type="presOf" srcId="{C712D637-7FF1-401C-9304-F85D1B95B226}" destId="{859CA2CA-8A33-4975-9F01-7A3C8BB729DE}" srcOrd="0" destOrd="0" presId="urn:microsoft.com/office/officeart/2005/8/layout/process4"/>
-    <dgm:cxn modelId="{88A87FA6-C1EB-4109-9B9E-2FE10DE80F14}" srcId="{C712D637-7FF1-401C-9304-F85D1B95B226}" destId="{DA33CDF4-5B94-4B92-9E0A-4DFD4CBFAF2D}" srcOrd="1" destOrd="0" parTransId="{B7ECB8E0-4CD3-4804-BE8C-5260A5083C57}" sibTransId="{D3EF4DE2-351E-4A5C-980A-1BBDC899AAC2}"/>
-    <dgm:cxn modelId="{CAE3D8D7-871D-4B8C-B4F6-79D747E55EE8}" type="presOf" srcId="{3FE03ED9-3066-4E28-8291-0B1764DC85D6}" destId="{A6EE397C-6C28-4128-BFFE-CFF44F70153F}" srcOrd="0" destOrd="0" presId="urn:microsoft.com/office/officeart/2005/8/layout/process4"/>
-    <dgm:cxn modelId="{1D511413-BA69-4C30-A06E-819D3DD30080}" type="presOf" srcId="{743FE7B1-011B-42E6-8768-1EB3E95741FA}" destId="{59FFE57C-E5F2-4FBD-AA4D-8DB27381892F}" srcOrd="0" destOrd="0" presId="urn:microsoft.com/office/officeart/2005/8/layout/process4"/>
-    <dgm:cxn modelId="{EBCDDEFB-4955-4864-90AB-7D693BE5DA0A}" srcId="{C3DC95A2-4D92-42C5-966E-8600E4BA31BD}" destId="{17ACD041-408C-4E7D-B463-7267D32756A1}" srcOrd="0" destOrd="0" parTransId="{209FC651-3F8E-4BF8-8C06-328027667041}" sibTransId="{A6AA8096-532A-4378-9BB6-B585B46357E5}"/>
-    <dgm:cxn modelId="{8F9C94B8-2722-4DFB-8419-922357272B6B}" type="presOf" srcId="{CD5204CD-6958-4A55-82AA-4AD73B3B6A19}" destId="{31D3AE5D-DA06-4E2D-9D68-F5531DFE7C2B}" srcOrd="0" destOrd="0" presId="urn:microsoft.com/office/officeart/2005/8/layout/process4"/>
-    <dgm:cxn modelId="{8A476EEB-6A39-4004-AD8C-BD56913E7B26}" srcId="{CD5204CD-6958-4A55-82AA-4AD73B3B6A19}" destId="{C3DC95A2-4D92-42C5-966E-8600E4BA31BD}" srcOrd="2" destOrd="0" parTransId="{F9D94033-59E5-4228-A5F3-6CB272E77E3B}" sibTransId="{A43E3114-C8AC-4F44-952D-8A0D6A8A6B45}"/>
-    <dgm:cxn modelId="{7F70C7BE-72E8-441E-B7CF-522ADEA91ECB}" srcId="{C3DC95A2-4D92-42C5-966E-8600E4BA31BD}" destId="{B5387FF0-0982-441E-9F8E-19335142671C}" srcOrd="1" destOrd="0" parTransId="{FE9534D2-E5E4-4494-A37E-5724362DB3AC}" sibTransId="{0DB486FB-DB2E-4894-89D1-AA4679580390}"/>
-    <dgm:cxn modelId="{475DCDBB-49D7-4466-968D-3F0CC3924852}" type="presOf" srcId="{99C943DF-AAA4-4E2C-A283-FA2BF761F447}" destId="{A8E0F749-66B2-490B-99E9-CC106B163B16}" srcOrd="0" destOrd="0" presId="urn:microsoft.com/office/officeart/2005/8/layout/process4"/>
-    <dgm:cxn modelId="{2F493247-DD71-42E2-BA13-315F9C6D9D25}" type="presOf" srcId="{C712D637-7FF1-401C-9304-F85D1B95B226}" destId="{A48265CE-F3A3-46DB-9DD2-97590B4DBB84}" srcOrd="1" destOrd="0" presId="urn:microsoft.com/office/officeart/2005/8/layout/process4"/>
-    <dgm:cxn modelId="{0203F2AF-F4DC-42DB-872C-0270CF20114A}" type="presOf" srcId="{C3DC95A2-4D92-42C5-966E-8600E4BA31BD}" destId="{B752F9F5-2482-4D52-A33E-BE0263F4B0EA}" srcOrd="1" destOrd="0" presId="urn:microsoft.com/office/officeart/2005/8/layout/process4"/>
-    <dgm:cxn modelId="{0CE79BAC-C717-4253-9B80-C8A96B03C6F6}" type="presOf" srcId="{DB6AA457-F75F-415D-BDD5-92045774FE4B}" destId="{7371425A-4D37-4FA7-A21E-1529F4324E45}" srcOrd="0" destOrd="0" presId="urn:microsoft.com/office/officeart/2005/8/layout/process4"/>
-    <dgm:cxn modelId="{598A8450-75AF-481D-9841-1D23F9884FD1}" type="presParOf" srcId="{31D3AE5D-DA06-4E2D-9D68-F5531DFE7C2B}" destId="{127AFF01-F37D-42CC-8885-1689151201CD}" srcOrd="0" destOrd="0" presId="urn:microsoft.com/office/officeart/2005/8/layout/process4"/>
-    <dgm:cxn modelId="{DA7B1C90-E6CA-4055-851A-0557606EBDAC}" type="presParOf" srcId="{127AFF01-F37D-42CC-8885-1689151201CD}" destId="{588D9B7D-EC68-4FB0-96F2-2E47AC868059}" srcOrd="0" destOrd="0" presId="urn:microsoft.com/office/officeart/2005/8/layout/process4"/>
-    <dgm:cxn modelId="{0E7073F3-923D-4ED6-B41B-384A82C8C200}" type="presParOf" srcId="{127AFF01-F37D-42CC-8885-1689151201CD}" destId="{B752F9F5-2482-4D52-A33E-BE0263F4B0EA}" srcOrd="1" destOrd="0" presId="urn:microsoft.com/office/officeart/2005/8/layout/process4"/>
-    <dgm:cxn modelId="{34DACDD9-579D-484A-A6CA-92F20AC63C35}" type="presParOf" srcId="{127AFF01-F37D-42CC-8885-1689151201CD}" destId="{2DA8AD2F-BF50-4911-9A17-8274766C00A6}" srcOrd="2" destOrd="0" presId="urn:microsoft.com/office/officeart/2005/8/layout/process4"/>
-    <dgm:cxn modelId="{CE9F8C4F-B92C-4259-B12C-1B419BF89D38}" type="presParOf" srcId="{2DA8AD2F-BF50-4911-9A17-8274766C00A6}" destId="{C4F2ADBF-C592-483D-A6FF-5DB9D2A90309}" srcOrd="0" destOrd="0" presId="urn:microsoft.com/office/officeart/2005/8/layout/process4"/>
-    <dgm:cxn modelId="{02D123F8-1DC9-4E29-B79E-8AF74BABCE28}" type="presParOf" srcId="{2DA8AD2F-BF50-4911-9A17-8274766C00A6}" destId="{0F0AC827-ACAE-4C23-875D-A4B53006A73F}" srcOrd="1" destOrd="0" presId="urn:microsoft.com/office/officeart/2005/8/layout/process4"/>
-    <dgm:cxn modelId="{47EA5B00-FECA-4EA3-8858-020831D68EBC}" type="presParOf" srcId="{31D3AE5D-DA06-4E2D-9D68-F5531DFE7C2B}" destId="{7F8DEC81-0DCB-4545-8129-1A1632B41B5E}" srcOrd="1" destOrd="0" presId="urn:microsoft.com/office/officeart/2005/8/layout/process4"/>
-    <dgm:cxn modelId="{F9086655-70F6-4D62-803D-9FB2B9CECBD7}" type="presParOf" srcId="{31D3AE5D-DA06-4E2D-9D68-F5531DFE7C2B}" destId="{33200553-5A1C-45F1-A422-26ECCEDBD439}" srcOrd="2" destOrd="0" presId="urn:microsoft.com/office/officeart/2005/8/layout/process4"/>
-    <dgm:cxn modelId="{F9C4E479-1A12-49B4-840E-90ED42B6D93D}" type="presParOf" srcId="{33200553-5A1C-45F1-A422-26ECCEDBD439}" destId="{7371425A-4D37-4FA7-A21E-1529F4324E45}" srcOrd="0" destOrd="0" presId="urn:microsoft.com/office/officeart/2005/8/layout/process4"/>
-    <dgm:cxn modelId="{48F1D443-1A01-4371-8854-D60E466CE0B6}" type="presParOf" srcId="{33200553-5A1C-45F1-A422-26ECCEDBD439}" destId="{80AD606B-F25E-46DF-B405-18F7D2EAE74A}" srcOrd="1" destOrd="0" presId="urn:microsoft.com/office/officeart/2005/8/layout/process4"/>
-    <dgm:cxn modelId="{BAD9D01B-996C-4986-8FD9-37049CDB92B5}" type="presParOf" srcId="{33200553-5A1C-45F1-A422-26ECCEDBD439}" destId="{72E9B7A5-E5DC-46EA-A30C-DAC09ADD2BF7}" srcOrd="2" destOrd="0" presId="urn:microsoft.com/office/officeart/2005/8/layout/process4"/>
-    <dgm:cxn modelId="{C3CD8C6F-29BD-4ADE-A6A3-584D41BCA136}" type="presParOf" srcId="{72E9B7A5-E5DC-46EA-A30C-DAC09ADD2BF7}" destId="{A8E0F749-66B2-490B-99E9-CC106B163B16}" srcOrd="0" destOrd="0" presId="urn:microsoft.com/office/officeart/2005/8/layout/process4"/>
-    <dgm:cxn modelId="{3F8AE4D0-C1B9-49A3-9D85-FA13C986C03B}" type="presParOf" srcId="{72E9B7A5-E5DC-46EA-A30C-DAC09ADD2BF7}" destId="{A6EE397C-6C28-4128-BFFE-CFF44F70153F}" srcOrd="1" destOrd="0" presId="urn:microsoft.com/office/officeart/2005/8/layout/process4"/>
-    <dgm:cxn modelId="{DF157FA0-6CFF-475F-B2C1-C14A30CA284D}" type="presParOf" srcId="{31D3AE5D-DA06-4E2D-9D68-F5531DFE7C2B}" destId="{0226793B-92A0-4530-A8D1-D80AF6A16C31}" srcOrd="3" destOrd="0" presId="urn:microsoft.com/office/officeart/2005/8/layout/process4"/>
-    <dgm:cxn modelId="{D9B8890F-622F-4EF7-B8C9-501999392107}" type="presParOf" srcId="{31D3AE5D-DA06-4E2D-9D68-F5531DFE7C2B}" destId="{1A669411-1539-46A4-9D6E-2C85E15B0FA6}" srcOrd="4" destOrd="0" presId="urn:microsoft.com/office/officeart/2005/8/layout/process4"/>
-    <dgm:cxn modelId="{CF2E4F72-F757-4A14-BF45-750381229016}" type="presParOf" srcId="{1A669411-1539-46A4-9D6E-2C85E15B0FA6}" destId="{859CA2CA-8A33-4975-9F01-7A3C8BB729DE}" srcOrd="0" destOrd="0" presId="urn:microsoft.com/office/officeart/2005/8/layout/process4"/>
-    <dgm:cxn modelId="{4476044B-B0FF-4572-BB01-9732B848392A}" type="presParOf" srcId="{1A669411-1539-46A4-9D6E-2C85E15B0FA6}" destId="{A48265CE-F3A3-46DB-9DD2-97590B4DBB84}" srcOrd="1" destOrd="0" presId="urn:microsoft.com/office/officeart/2005/8/layout/process4"/>
-    <dgm:cxn modelId="{108CBA6F-ABE6-49B0-8D57-CCB454AC970F}" type="presParOf" srcId="{1A669411-1539-46A4-9D6E-2C85E15B0FA6}" destId="{DB89CC08-BF2F-4B2E-B88D-22F7BE6ECA5F}" srcOrd="2" destOrd="0" presId="urn:microsoft.com/office/officeart/2005/8/layout/process4"/>
-    <dgm:cxn modelId="{C675B826-3900-4575-89A0-DB78CA5B441C}" type="presParOf" srcId="{DB89CC08-BF2F-4B2E-B88D-22F7BE6ECA5F}" destId="{59FFE57C-E5F2-4FBD-AA4D-8DB27381892F}" srcOrd="0" destOrd="0" presId="urn:microsoft.com/office/officeart/2005/8/layout/process4"/>
-    <dgm:cxn modelId="{5D529EFA-23A6-4C03-8BAF-B0DDF673418B}" type="presParOf" srcId="{DB89CC08-BF2F-4B2E-B88D-22F7BE6ECA5F}" destId="{3EC7D028-ECEA-492B-A6F1-68E9B57B69C6}" srcOrd="1" destOrd="0" presId="urn:microsoft.com/office/officeart/2005/8/layout/process4"/>
-  </dgm:cxnLst>
-  <dgm:bg/>
-  <dgm:whole/>
-  <dgm:extLst>
-    <a:ext uri="http://schemas.microsoft.com/office/drawing/2008/diagram">
-      <dsp:dataModelExt xmlns:dsp="http://schemas.microsoft.com/office/drawing/2008/diagram" relId="rId6" minVer="http://schemas.openxmlformats.org/drawingml/2006/diagram"/>
-    </a:ext>
-  </dgm:extLst>
-</dgm:dataModel>
-</file>
-
-<file path=ppt/diagrams/drawing1.xml><?xml version="1.0" encoding="utf-8"?>
-<dsp:drawing xmlns:dgm="http://schemas.openxmlformats.org/drawingml/2006/diagram" xmlns:dsp="http://schemas.microsoft.com/office/drawing/2008/diagram" xmlns:a="http://schemas.openxmlformats.org/drawingml/2006/main">
-  <dsp:spTree>
-    <dsp:nvGrpSpPr>
-      <dsp:cNvPr id="0" name=""/>
-      <dsp:cNvGrpSpPr/>
-    </dsp:nvGrpSpPr>
-    <dsp:grpSpPr/>
-    <dsp:sp modelId="{B752F9F5-2482-4D52-A33E-BE0263F4B0EA}">
-      <dsp:nvSpPr>
-        <dsp:cNvPr id="0" name=""/>
-        <dsp:cNvSpPr/>
-      </dsp:nvSpPr>
-      <dsp:spPr>
-        <a:xfrm>
-          <a:off x="0" y="3443976"/>
-          <a:ext cx="5334000" cy="1130389"/>
-        </a:xfrm>
-        <a:prstGeom prst="rect">
-          <a:avLst/>
-        </a:prstGeom>
-        <a:solidFill>
-          <a:schemeClr val="accent3">
-            <a:hueOff val="0"/>
-            <a:satOff val="0"/>
-            <a:lumOff val="0"/>
-            <a:alphaOff val="0"/>
-          </a:schemeClr>
-        </a:solidFill>
-        <a:ln w="12700" cap="flat" cmpd="sng" algn="ctr">
-          <a:solidFill>
-            <a:schemeClr val="lt1">
-              <a:hueOff val="0"/>
-              <a:satOff val="0"/>
-              <a:lumOff val="0"/>
-              <a:alphaOff val="0"/>
-            </a:schemeClr>
-          </a:solidFill>
-          <a:prstDash val="solid"/>
-          <a:miter lim="800000"/>
-        </a:ln>
-        <a:effectLst/>
-      </dsp:spPr>
-      <dsp:style>
-        <a:lnRef idx="2">
-          <a:scrgbClr r="0" g="0" b="0"/>
-        </a:lnRef>
-        <a:fillRef idx="1">
-          <a:scrgbClr r="0" g="0" b="0"/>
-        </a:fillRef>
-        <a:effectRef idx="0">
-          <a:scrgbClr r="0" g="0" b="0"/>
-        </a:effectRef>
-        <a:fontRef idx="minor">
-          <a:schemeClr val="lt1"/>
-        </a:fontRef>
-      </dsp:style>
-      <dsp:txBody>
-        <a:bodyPr spcFirstLastPara="0" vert="horz" wrap="square" lIns="156464" tIns="156464" rIns="156464" bIns="156464" numCol="1" spcCol="1270" anchor="ctr" anchorCtr="0">
-          <a:noAutofit/>
-        </a:bodyPr>
-        <a:lstStyle/>
-        <a:p>
-          <a:pPr lvl="0" algn="ctr" defTabSz="914400">
-            <a:lnSpc>
-              <a:spcPct val="90000"/>
-            </a:lnSpc>
-            <a:spcBef>
-              <a:spcPct val="0"/>
-            </a:spcBef>
-            <a:spcAft>
-              <a:spcPct val="35000"/>
-            </a:spcAft>
-            <a:buNone/>
-          </a:pPr>
-          <a:r>
-            <a:rPr lang="fr-FR" sz="2200" kern="1200" noProof="0" dirty="0" smtClean="0"/>
-            <a:t>Étape 3</a:t>
-          </a:r>
-          <a:endParaRPr lang="fr-FR" sz="2200" kern="1200" noProof="0" dirty="0"/>
-        </a:p>
-      </dsp:txBody>
-      <dsp:txXfrm>
-        <a:off x="0" y="3443976"/>
-        <a:ext cx="5334000" cy="610410"/>
-      </dsp:txXfrm>
-    </dsp:sp>
-    <dsp:sp modelId="{C4F2ADBF-C592-483D-A6FF-5DB9D2A90309}">
-      <dsp:nvSpPr>
-        <dsp:cNvPr id="0" name=""/>
-        <dsp:cNvSpPr/>
-      </dsp:nvSpPr>
-      <dsp:spPr>
-        <a:xfrm>
-          <a:off x="0" y="4031779"/>
-          <a:ext cx="2667000" cy="519979"/>
-        </a:xfrm>
-        <a:prstGeom prst="rect">
-          <a:avLst/>
-        </a:prstGeom>
-        <a:solidFill>
-          <a:schemeClr val="accent3">
-            <a:tint val="40000"/>
-            <a:alpha val="90000"/>
-            <a:hueOff val="0"/>
-            <a:satOff val="0"/>
-            <a:lumOff val="0"/>
-            <a:alphaOff val="0"/>
-          </a:schemeClr>
-        </a:solidFill>
-        <a:ln w="12700" cap="flat" cmpd="sng" algn="ctr">
-          <a:solidFill>
-            <a:schemeClr val="accent3">
-              <a:tint val="40000"/>
-              <a:alpha val="90000"/>
-              <a:hueOff val="0"/>
-              <a:satOff val="0"/>
-              <a:lumOff val="0"/>
-              <a:alphaOff val="0"/>
-            </a:schemeClr>
-          </a:solidFill>
-          <a:prstDash val="solid"/>
-          <a:miter lim="800000"/>
-        </a:ln>
-        <a:effectLst/>
-      </dsp:spPr>
-      <dsp:style>
-        <a:lnRef idx="2">
-          <a:scrgbClr r="0" g="0" b="0"/>
-        </a:lnRef>
-        <a:fillRef idx="1">
-          <a:scrgbClr r="0" g="0" b="0"/>
-        </a:fillRef>
-        <a:effectRef idx="0">
-          <a:scrgbClr r="0" g="0" b="0"/>
-        </a:effectRef>
-        <a:fontRef idx="minor"/>
-      </dsp:style>
-      <dsp:txBody>
-        <a:bodyPr spcFirstLastPara="0" vert="horz" wrap="square" lIns="135128" tIns="24130" rIns="135128" bIns="24130" numCol="1" spcCol="1270" anchor="ctr" anchorCtr="0">
-          <a:noAutofit/>
-        </a:bodyPr>
-        <a:lstStyle/>
-        <a:p>
-          <a:pPr lvl="0" algn="l" defTabSz="914400">
-            <a:lnSpc>
-              <a:spcPct val="90000"/>
-            </a:lnSpc>
-            <a:spcBef>
-              <a:spcPct val="0"/>
-            </a:spcBef>
-            <a:spcAft>
-              <a:spcPct val="35000"/>
-            </a:spcAft>
-            <a:buNone/>
-          </a:pPr>
-          <a:r>
-            <a:rPr lang="fr-FR" sz="1900" b="0" i="0" kern="1200" noProof="0" dirty="0" smtClean="0">
-              <a:latin typeface="Franklin Gothic Medium"/>
-              <a:ea typeface="+mn-ea"/>
-              <a:cs typeface="+mn-cs"/>
-            </a:rPr>
-            <a:t>Description de la tâche</a:t>
-          </a:r>
-          <a:endParaRPr lang="fr-FR" sz="1900" b="0" i="0" kern="1200" noProof="0" dirty="0">
-            <a:latin typeface="Franklin Gothic Medium"/>
-            <a:ea typeface="+mn-ea"/>
-            <a:cs typeface="+mn-cs"/>
-          </a:endParaRPr>
-        </a:p>
-      </dsp:txBody>
-      <dsp:txXfrm>
-        <a:off x="0" y="4031779"/>
-        <a:ext cx="2667000" cy="519979"/>
-      </dsp:txXfrm>
-    </dsp:sp>
-    <dsp:sp modelId="{0F0AC827-ACAE-4C23-875D-A4B53006A73F}">
-      <dsp:nvSpPr>
-        <dsp:cNvPr id="0" name=""/>
-        <dsp:cNvSpPr/>
-      </dsp:nvSpPr>
-      <dsp:spPr>
-        <a:xfrm>
-          <a:off x="2667000" y="4031779"/>
-          <a:ext cx="2667000" cy="519979"/>
-        </a:xfrm>
-        <a:prstGeom prst="rect">
-          <a:avLst/>
-        </a:prstGeom>
-        <a:solidFill>
-          <a:schemeClr val="accent3">
-            <a:tint val="40000"/>
-            <a:alpha val="90000"/>
-            <a:hueOff val="405828"/>
-            <a:satOff val="20000"/>
-            <a:lumOff val="356"/>
-            <a:alphaOff val="0"/>
-          </a:schemeClr>
-        </a:solidFill>
-        <a:ln w="12700" cap="flat" cmpd="sng" algn="ctr">
-          <a:solidFill>
-            <a:schemeClr val="accent3">
-              <a:tint val="40000"/>
-              <a:alpha val="90000"/>
-              <a:hueOff val="405828"/>
-              <a:satOff val="20000"/>
-              <a:lumOff val="356"/>
-              <a:alphaOff val="0"/>
-            </a:schemeClr>
-          </a:solidFill>
-          <a:prstDash val="solid"/>
-          <a:miter lim="800000"/>
-        </a:ln>
-        <a:effectLst/>
-      </dsp:spPr>
-      <dsp:style>
-        <a:lnRef idx="2">
-          <a:scrgbClr r="0" g="0" b="0"/>
-        </a:lnRef>
-        <a:fillRef idx="1">
-          <a:scrgbClr r="0" g="0" b="0"/>
-        </a:fillRef>
-        <a:effectRef idx="0">
-          <a:scrgbClr r="0" g="0" b="0"/>
-        </a:effectRef>
-        <a:fontRef idx="minor"/>
-      </dsp:style>
-      <dsp:txBody>
-        <a:bodyPr spcFirstLastPara="0" vert="horz" wrap="square" lIns="135128" tIns="24130" rIns="135128" bIns="24130" numCol="1" spcCol="1270" anchor="ctr" anchorCtr="0">
-          <a:noAutofit/>
-        </a:bodyPr>
-        <a:lstStyle/>
-        <a:p>
-          <a:pPr lvl="0" algn="l" defTabSz="914400">
-            <a:lnSpc>
-              <a:spcPct val="90000"/>
-            </a:lnSpc>
-            <a:spcBef>
-              <a:spcPct val="0"/>
-            </a:spcBef>
-            <a:spcAft>
-              <a:spcPct val="35000"/>
-            </a:spcAft>
-            <a:buNone/>
-          </a:pPr>
-          <a:r>
-            <a:rPr lang="fr-FR" sz="1900" b="0" i="0" kern="1200" noProof="0" dirty="0" smtClean="0">
-              <a:latin typeface="Franklin Gothic Medium"/>
-              <a:ea typeface="+mn-ea"/>
-              <a:cs typeface="+mn-cs"/>
-            </a:rPr>
-            <a:t>Description de la tâche</a:t>
-          </a:r>
-          <a:endParaRPr lang="fr-FR" sz="1900" b="0" i="0" kern="1200" noProof="0" dirty="0">
-            <a:latin typeface="Franklin Gothic Medium"/>
-            <a:ea typeface="+mn-ea"/>
-            <a:cs typeface="+mn-cs"/>
-          </a:endParaRPr>
-        </a:p>
-      </dsp:txBody>
-      <dsp:txXfrm>
-        <a:off x="2667000" y="4031779"/>
-        <a:ext cx="2667000" cy="519979"/>
-      </dsp:txXfrm>
-    </dsp:sp>
-    <dsp:sp modelId="{80AD606B-F25E-46DF-B405-18F7D2EAE74A}">
-      <dsp:nvSpPr>
-        <dsp:cNvPr id="0" name=""/>
-        <dsp:cNvSpPr/>
-      </dsp:nvSpPr>
-      <dsp:spPr>
-        <a:xfrm rot="10800000">
-          <a:off x="0" y="1722392"/>
-          <a:ext cx="5334000" cy="1738539"/>
-        </a:xfrm>
-        <a:prstGeom prst="upArrowCallout">
-          <a:avLst/>
-        </a:prstGeom>
-        <a:solidFill>
-          <a:schemeClr val="accent3">
-            <a:hueOff val="1355300"/>
-            <a:satOff val="50000"/>
-            <a:lumOff val="-7353"/>
-            <a:alphaOff val="0"/>
-          </a:schemeClr>
-        </a:solidFill>
-        <a:ln w="12700" cap="flat" cmpd="sng" algn="ctr">
-          <a:solidFill>
-            <a:schemeClr val="lt1">
-              <a:hueOff val="0"/>
-              <a:satOff val="0"/>
-              <a:lumOff val="0"/>
-              <a:alphaOff val="0"/>
-            </a:schemeClr>
-          </a:solidFill>
-          <a:prstDash val="solid"/>
-          <a:miter lim="800000"/>
-        </a:ln>
-        <a:effectLst/>
-      </dsp:spPr>
-      <dsp:style>
-        <a:lnRef idx="2">
-          <a:scrgbClr r="0" g="0" b="0"/>
-        </a:lnRef>
-        <a:fillRef idx="1">
-          <a:scrgbClr r="0" g="0" b="0"/>
-        </a:fillRef>
-        <a:effectRef idx="0">
-          <a:scrgbClr r="0" g="0" b="0"/>
-        </a:effectRef>
-        <a:fontRef idx="minor">
-          <a:schemeClr val="lt1"/>
-        </a:fontRef>
-      </dsp:style>
-      <dsp:txBody>
-        <a:bodyPr spcFirstLastPara="0" vert="horz" wrap="square" lIns="156464" tIns="156464" rIns="156464" bIns="156464" numCol="1" spcCol="1270" anchor="ctr" anchorCtr="0">
-          <a:noAutofit/>
-        </a:bodyPr>
-        <a:lstStyle/>
-        <a:p>
-          <a:pPr lvl="0" algn="ctr" defTabSz="914400">
-            <a:lnSpc>
-              <a:spcPct val="90000"/>
-            </a:lnSpc>
-            <a:spcBef>
-              <a:spcPct val="0"/>
-            </a:spcBef>
-            <a:spcAft>
-              <a:spcPct val="35000"/>
-            </a:spcAft>
-            <a:buNone/>
-          </a:pPr>
-          <a:r>
-            <a:rPr lang="fr-FR" sz="2200" kern="1200" noProof="0" dirty="0" smtClean="0"/>
-            <a:t>Étape 2</a:t>
-          </a:r>
-          <a:endParaRPr lang="fr-FR" sz="2200" kern="1200" noProof="0" dirty="0"/>
-        </a:p>
-      </dsp:txBody>
-      <dsp:txXfrm rot="-10800000">
-        <a:off x="0" y="1722392"/>
-        <a:ext cx="5334000" cy="610227"/>
-      </dsp:txXfrm>
-    </dsp:sp>
-    <dsp:sp modelId="{A8E0F749-66B2-490B-99E9-CC106B163B16}">
-      <dsp:nvSpPr>
-        <dsp:cNvPr id="0" name=""/>
-        <dsp:cNvSpPr/>
-      </dsp:nvSpPr>
-      <dsp:spPr>
-        <a:xfrm>
-          <a:off x="0" y="2332619"/>
-          <a:ext cx="2667000" cy="519823"/>
-        </a:xfrm>
-        <a:prstGeom prst="rect">
-          <a:avLst/>
-        </a:prstGeom>
-        <a:solidFill>
-          <a:schemeClr val="accent3">
-            <a:tint val="40000"/>
-            <a:alpha val="90000"/>
-            <a:hueOff val="811656"/>
-            <a:satOff val="40000"/>
-            <a:lumOff val="712"/>
-            <a:alphaOff val="0"/>
-          </a:schemeClr>
-        </a:solidFill>
-        <a:ln w="12700" cap="flat" cmpd="sng" algn="ctr">
-          <a:solidFill>
-            <a:schemeClr val="accent3">
-              <a:tint val="40000"/>
-              <a:alpha val="90000"/>
-              <a:hueOff val="811656"/>
-              <a:satOff val="40000"/>
-              <a:lumOff val="712"/>
-              <a:alphaOff val="0"/>
-            </a:schemeClr>
-          </a:solidFill>
-          <a:prstDash val="solid"/>
-          <a:miter lim="800000"/>
-        </a:ln>
-        <a:effectLst/>
-      </dsp:spPr>
-      <dsp:style>
-        <a:lnRef idx="2">
-          <a:scrgbClr r="0" g="0" b="0"/>
-        </a:lnRef>
-        <a:fillRef idx="1">
-          <a:scrgbClr r="0" g="0" b="0"/>
-        </a:fillRef>
-        <a:effectRef idx="0">
-          <a:scrgbClr r="0" g="0" b="0"/>
-        </a:effectRef>
-        <a:fontRef idx="minor"/>
-      </dsp:style>
-      <dsp:txBody>
-        <a:bodyPr spcFirstLastPara="0" vert="horz" wrap="square" lIns="135128" tIns="24130" rIns="135128" bIns="24130" numCol="1" spcCol="1270" anchor="ctr" anchorCtr="0">
-          <a:noAutofit/>
-        </a:bodyPr>
-        <a:lstStyle/>
-        <a:p>
-          <a:pPr lvl="0" algn="l" defTabSz="914400">
-            <a:lnSpc>
-              <a:spcPct val="90000"/>
-            </a:lnSpc>
-            <a:spcBef>
-              <a:spcPct val="0"/>
-            </a:spcBef>
-            <a:spcAft>
-              <a:spcPct val="35000"/>
-            </a:spcAft>
-            <a:buNone/>
-          </a:pPr>
-          <a:r>
-            <a:rPr lang="fr-FR" sz="1900" b="0" i="0" kern="1200" noProof="0" dirty="0" smtClean="0">
-              <a:latin typeface="Franklin Gothic Medium"/>
-              <a:ea typeface="+mn-ea"/>
-              <a:cs typeface="+mn-cs"/>
-            </a:rPr>
-            <a:t>Description de la tâche</a:t>
-          </a:r>
-          <a:endParaRPr lang="fr-FR" sz="1900" b="0" i="0" kern="1200" noProof="0" dirty="0">
-            <a:latin typeface="Franklin Gothic Medium"/>
-            <a:ea typeface="+mn-ea"/>
-            <a:cs typeface="+mn-cs"/>
-          </a:endParaRPr>
-        </a:p>
-      </dsp:txBody>
-      <dsp:txXfrm>
-        <a:off x="0" y="2332619"/>
-        <a:ext cx="2667000" cy="519823"/>
-      </dsp:txXfrm>
-    </dsp:sp>
-    <dsp:sp modelId="{A6EE397C-6C28-4128-BFFE-CFF44F70153F}">
-      <dsp:nvSpPr>
-        <dsp:cNvPr id="0" name=""/>
-        <dsp:cNvSpPr/>
-      </dsp:nvSpPr>
-      <dsp:spPr>
-        <a:xfrm>
-          <a:off x="2667000" y="2332619"/>
-          <a:ext cx="2667000" cy="519823"/>
-        </a:xfrm>
-        <a:prstGeom prst="rect">
-          <a:avLst/>
-        </a:prstGeom>
-        <a:solidFill>
-          <a:schemeClr val="accent3">
-            <a:tint val="40000"/>
-            <a:alpha val="90000"/>
-            <a:hueOff val="1217485"/>
-            <a:satOff val="60000"/>
-            <a:lumOff val="1067"/>
-            <a:alphaOff val="0"/>
-          </a:schemeClr>
-        </a:solidFill>
-        <a:ln w="12700" cap="flat" cmpd="sng" algn="ctr">
-          <a:solidFill>
-            <a:schemeClr val="accent3">
-              <a:tint val="40000"/>
-              <a:alpha val="90000"/>
-              <a:hueOff val="1217485"/>
-              <a:satOff val="60000"/>
-              <a:lumOff val="1067"/>
-              <a:alphaOff val="0"/>
-            </a:schemeClr>
-          </a:solidFill>
-          <a:prstDash val="solid"/>
-          <a:miter lim="800000"/>
-        </a:ln>
-        <a:effectLst/>
-      </dsp:spPr>
-      <dsp:style>
-        <a:lnRef idx="2">
-          <a:scrgbClr r="0" g="0" b="0"/>
-        </a:lnRef>
-        <a:fillRef idx="1">
-          <a:scrgbClr r="0" g="0" b="0"/>
-        </a:fillRef>
-        <a:effectRef idx="0">
-          <a:scrgbClr r="0" g="0" b="0"/>
-        </a:effectRef>
-        <a:fontRef idx="minor"/>
-      </dsp:style>
-      <dsp:txBody>
-        <a:bodyPr spcFirstLastPara="0" vert="horz" wrap="square" lIns="135128" tIns="24130" rIns="135128" bIns="24130" numCol="1" spcCol="1270" anchor="ctr" anchorCtr="0">
-          <a:noAutofit/>
-        </a:bodyPr>
-        <a:lstStyle/>
-        <a:p>
-          <a:pPr lvl="0" algn="l" defTabSz="914400">
-            <a:lnSpc>
-              <a:spcPct val="90000"/>
-            </a:lnSpc>
-            <a:spcBef>
-              <a:spcPct val="0"/>
-            </a:spcBef>
-            <a:spcAft>
-              <a:spcPct val="35000"/>
-            </a:spcAft>
-            <a:buNone/>
-          </a:pPr>
-          <a:r>
-            <a:rPr lang="fr-FR" sz="1900" b="0" i="0" kern="1200" noProof="0" dirty="0" smtClean="0">
-              <a:latin typeface="Franklin Gothic Medium"/>
-              <a:ea typeface="+mn-ea"/>
-              <a:cs typeface="+mn-cs"/>
-            </a:rPr>
-            <a:t>Description de la tâche</a:t>
-          </a:r>
-          <a:endParaRPr lang="fr-FR" sz="1900" b="0" i="0" kern="1200" noProof="0" dirty="0">
-            <a:latin typeface="Franklin Gothic Medium"/>
-            <a:ea typeface="+mn-ea"/>
-            <a:cs typeface="+mn-cs"/>
-          </a:endParaRPr>
-        </a:p>
-      </dsp:txBody>
-      <dsp:txXfrm>
-        <a:off x="2667000" y="2332619"/>
-        <a:ext cx="2667000" cy="519823"/>
-      </dsp:txXfrm>
-    </dsp:sp>
-    <dsp:sp modelId="{A48265CE-F3A3-46DB-9DD2-97590B4DBB84}">
-      <dsp:nvSpPr>
-        <dsp:cNvPr id="0" name=""/>
-        <dsp:cNvSpPr/>
-      </dsp:nvSpPr>
-      <dsp:spPr>
-        <a:xfrm rot="10800000">
-          <a:off x="0" y="808"/>
-          <a:ext cx="5334000" cy="1738539"/>
-        </a:xfrm>
-        <a:prstGeom prst="upArrowCallout">
-          <a:avLst/>
-        </a:prstGeom>
-        <a:solidFill>
-          <a:schemeClr val="accent3">
-            <a:hueOff val="2710599"/>
-            <a:satOff val="100000"/>
-            <a:lumOff val="-14706"/>
-            <a:alphaOff val="0"/>
-          </a:schemeClr>
-        </a:solidFill>
-        <a:ln w="12700" cap="flat" cmpd="sng" algn="ctr">
-          <a:solidFill>
-            <a:schemeClr val="lt1">
-              <a:hueOff val="0"/>
-              <a:satOff val="0"/>
-              <a:lumOff val="0"/>
-              <a:alphaOff val="0"/>
-            </a:schemeClr>
-          </a:solidFill>
-          <a:prstDash val="solid"/>
-          <a:miter lim="800000"/>
-        </a:ln>
-        <a:effectLst/>
-      </dsp:spPr>
-      <dsp:style>
-        <a:lnRef idx="2">
-          <a:scrgbClr r="0" g="0" b="0"/>
-        </a:lnRef>
-        <a:fillRef idx="1">
-          <a:scrgbClr r="0" g="0" b="0"/>
-        </a:fillRef>
-        <a:effectRef idx="0">
-          <a:scrgbClr r="0" g="0" b="0"/>
-        </a:effectRef>
-        <a:fontRef idx="minor">
-          <a:schemeClr val="lt1"/>
-        </a:fontRef>
-      </dsp:style>
-      <dsp:txBody>
-        <a:bodyPr spcFirstLastPara="0" vert="horz" wrap="square" lIns="156464" tIns="156464" rIns="156464" bIns="156464" numCol="1" spcCol="1270" anchor="ctr" anchorCtr="0">
-          <a:noAutofit/>
-        </a:bodyPr>
-        <a:lstStyle/>
-        <a:p>
-          <a:pPr lvl="0" algn="ctr" defTabSz="914400">
-            <a:lnSpc>
-              <a:spcPct val="90000"/>
-            </a:lnSpc>
-            <a:spcBef>
-              <a:spcPct val="0"/>
-            </a:spcBef>
-            <a:spcAft>
-              <a:spcPct val="35000"/>
-            </a:spcAft>
-            <a:buNone/>
-          </a:pPr>
-          <a:r>
-            <a:rPr lang="fr-FR" sz="2200" kern="1200" noProof="0" dirty="0" smtClean="0"/>
-            <a:t>Étape 1</a:t>
-          </a:r>
-          <a:endParaRPr lang="fr-FR" sz="2200" kern="1200" noProof="0" dirty="0"/>
-        </a:p>
-      </dsp:txBody>
-      <dsp:txXfrm rot="-10800000">
-        <a:off x="0" y="808"/>
-        <a:ext cx="5334000" cy="610227"/>
-      </dsp:txXfrm>
-    </dsp:sp>
-    <dsp:sp modelId="{59FFE57C-E5F2-4FBD-AA4D-8DB27381892F}">
-      <dsp:nvSpPr>
-        <dsp:cNvPr id="0" name=""/>
-        <dsp:cNvSpPr/>
-      </dsp:nvSpPr>
-      <dsp:spPr>
-        <a:xfrm>
-          <a:off x="0" y="611036"/>
-          <a:ext cx="2667000" cy="519823"/>
-        </a:xfrm>
-        <a:prstGeom prst="rect">
-          <a:avLst/>
-        </a:prstGeom>
-        <a:solidFill>
-          <a:schemeClr val="accent3">
-            <a:tint val="40000"/>
-            <a:alpha val="90000"/>
-            <a:hueOff val="1623313"/>
-            <a:satOff val="80000"/>
-            <a:lumOff val="1423"/>
-            <a:alphaOff val="0"/>
-          </a:schemeClr>
-        </a:solidFill>
-        <a:ln w="12700" cap="flat" cmpd="sng" algn="ctr">
-          <a:solidFill>
-            <a:schemeClr val="accent3">
-              <a:tint val="40000"/>
-              <a:alpha val="90000"/>
-              <a:hueOff val="1623313"/>
-              <a:satOff val="80000"/>
-              <a:lumOff val="1423"/>
-              <a:alphaOff val="0"/>
-            </a:schemeClr>
-          </a:solidFill>
-          <a:prstDash val="solid"/>
-          <a:miter lim="800000"/>
-        </a:ln>
-        <a:effectLst/>
-      </dsp:spPr>
-      <dsp:style>
-        <a:lnRef idx="2">
-          <a:scrgbClr r="0" g="0" b="0"/>
-        </a:lnRef>
-        <a:fillRef idx="1">
-          <a:scrgbClr r="0" g="0" b="0"/>
-        </a:fillRef>
-        <a:effectRef idx="0">
-          <a:scrgbClr r="0" g="0" b="0"/>
-        </a:effectRef>
-        <a:fontRef idx="minor"/>
-      </dsp:style>
-      <dsp:txBody>
-        <a:bodyPr spcFirstLastPara="0" vert="horz" wrap="square" lIns="135128" tIns="24130" rIns="135128" bIns="24130" numCol="1" spcCol="1270" anchor="ctr" anchorCtr="0">
-          <a:noAutofit/>
-        </a:bodyPr>
-        <a:lstStyle/>
-        <a:p>
-          <a:pPr lvl="0" algn="l" defTabSz="914400">
-            <a:lnSpc>
-              <a:spcPct val="90000"/>
-            </a:lnSpc>
-            <a:spcBef>
-              <a:spcPct val="0"/>
-            </a:spcBef>
-            <a:spcAft>
-              <a:spcPct val="35000"/>
-            </a:spcAft>
-            <a:buNone/>
-          </a:pPr>
-          <a:r>
-            <a:rPr lang="fr-FR" sz="1900" b="0" i="0" kern="1200" noProof="0" dirty="0" smtClean="0">
-              <a:latin typeface="Franklin Gothic Medium"/>
-              <a:ea typeface="+mn-ea"/>
-              <a:cs typeface="+mn-cs"/>
-            </a:rPr>
-            <a:t>Description de la tâche</a:t>
-          </a:r>
-          <a:endParaRPr lang="fr-FR" sz="1900" b="0" i="0" kern="1200" noProof="0" dirty="0">
-            <a:latin typeface="Franklin Gothic Medium"/>
-            <a:ea typeface="+mn-ea"/>
-            <a:cs typeface="+mn-cs"/>
-          </a:endParaRPr>
-        </a:p>
-      </dsp:txBody>
-      <dsp:txXfrm>
-        <a:off x="0" y="611036"/>
-        <a:ext cx="2667000" cy="519823"/>
-      </dsp:txXfrm>
-    </dsp:sp>
-    <dsp:sp modelId="{3EC7D028-ECEA-492B-A6F1-68E9B57B69C6}">
-      <dsp:nvSpPr>
-        <dsp:cNvPr id="0" name=""/>
-        <dsp:cNvSpPr/>
-      </dsp:nvSpPr>
-      <dsp:spPr>
-        <a:xfrm>
-          <a:off x="2667000" y="611036"/>
-          <a:ext cx="2667000" cy="519823"/>
-        </a:xfrm>
-        <a:prstGeom prst="rect">
-          <a:avLst/>
-        </a:prstGeom>
-        <a:solidFill>
-          <a:schemeClr val="accent3">
-            <a:tint val="40000"/>
-            <a:alpha val="90000"/>
-            <a:hueOff val="2029141"/>
-            <a:satOff val="100000"/>
-            <a:lumOff val="1779"/>
-            <a:alphaOff val="0"/>
-          </a:schemeClr>
-        </a:solidFill>
-        <a:ln w="12700" cap="flat" cmpd="sng" algn="ctr">
-          <a:solidFill>
-            <a:schemeClr val="accent3">
-              <a:tint val="40000"/>
-              <a:alpha val="90000"/>
-              <a:hueOff val="2029141"/>
-              <a:satOff val="100000"/>
-              <a:lumOff val="1779"/>
-              <a:alphaOff val="0"/>
-            </a:schemeClr>
-          </a:solidFill>
-          <a:prstDash val="solid"/>
-          <a:miter lim="800000"/>
-        </a:ln>
-        <a:effectLst/>
-      </dsp:spPr>
-      <dsp:style>
-        <a:lnRef idx="2">
-          <a:scrgbClr r="0" g="0" b="0"/>
-        </a:lnRef>
-        <a:fillRef idx="1">
-          <a:scrgbClr r="0" g="0" b="0"/>
-        </a:fillRef>
-        <a:effectRef idx="0">
-          <a:scrgbClr r="0" g="0" b="0"/>
-        </a:effectRef>
-        <a:fontRef idx="minor"/>
-      </dsp:style>
-      <dsp:txBody>
-        <a:bodyPr spcFirstLastPara="0" vert="horz" wrap="square" lIns="135128" tIns="24130" rIns="135128" bIns="24130" numCol="1" spcCol="1270" anchor="ctr" anchorCtr="0">
-          <a:noAutofit/>
-        </a:bodyPr>
-        <a:lstStyle/>
-        <a:p>
-          <a:pPr lvl="0" algn="l" defTabSz="914400">
-            <a:lnSpc>
-              <a:spcPct val="90000"/>
-            </a:lnSpc>
-            <a:spcBef>
-              <a:spcPct val="0"/>
-            </a:spcBef>
-            <a:spcAft>
-              <a:spcPct val="35000"/>
-            </a:spcAft>
-            <a:buNone/>
-          </a:pPr>
-          <a:r>
-            <a:rPr lang="fr-FR" sz="1900" b="0" i="0" kern="1200" noProof="0" dirty="0" smtClean="0">
-              <a:latin typeface="Franklin Gothic Medium"/>
-              <a:ea typeface="+mn-ea"/>
-              <a:cs typeface="+mn-cs"/>
-            </a:rPr>
-            <a:t>Description de la tâche</a:t>
-          </a:r>
-          <a:endParaRPr lang="fr-FR" sz="1900" b="0" i="0" kern="1200" noProof="0" dirty="0">
-            <a:latin typeface="Franklin Gothic Medium"/>
-            <a:ea typeface="+mn-ea"/>
-            <a:cs typeface="+mn-cs"/>
-          </a:endParaRPr>
-        </a:p>
-      </dsp:txBody>
-      <dsp:txXfrm>
-        <a:off x="2667000" y="611036"/>
-        <a:ext cx="2667000" cy="519823"/>
-      </dsp:txXfrm>
-    </dsp:sp>
-  </dsp:spTree>
-</dsp:drawing>
-</file>
-
-<file path=ppt/diagrams/layout1.xml><?xml version="1.0" encoding="utf-8"?>
-<dgm:layoutDef xmlns:dgm="http://schemas.openxmlformats.org/drawingml/2006/diagram" xmlns:a="http://schemas.openxmlformats.org/drawingml/2006/main" uniqueId="urn:microsoft.com/office/officeart/2005/8/layout/process4">
-  <dgm:title val=""/>
-  <dgm:desc val=""/>
-  <dgm:catLst>
-    <dgm:cat type="process" pri="16000"/>
-    <dgm:cat type="list" pri="20000"/>
-  </dgm:catLst>
-  <dgm:sampData>
-    <dgm:dataModel>
-      <dgm:ptLst>
-        <dgm:pt modelId="0" type="doc"/>
-        <dgm:pt modelId="1">
-          <dgm:prSet phldr="1"/>
-        </dgm:pt>
-        <dgm:pt modelId="11">
-          <dgm:prSet phldr="1"/>
-        </dgm:pt>
-        <dgm:pt modelId="12">
-          <dgm:prSet phldr="1"/>
-        </dgm:pt>
-        <dgm:pt modelId="2">
-          <dgm:prSet phldr="1"/>
-        </dgm:pt>
-        <dgm:pt modelId="21">
-          <dgm:prSet phldr="1"/>
-        </dgm:pt>
-        <dgm:pt modelId="22">
-          <dgm:prSet phldr="1"/>
-        </dgm:pt>
-        <dgm:pt modelId="3">
-          <dgm:prSet phldr="1"/>
-        </dgm:pt>
-        <dgm:pt modelId="31">
-          <dgm:prSet phldr="1"/>
-        </dgm:pt>
-        <dgm:pt modelId="32">
-          <dgm:prSet phldr="1"/>
-        </dgm:pt>
-      </dgm:ptLst>
-      <dgm:cxnLst>
-        <dgm:cxn modelId="4" srcId="0" destId="1" srcOrd="0" destOrd="0"/>
-        <dgm:cxn modelId="5" srcId="0" destId="2" srcOrd="1" destOrd="0"/>
-        <dgm:cxn modelId="6" srcId="0" destId="3" srcOrd="2" destOrd="0"/>
-        <dgm:cxn modelId="13" srcId="1" destId="11" srcOrd="0" destOrd="0"/>
-        <dgm:cxn modelId="14" srcId="1" destId="12" srcOrd="1" destOrd="0"/>
-        <dgm:cxn modelId="23" srcId="2" destId="21" srcOrd="0" destOrd="0"/>
-        <dgm:cxn modelId="24" srcId="2" destId="22" srcOrd="1" destOrd="0"/>
-        <dgm:cxn modelId="33" srcId="3" destId="31" srcOrd="0" destOrd="0"/>
-        <dgm:cxn modelId="34" srcId="3" destId="32" srcOrd="1" destOrd="0"/>
-      </dgm:cxnLst>
-      <dgm:bg/>
-      <dgm:whole/>
-    </dgm:dataModel>
-  </dgm:sampData>
-  <dgm:styleData>
-    <dgm:dataModel>
-      <dgm:ptLst>
-        <dgm:pt modelId="0" type="doc"/>
-        <dgm:pt modelId="1"/>
-        <dgm:pt modelId="11"/>
-        <dgm:pt modelId="2"/>
-        <dgm:pt modelId="21"/>
-      </dgm:ptLst>
-      <dgm:cxnLst>
-        <dgm:cxn modelId="4" srcId="0" destId="1" srcOrd="0" destOrd="0"/>
-        <dgm:cxn modelId="5" srcId="0" destId="2" srcOrd="1" destOrd="0"/>
-        <dgm:cxn modelId="13" srcId="1" destId="11" srcOrd="0" destOrd="0"/>
-        <dgm:cxn modelId="23" srcId="2" destId="21" srcOrd="0" destOrd="0"/>
-      </dgm:cxnLst>
-      <dgm:bg/>
-      <dgm:whole/>
-    </dgm:dataModel>
-  </dgm:styleData>
-  <dgm:clrData>
-    <dgm:dataModel>
-      <dgm:ptLst>
-        <dgm:pt modelId="0" type="doc"/>
-        <dgm:pt modelId="1"/>
-        <dgm:pt modelId="11"/>
-        <dgm:pt modelId="2"/>
-        <dgm:pt modelId="21"/>
-        <dgm:pt modelId="3"/>
-        <dgm:pt modelId="31"/>
-        <dgm:pt modelId="4"/>
-        <dgm:pt modelId="41"/>
-      </dgm:ptLst>
-      <dgm:cxnLst>
-        <dgm:cxn modelId="5" srcId="0" destId="1" srcOrd="0" destOrd="0"/>
-        <dgm:cxn modelId="6" srcId="0" destId="2" srcOrd="1" destOrd="0"/>
-        <dgm:cxn modelId="7" srcId="0" destId="3" srcOrd="2" destOrd="0"/>
-        <dgm:cxn modelId="8" srcId="0" destId="4" srcOrd="3" destOrd="0"/>
-        <dgm:cxn modelId="13" srcId="1" destId="11" srcOrd="0" destOrd="0"/>
-        <dgm:cxn modelId="23" srcId="2" destId="21" srcOrd="0" destOrd="0"/>
-        <dgm:cxn modelId="33" srcId="3" destId="31" srcOrd="0" destOrd="0"/>
-        <dgm:cxn modelId="43" srcId="4" destId="41" srcOrd="0" destOrd="0"/>
-      </dgm:cxnLst>
-      <dgm:bg/>
-      <dgm:whole/>
-    </dgm:dataModel>
-  </dgm:clrData>
-  <dgm:layoutNode name="Name0">
-    <dgm:varLst>
-      <dgm:dir/>
-      <dgm:animLvl val="lvl"/>
-      <dgm:resizeHandles val="exact"/>
-    </dgm:varLst>
-    <dgm:alg type="lin">
-      <dgm:param type="linDir" val="fromB"/>
-    </dgm:alg>
-    <dgm:shape xmlns:r="http://schemas.openxmlformats.org/officeDocument/2006/relationships" r:blip="">
-      <dgm:adjLst/>
-    </dgm:shape>
-    <dgm:presOf/>
-    <dgm:constrLst>
-      <dgm:constr type="h" for="ch" forName="boxAndChildren" refType="h"/>
-      <dgm:constr type="h" for="ch" forName="arrowAndChildren" refType="h" refFor="ch" refForName="boxAndChildren" op="equ" fact="1.538"/>
-      <dgm:constr type="w" for="ch" forName="arrowAndChildren" refType="w"/>
-      <dgm:constr type="w" for="ch" forName="boxAndChildren" refType="w"/>
-      <dgm:constr type="h" for="ch" forName="sp" refType="h" fact="-0.015"/>
-      <dgm:constr type="primFontSz" for="des" forName="parentTextBox" val="65"/>
-      <dgm:constr type="primFontSz" for="des" forName="parentTextArrow" refType="primFontSz" refFor="des" refForName="parentTextBox" op="equ"/>
-      <dgm:constr type="primFontSz" for="des" forName="childTextArrow" val="65"/>
-      <dgm:constr type="primFontSz" for="des" forName="childTextBox" refType="primFontSz" refFor="des" refForName="childTextArrow" op="equ"/>
-    </dgm:constrLst>
-    <dgm:ruleLst/>
-    <dgm:forEach name="Name1" axis="ch" ptType="node" st="-1" step="-1">
-      <dgm:choose name="Name2">
-        <dgm:if name="Name3" axis="self" ptType="node" func="revPos" op="equ" val="1">
-          <dgm:layoutNode name="boxAndChildren">
-            <dgm:alg type="composite"/>
-            <dgm:shape xmlns:r="http://schemas.openxmlformats.org/officeDocument/2006/relationships" r:blip="">
-              <dgm:adjLst/>
-            </dgm:shape>
-            <dgm:presOf/>
-            <dgm:choose name="Name4">
-              <dgm:if name="Name5" axis="ch" ptType="node" func="cnt" op="gte" val="1">
-                <dgm:constrLst>
-                  <dgm:constr type="w" for="ch" forName="parentTextBox" refType="w"/>
-                  <dgm:constr type="h" for="ch" forName="parentTextBox" refType="h" fact="0.54"/>
-                  <dgm:constr type="t" for="ch" forName="parentTextBox"/>
-                  <dgm:constr type="w" for="ch" forName="entireBox" refType="w"/>
-                  <dgm:constr type="h" for="ch" forName="entireBox" refType="h"/>
-                  <dgm:constr type="w" for="ch" forName="descendantBox" refType="w"/>
-                  <dgm:constr type="b" for="ch" forName="descendantBox" refType="h" fact="0.98"/>
-                  <dgm:constr type="h" for="ch" forName="descendantBox" refType="h" fact="0.46"/>
-                </dgm:constrLst>
-              </dgm:if>
-              <dgm:else name="Name6">
-                <dgm:constrLst>
-                  <dgm:constr type="w" for="ch" forName="parentTextBox" refType="w"/>
-                  <dgm:constr type="h" for="ch" forName="parentTextBox" refType="h"/>
-                </dgm:constrLst>
-              </dgm:else>
-            </dgm:choose>
-            <dgm:ruleLst/>
-            <dgm:layoutNode name="parentTextBox">
-              <dgm:alg type="tx"/>
-              <dgm:choose name="Name7">
-                <dgm:if name="Name8" axis="ch" ptType="node" func="cnt" op="gte" val="1">
-                  <dgm:shape xmlns:r="http://schemas.openxmlformats.org/officeDocument/2006/relationships" type="rect" r:blip="" zOrderOff="1" hideGeom="1">
-                    <dgm:adjLst/>
-                  </dgm:shape>
-                </dgm:if>
-                <dgm:else name="Name9">
-                  <dgm:shape xmlns:r="http://schemas.openxmlformats.org/officeDocument/2006/relationships" type="rect" r:blip="">
-                    <dgm:adjLst/>
-                  </dgm:shape>
-                </dgm:else>
-              </dgm:choose>
-              <dgm:presOf axis="self"/>
-              <dgm:constrLst/>
-              <dgm:ruleLst>
-                <dgm:rule type="primFontSz" val="5" fact="NaN" max="NaN"/>
-              </dgm:ruleLst>
-            </dgm:layoutNode>
-            <dgm:choose name="Name10">
-              <dgm:if name="Name11" axis="ch" ptType="node" func="cnt" op="gte" val="1">
-                <dgm:layoutNode name="entireBox">
-                  <dgm:alg type="sp"/>
-                  <dgm:shape xmlns:r="http://schemas.openxmlformats.org/officeDocument/2006/relationships" type="rect" r:blip="">
-                    <dgm:adjLst/>
-                  </dgm:shape>
-                  <dgm:presOf axis="self"/>
-                  <dgm:constrLst/>
-                  <dgm:ruleLst/>
-                </dgm:layoutNode>
-                <dgm:layoutNode name="descendantBox" styleLbl="fgAccFollowNode1">
-                  <dgm:choose name="Name12">
-                    <dgm:if name="Name13" func="var" arg="dir" op="equ" val="norm">
-                      <dgm:alg type="lin"/>
-                    </dgm:if>
-                    <dgm:else name="Name14">
-                      <dgm:alg type="lin">
-                        <dgm:param type="linDir" val="fromR"/>
-                      </dgm:alg>
-                    </dgm:else>
-                  </dgm:choose>
-                  <dgm:shape xmlns:r="http://schemas.openxmlformats.org/officeDocument/2006/relationships" r:blip="">
-                    <dgm:adjLst/>
-                  </dgm:shape>
-                  <dgm:presOf/>
-                  <dgm:constrLst>
-                    <dgm:constr type="w" for="ch" forName="childTextBox" refType="w"/>
-                    <dgm:constr type="h" for="ch" forName="childTextBox" refType="h"/>
-                  </dgm:constrLst>
-                  <dgm:ruleLst/>
-                  <dgm:forEach name="Name15" axis="ch" ptType="node">
-                    <dgm:layoutNode name="childTextBox" styleLbl="fgAccFollowNode1">
-                      <dgm:varLst>
-                        <dgm:bulletEnabled val="1"/>
-                      </dgm:varLst>
-                      <dgm:alg type="tx"/>
-                      <dgm:shape xmlns:r="http://schemas.openxmlformats.org/officeDocument/2006/relationships" type="rect" r:blip="">
-                        <dgm:adjLst/>
-                      </dgm:shape>
-                      <dgm:presOf axis="desOrSelf" ptType="node"/>
-                      <dgm:constrLst>
-                        <dgm:constr type="tMarg" refType="primFontSz" fact="0.1"/>
-                        <dgm:constr type="bMarg" refType="primFontSz" fact="0.1"/>
-                      </dgm:constrLst>
-                      <dgm:ruleLst>
-                        <dgm:rule type="primFontSz" val="5" fact="NaN" max="NaN"/>
-                      </dgm:ruleLst>
-                    </dgm:layoutNode>
-                  </dgm:forEach>
-                </dgm:layoutNode>
-              </dgm:if>
-              <dgm:else name="Name16"/>
-            </dgm:choose>
-          </dgm:layoutNode>
-        </dgm:if>
-        <dgm:else name="Name17">
-          <dgm:layoutNode name="arrowAndChildren">
-            <dgm:alg type="composite"/>
-            <dgm:shape xmlns:r="http://schemas.openxmlformats.org/officeDocument/2006/relationships" r:blip="">
-              <dgm:adjLst/>
-            </dgm:shape>
-            <dgm:presOf/>
-            <dgm:choose name="Name18">
-              <dgm:if name="Name19" axis="ch" ptType="node" func="cnt" op="gte" val="1">
-                <dgm:constrLst>
-                  <dgm:constr type="w" for="ch" forName="parentTextArrow" refType="w"/>
-                  <dgm:constr type="t" for="ch" forName="parentTextArrow"/>
-                  <dgm:constr type="h" for="ch" forName="parentTextArrow" refType="h" fact="0.351"/>
-                  <dgm:constr type="w" for="ch" forName="arrow" refType="w"/>
-                  <dgm:constr type="h" for="ch" forName="arrow" refType="h"/>
-                  <dgm:constr type="w" for="ch" forName="descendantArrow" refType="w"/>
-                  <dgm:constr type="b" for="ch" forName="descendantArrow" refType="h" fact="0.65"/>
-                  <dgm:constr type="h" for="ch" forName="descendantArrow" refType="h" fact="0.299"/>
-                </dgm:constrLst>
-              </dgm:if>
-              <dgm:else name="Name20">
-                <dgm:constrLst>
-                  <dgm:constr type="w" for="ch" forName="parentTextArrow" refType="w"/>
-                  <dgm:constr type="h" for="ch" forName="parentTextArrow" refType="h"/>
-                </dgm:constrLst>
-              </dgm:else>
-            </dgm:choose>
-            <dgm:ruleLst/>
-            <dgm:layoutNode name="parentTextArrow">
-              <dgm:alg type="tx"/>
-              <dgm:choose name="Name21">
-                <dgm:if name="Name22" axis="ch" ptType="node" func="cnt" op="gte" val="1">
-                  <dgm:shape xmlns:r="http://schemas.openxmlformats.org/officeDocument/2006/relationships" type="rect" r:blip="" zOrderOff="1" hideGeom="1">
-                    <dgm:adjLst/>
-                  </dgm:shape>
-                </dgm:if>
-                <dgm:else name="Name23">
-                  <dgm:shape xmlns:r="http://schemas.openxmlformats.org/officeDocument/2006/relationships" rot="180" type="upArrowCallout" r:blip="">
-                    <dgm:adjLst/>
-                  </dgm:shape>
-                </dgm:else>
-              </dgm:choose>
-              <dgm:presOf axis="self"/>
-              <dgm:constrLst/>
-              <dgm:ruleLst>
-                <dgm:rule type="primFontSz" val="5" fact="NaN" max="NaN"/>
-              </dgm:ruleLst>
-            </dgm:layoutNode>
-            <dgm:choose name="Name24">
-              <dgm:if name="Name25" axis="ch" ptType="node" func="cnt" op="gte" val="1">
-                <dgm:layoutNode name="arrow">
-                  <dgm:alg type="sp"/>
-                  <dgm:shape xmlns:r="http://schemas.openxmlformats.org/officeDocument/2006/relationships" rot="180" type="upArrowCallout" r:blip="">
-                    <dgm:adjLst/>
-                  </dgm:shape>
-                  <dgm:presOf axis="self"/>
-                  <dgm:constrLst/>
-                  <dgm:ruleLst/>
-                </dgm:layoutNode>
-                <dgm:layoutNode name="descendantArrow">
-                  <dgm:choose name="Name26">
-                    <dgm:if name="Name27" func="var" arg="dir" op="equ" val="norm">
-                      <dgm:alg type="lin"/>
-                    </dgm:if>
-                    <dgm:else name="Name28">
-                      <dgm:alg type="lin">
-                        <dgm:param type="linDir" val="fromR"/>
-                      </dgm:alg>
-                    </dgm:else>
-                  </dgm:choose>
-                  <dgm:shape xmlns:r="http://schemas.openxmlformats.org/officeDocument/2006/relationships" r:blip="">
-                    <dgm:adjLst/>
-                  </dgm:shape>
-                  <dgm:presOf/>
-                  <dgm:constrLst>
-                    <dgm:constr type="w" for="ch" forName="childTextArrow" refType="w"/>
-                    <dgm:constr type="h" for="ch" forName="childTextArrow" refType="h"/>
-                  </dgm:constrLst>
-                  <dgm:ruleLst/>
-                  <dgm:forEach name="Name29" axis="ch" ptType="node">
-                    <dgm:layoutNode name="childTextArrow" styleLbl="fgAccFollowNode1">
-                      <dgm:varLst>
-                        <dgm:bulletEnabled val="1"/>
-                      </dgm:varLst>
-                      <dgm:alg type="tx"/>
-                      <dgm:shape xmlns:r="http://schemas.openxmlformats.org/officeDocument/2006/relationships" type="rect" r:blip="">
-                        <dgm:adjLst/>
-                      </dgm:shape>
-                      <dgm:presOf axis="desOrSelf" ptType="node"/>
-                      <dgm:constrLst>
-                        <dgm:constr type="tMarg" refType="primFontSz" fact="0.1"/>
-                        <dgm:constr type="bMarg" refType="primFontSz" fact="0.1"/>
-                      </dgm:constrLst>
-                      <dgm:ruleLst>
-                        <dgm:rule type="primFontSz" val="5" fact="NaN" max="NaN"/>
-                      </dgm:ruleLst>
-                    </dgm:layoutNode>
-                  </dgm:forEach>
-                </dgm:layoutNode>
-              </dgm:if>
-              <dgm:else name="Name30"/>
-            </dgm:choose>
-          </dgm:layoutNode>
-        </dgm:else>
-      </dgm:choose>
-      <dgm:forEach name="Name31" axis="precedSib" ptType="sibTrans" st="-1" cnt="1">
-        <dgm:layoutNode name="sp">
-          <dgm:alg type="sp"/>
-          <dgm:shape xmlns:r="http://schemas.openxmlformats.org/officeDocument/2006/relationships" r:blip="">
-            <dgm:adjLst/>
-          </dgm:shape>
-          <dgm:presOf axis="self"/>
-          <dgm:constrLst/>
-          <dgm:ruleLst/>
-        </dgm:layoutNode>
-      </dgm:forEach>
-    </dgm:forEach>
-  </dgm:layoutNode>
-</dgm:layoutDef>
-</file>
-
-<file path=ppt/diagrams/quickStyle1.xml><?xml version="1.0" encoding="utf-8"?>
-<dgm:styleDef xmlns:dgm="http://schemas.openxmlformats.org/drawingml/2006/diagram" xmlns:a="http://schemas.openxmlformats.org/drawingml/2006/main" uniqueId="urn:microsoft.com/office/officeart/2005/8/quickstyle/simple1">
-  <dgm:title val=""/>
-  <dgm:desc val=""/>
-  <dgm:catLst>
-    <dgm:cat type="simple" pri="10100"/>
-  </dgm:catLst>
-  <dgm:scene3d>
-    <a:camera prst="orthographicFront"/>
-    <a:lightRig rig="threePt" dir="t"/>
-  </dgm:scene3d>
-  <dgm:styleLbl name="node0">
-    <dgm:scene3d>
-      <a:camera prst="orthographicFront"/>
-      <a:lightRig rig="threePt" dir="t"/>
-    </dgm:scene3d>
-    <dgm:sp3d/>
-    <dgm:txPr/>
-    <dgm:style>
-      <a:lnRef idx="2">
-        <a:scrgbClr r="0" g="0" b="0"/>
-      </a:lnRef>
-      <a:fillRef idx="1">
-        <a:scrgbClr r="0" g="0" b="0"/>
-      </a:fillRef>
-      <a:effectRef idx="0">
-        <a:scrgbClr r="0" g="0" b="0"/>
-      </a:effectRef>
-      <a:fontRef idx="minor">
-        <a:schemeClr val="lt1"/>
-      </a:fontRef>
-    </dgm:style>
-  </dgm:styleLbl>
-  <dgm:styleLbl name="lnNode1">
-    <dgm:scene3d>
-      <a:camera prst="orthographicFront"/>
-      <a:lightRig rig="threePt" dir="t"/>
-    </dgm:scene3d>
-    <dgm:sp3d/>
-    <dgm:txPr/>
-    <dgm:style>
-      <a:lnRef idx="2">
-        <a:scrgbClr r="0" g="0" b="0"/>
-      </a:lnRef>
-      <a:fillRef idx="1">
-        <a:scrgbClr r="0" g="0" b="0"/>
-      </a:fillRef>
-      <a:effectRef idx="0">
-        <a:scrgbClr r="0" g="0" b="0"/>
-      </a:effectRef>
-      <a:fontRef idx="minor">
-        <a:schemeClr val="lt1"/>
-      </a:fontRef>
-    </dgm:style>
-  </dgm:styleLbl>
-  <dgm:styleLbl name="vennNode1">
-    <dgm:scene3d>
-      <a:camera prst="orthographicFront"/>
-      <a:lightRig rig="threePt" dir="t"/>
-    </dgm:scene3d>
-    <dgm:sp3d/>
-    <dgm:txPr/>
-    <dgm:style>
-      <a:lnRef idx="2">
-        <a:scrgbClr r="0" g="0" b="0"/>
-      </a:lnRef>
-      <a:fillRef idx="1">
-        <a:scrgbClr r="0" g="0" b="0"/>
-      </a:fillRef>
-      <a:effectRef idx="0">
-        <a:scrgbClr r="0" g="0" b="0"/>
-      </a:effectRef>
-      <a:fontRef idx="minor">
-        <a:schemeClr val="tx1"/>
-      </a:fontRef>
-    </dgm:style>
-  </dgm:styleLbl>
-  <dgm:styleLbl name="alignNode1">
-    <dgm:scene3d>
-      <a:camera prst="orthographicFront"/>
-      <a:lightRig rig="threePt" dir="t"/>
-    </dgm:scene3d>
-    <dgm:sp3d/>
-    <dgm:txPr/>
-    <dgm:style>
-      <a:lnRef idx="2">
-        <a:scrgbClr r="0" g="0" b="0"/>
-      </a:lnRef>
-      <a:fillRef idx="1">
-        <a:scrgbClr r="0" g="0" b="0"/>
-      </a:fillRef>
-      <a:effectRef idx="0">
-        <a:scrgbClr r="0" g="0" b="0"/>
-      </a:effectRef>
-      <a:fontRef idx="minor">
-        <a:schemeClr val="lt1"/>
-      </a:fontRef>
-    </dgm:style>
-  </dgm:styleLbl>
-  <dgm:styleLbl name="node1">
-    <dgm:scene3d>
-      <a:camera prst="orthographicFront"/>
-      <a:lightRig rig="threePt" dir="t"/>
-    </dgm:scene3d>
-    <dgm:sp3d/>
-    <dgm:txPr/>
-    <dgm:style>
-      <a:lnRef idx="2">
-        <a:scrgbClr r="0" g="0" b="0"/>
-      </a:lnRef>
-      <a:fillRef idx="1">
-        <a:scrgbClr r="0" g="0" b="0"/>
-      </a:fillRef>
-      <a:effectRef idx="0">
-        <a:scrgbClr r="0" g="0" b="0"/>
-      </a:effectRef>
-      <a:fontRef idx="minor">
-        <a:schemeClr val="lt1"/>
-      </a:fontRef>
-    </dgm:style>
-  </dgm:styleLbl>
-  <dgm:styleLbl name="node2">
-    <dgm:scene3d>
-      <a:camera prst="orthographicFront"/>
-      <a:lightRig rig="threePt" dir="t"/>
-    </dgm:scene3d>
-    <dgm:sp3d/>
-    <dgm:txPr/>
-    <dgm:style>
-      <a:lnRef idx="2">
-        <a:scrgbClr r="0" g="0" b="0"/>
-      </a:lnRef>
-      <a:fillRef idx="1">
-        <a:scrgbClr r="0" g="0" b="0"/>
-      </a:fillRef>
-      <a:effectRef idx="0">
-        <a:scrgbClr r="0" g="0" b="0"/>
-      </a:effectRef>
-      <a:fontRef idx="minor">
-        <a:schemeClr val="lt1"/>
-      </a:fontRef>
-    </dgm:style>
-  </dgm:styleLbl>
-  <dgm:styleLbl name="node3">
-    <dgm:scene3d>
-      <a:camera prst="orthographicFront"/>
-      <a:lightRig rig="threePt" dir="t"/>
-    </dgm:scene3d>
-    <dgm:sp3d/>
-    <dgm:txPr/>
-    <dgm:style>
-      <a:lnRef idx="2">
-        <a:scrgbClr r="0" g="0" b="0"/>
-      </a:lnRef>
-      <a:fillRef idx="1">
-        <a:scrgbClr r="0" g="0" b="0"/>
-      </a:fillRef>
-      <a:effectRef idx="0">
-        <a:scrgbClr r="0" g="0" b="0"/>
-      </a:effectRef>
-      <a:fontRef idx="minor">
-        <a:schemeClr val="lt1"/>
-      </a:fontRef>
-    </dgm:style>
-  </dgm:styleLbl>
-  <dgm:styleLbl name="node4">
-    <dgm:scene3d>
-      <a:camera prst="orthographicFront"/>
-      <a:lightRig rig="threePt" dir="t"/>
-    </dgm:scene3d>
-    <dgm:sp3d/>
-    <dgm:txPr/>
-    <dgm:style>
-      <a:lnRef idx="2">
-        <a:scrgbClr r="0" g="0" b="0"/>
-      </a:lnRef>
-      <a:fillRef idx="1">
-        <a:scrgbClr r="0" g="0" b="0"/>
-      </a:fillRef>
-      <a:effectRef idx="0">
-        <a:scrgbClr r="0" g="0" b="0"/>
-      </a:effectRef>
-      <a:fontRef idx="minor">
-        <a:schemeClr val="lt1"/>
-      </a:fontRef>
-    </dgm:style>
-  </dgm:styleLbl>
-  <dgm:styleLbl name="fgImgPlace1">
-    <dgm:scene3d>
-      <a:camera prst="orthographicFront"/>
-      <a:lightRig rig="threePt" dir="t"/>
-    </dgm:scene3d>
-    <dgm:sp3d/>
-    <dgm:txPr/>
-    <dgm:style>
-      <a:lnRef idx="2">
-        <a:scrgbClr r="0" g="0" b="0"/>
-      </a:lnRef>
-      <a:fillRef idx="1">
-        <a:scrgbClr r="0" g="0" b="0"/>
-      </a:fillRef>
-      <a:effectRef idx="0">
-        <a:scrgbClr r="0" g="0" b="0"/>
-      </a:effectRef>
-      <a:fontRef idx="minor"/>
-    </dgm:style>
-  </dgm:styleLbl>
-  <dgm:styleLbl name="alignImgPlace1">
-    <dgm:scene3d>
-      <a:camera prst="orthographicFront"/>
-      <a:lightRig rig="threePt" dir="t"/>
-    </dgm:scene3d>
-    <dgm:sp3d/>
-    <dgm:txPr/>
-    <dgm:style>
-      <a:lnRef idx="2">
-        <a:scrgbClr r="0" g="0" b="0"/>
-      </a:lnRef>
-      <a:fillRef idx="1">
-        <a:scrgbClr r="0" g="0" b="0"/>
-      </a:fillRef>
-      <a:effectRef idx="0">
-        <a:scrgbClr r="0" g="0" b="0"/>
-      </a:effectRef>
-      <a:fontRef idx="minor"/>
-    </dgm:style>
-  </dgm:styleLbl>
-  <dgm:styleLbl name="bgImgPlace1">
-    <dgm:scene3d>
-      <a:camera prst="orthographicFront"/>
-      <a:lightRig rig="threePt" dir="t"/>
-    </dgm:scene3d>
-    <dgm:sp3d/>
-    <dgm:txPr/>
-    <dgm:style>
-      <a:lnRef idx="2">
-        <a:scrgbClr r="0" g="0" b="0"/>
-      </a:lnRef>
-      <a:fillRef idx="1">
-        <a:scrgbClr r="0" g="0" b="0"/>
-      </a:fillRef>
-      <a:effectRef idx="0">
-        <a:scrgbClr r="0" g="0" b="0"/>
-      </a:effectRef>
-      <a:fontRef idx="minor"/>
-    </dgm:style>
-  </dgm:styleLbl>
-  <dgm:styleLbl name="sibTrans2D1">
-    <dgm:scene3d>
-      <a:camera prst="orthographicFront"/>
-      <a:lightRig rig="threePt" dir="t"/>
-    </dgm:scene3d>
-    <dgm:sp3d/>
-    <dgm:txPr/>
-    <dgm:style>
-      <a:lnRef idx="0">
-        <a:scrgbClr r="0" g="0" b="0"/>
-      </a:lnRef>
-      <a:fillRef idx="1">
-        <a:scrgbClr r="0" g="0" b="0"/>
-      </a:fillRef>
-      <a:effectRef idx="0">
-        <a:scrgbClr r="0" g="0" b="0"/>
-      </a:effectRef>
-      <a:fontRef idx="minor">
-        <a:schemeClr val="lt1"/>
-      </a:fontRef>
-    </dgm:style>
-  </dgm:styleLbl>
-  <dgm:styleLbl name="fgSibTrans2D1">
-    <dgm:scene3d>
-      <a:camera prst="orthographicFront"/>
-      <a:lightRig rig="threePt" dir="t"/>
-    </dgm:scene3d>
-    <dgm:sp3d/>
-    <dgm:txPr/>
-    <dgm:style>
-      <a:lnRef idx="0">
-        <a:scrgbClr r="0" g="0" b="0"/>
-      </a:lnRef>
-      <a:fillRef idx="1">
-        <a:scrgbClr r="0" g="0" b="0"/>
-      </a:fillRef>
-      <a:effectRef idx="0">
-        <a:scrgbClr r="0" g="0" b="0"/>
-      </a:effectRef>
-      <a:fontRef idx="minor">
-        <a:schemeClr val="lt1"/>
-      </a:fontRef>
-    </dgm:style>
-  </dgm:styleLbl>
-  <dgm:styleLbl name="bgSibTrans2D1">
-    <dgm:scene3d>
-      <a:camera prst="orthographicFront"/>
-      <a:lightRig rig="threePt" dir="t"/>
-    </dgm:scene3d>
-    <dgm:sp3d/>
-    <dgm:txPr/>
-    <dgm:style>
-      <a:lnRef idx="0">
-        <a:scrgbClr r="0" g="0" b="0"/>
-      </a:lnRef>
-      <a:fillRef idx="1">
-        <a:scrgbClr r="0" g="0" b="0"/>
-      </a:fillRef>
-      <a:effectRef idx="0">
-        <a:scrgbClr r="0" g="0" b="0"/>
-      </a:effectRef>
-      <a:fontRef idx="minor">
-        <a:schemeClr val="lt1"/>
-      </a:fontRef>
-    </dgm:style>
-  </dgm:styleLbl>
-  <dgm:styleLbl name="sibTrans1D1">
-    <dgm:scene3d>
-      <a:camera prst="orthographicFront"/>
-      <a:lightRig rig="threePt" dir="t"/>
-    </dgm:scene3d>
-    <dgm:sp3d/>
-    <dgm:txPr/>
-    <dgm:style>
-      <a:lnRef idx="1">
-        <a:scrgbClr r="0" g="0" b="0"/>
-      </a:lnRef>
-      <a:fillRef idx="0">
-        <a:scrgbClr r="0" g="0" b="0"/>
-      </a:fillRef>
-      <a:effectRef idx="0">
-        <a:scrgbClr r="0" g="0" b="0"/>
-      </a:effectRef>
-      <a:fontRef idx="minor"/>
-    </dgm:style>
-  </dgm:styleLbl>
-  <dgm:styleLbl name="callout">
-    <dgm:scene3d>
-      <a:camera prst="orthographicFront"/>
-      <a:lightRig rig="threePt" dir="t"/>
-    </dgm:scene3d>
-    <dgm:sp3d/>
-    <dgm:txPr/>
-    <dgm:style>
-      <a:lnRef idx="2">
-        <a:scrgbClr r="0" g="0" b="0"/>
-      </a:lnRef>
-      <a:fillRef idx="1">
-        <a:scrgbClr r="0" g="0" b="0"/>
-      </a:fillRef>
-      <a:effectRef idx="0">
-        <a:scrgbClr r="0" g="0" b="0"/>
-      </a:effectRef>
-      <a:fontRef idx="minor"/>
-    </dgm:style>
-  </dgm:styleLbl>
-  <dgm:styleLbl name="asst0">
-    <dgm:scene3d>
-      <a:camera prst="orthographicFront"/>
-      <a:lightRig rig="threePt" dir="t"/>
-    </dgm:scene3d>
-    <dgm:sp3d/>
-    <dgm:txPr/>
-    <dgm:style>
-      <a:lnRef idx="2">
-        <a:scrgbClr r="0" g="0" b="0"/>
-      </a:lnRef>
-      <a:fillRef idx="1">
-        <a:scrgbClr r="0" g="0" b="0"/>
-      </a:fillRef>
-      <a:effectRef idx="0">
-        <a:scrgbClr r="0" g="0" b="0"/>
-      </a:effectRef>
-      <a:fontRef idx="minor">
-        <a:schemeClr val="lt1"/>
-      </a:fontRef>
-    </dgm:style>
-  </dgm:styleLbl>
-  <dgm:styleLbl name="asst1">
-    <dgm:scene3d>
-      <a:camera prst="orthographicFront"/>
-      <a:lightRig rig="threePt" dir="t"/>
-    </dgm:scene3d>
-    <dgm:sp3d/>
-    <dgm:txPr/>
-    <dgm:style>
-      <a:lnRef idx="2">
-        <a:scrgbClr r="0" g="0" b="0"/>
-      </a:lnRef>
-      <a:fillRef idx="1">
-        <a:scrgbClr r="0" g="0" b="0"/>
-      </a:fillRef>
-      <a:effectRef idx="0">
-        <a:scrgbClr r="0" g="0" b="0"/>
-      </a:effectRef>
-      <a:fontRef idx="minor">
-        <a:schemeClr val="lt1"/>
-      </a:fontRef>
-    </dgm:style>
-  </dgm:styleLbl>
-  <dgm:styleLbl name="asst2">
-    <dgm:scene3d>
-      <a:camera prst="orthographicFront"/>
-      <a:lightRig rig="threePt" dir="t"/>
-    </dgm:scene3d>
-    <dgm:sp3d/>
-    <dgm:txPr/>
-    <dgm:style>
-      <a:lnRef idx="2">
-        <a:scrgbClr r="0" g="0" b="0"/>
-      </a:lnRef>
-      <a:fillRef idx="1">
-        <a:scrgbClr r="0" g="0" b="0"/>
-      </a:fillRef>
-      <a:effectRef idx="0">
-        <a:scrgbClr r="0" g="0" b="0"/>
-      </a:effectRef>
-      <a:fontRef idx="minor">
-        <a:schemeClr val="lt1"/>
-      </a:fontRef>
-    </dgm:style>
-  </dgm:styleLbl>
-  <dgm:styleLbl name="asst3">
-    <dgm:scene3d>
-      <a:camera prst="orthographicFront"/>
-      <a:lightRig rig="threePt" dir="t"/>
-    </dgm:scene3d>
-    <dgm:sp3d/>
-    <dgm:txPr/>
-    <dgm:style>
-      <a:lnRef idx="2">
-        <a:scrgbClr r="0" g="0" b="0"/>
-      </a:lnRef>
-      <a:fillRef idx="1">
-        <a:scrgbClr r="0" g="0" b="0"/>
-      </a:fillRef>
-      <a:effectRef idx="0">
-        <a:scrgbClr r="0" g="0" b="0"/>
-      </a:effectRef>
-      <a:fontRef idx="minor">
-        <a:schemeClr val="lt1"/>
-      </a:fontRef>
-    </dgm:style>
-  </dgm:styleLbl>
-  <dgm:styleLbl name="asst4">
-    <dgm:scene3d>
-      <a:camera prst="orthographicFront"/>
-      <a:lightRig rig="threePt" dir="t"/>
-    </dgm:scene3d>
-    <dgm:sp3d/>
-    <dgm:txPr/>
-    <dgm:style>
-      <a:lnRef idx="2">
-        <a:scrgbClr r="0" g="0" b="0"/>
-      </a:lnRef>
-      <a:fillRef idx="1">
-        <a:scrgbClr r="0" g="0" b="0"/>
-      </a:fillRef>
-      <a:effectRef idx="0">
-        <a:scrgbClr r="0" g="0" b="0"/>
-      </a:effectRef>
-      <a:fontRef idx="minor">
-        <a:schemeClr val="lt1"/>
-      </a:fontRef>
-    </dgm:style>
-  </dgm:styleLbl>
-  <dgm:styleLbl name="parChTrans2D1">
-    <dgm:scene3d>
-      <a:camera prst="orthographicFront"/>
-      <a:lightRig rig="threePt" dir="t"/>
-    </dgm:scene3d>
-    <dgm:sp3d/>
-    <dgm:txPr/>
-    <dgm:style>
-      <a:lnRef idx="2">
-        <a:scrgbClr r="0" g="0" b="0"/>
-      </a:lnRef>
-      <a:fillRef idx="1">
-        <a:scrgbClr r="0" g="0" b="0"/>
-      </a:fillRef>
-      <a:effectRef idx="0">
-        <a:scrgbClr r="0" g="0" b="0"/>
-      </a:effectRef>
-      <a:fontRef idx="minor">
-        <a:schemeClr val="lt1"/>
-      </a:fontRef>
-    </dgm:style>
-  </dgm:styleLbl>
-  <dgm:styleLbl name="parChTrans2D2">
-    <dgm:scene3d>
-      <a:camera prst="orthographicFront"/>
-      <a:lightRig rig="threePt" dir="t"/>
-    </dgm:scene3d>
-    <dgm:sp3d/>
-    <dgm:txPr/>
-    <dgm:style>
-      <a:lnRef idx="2">
-        <a:scrgbClr r="0" g="0" b="0"/>
-      </a:lnRef>
-      <a:fillRef idx="1">
-        <a:scrgbClr r="0" g="0" b="0"/>
-      </a:fillRef>
-      <a:effectRef idx="0">
-        <a:scrgbClr r="0" g="0" b="0"/>
-      </a:effectRef>
-      <a:fontRef idx="minor">
-        <a:schemeClr val="lt1"/>
-      </a:fontRef>
-    </dgm:style>
-  </dgm:styleLbl>
-  <dgm:styleLbl name="parChTrans2D3">
-    <dgm:scene3d>
-      <a:camera prst="orthographicFront"/>
-      <a:lightRig rig="threePt" dir="t"/>
-    </dgm:scene3d>
-    <dgm:sp3d/>
-    <dgm:txPr/>
-    <dgm:style>
-      <a:lnRef idx="2">
-        <a:scrgbClr r="0" g="0" b="0"/>
-      </a:lnRef>
-      <a:fillRef idx="1">
-        <a:scrgbClr r="0" g="0" b="0"/>
-      </a:fillRef>
-      <a:effectRef idx="0">
-        <a:scrgbClr r="0" g="0" b="0"/>
-      </a:effectRef>
-      <a:fontRef idx="minor">
-        <a:schemeClr val="lt1"/>
-      </a:fontRef>
-    </dgm:style>
-  </dgm:styleLbl>
-  <dgm:styleLbl name="parChTrans2D4">
-    <dgm:scene3d>
-      <a:camera prst="orthographicFront"/>
-      <a:lightRig rig="threePt" dir="t"/>
-    </dgm:scene3d>
-    <dgm:sp3d/>
-    <dgm:txPr/>
-    <dgm:style>
-      <a:lnRef idx="2">
-        <a:scrgbClr r="0" g="0" b="0"/>
-      </a:lnRef>
-      <a:fillRef idx="1">
-        <a:scrgbClr r="0" g="0" b="0"/>
-      </a:fillRef>
-      <a:effectRef idx="0">
-        <a:scrgbClr r="0" g="0" b="0"/>
-      </a:effectRef>
-      <a:fontRef idx="minor">
-        <a:schemeClr val="lt1"/>
-      </a:fontRef>
-    </dgm:style>
-  </dgm:styleLbl>
-  <dgm:styleLbl name="parChTrans1D1">
-    <dgm:scene3d>
-      <a:camera prst="orthographicFront"/>
-      <a:lightRig rig="threePt" dir="t"/>
-    </dgm:scene3d>
-    <dgm:sp3d/>
-    <dgm:txPr/>
-    <dgm:style>
-      <a:lnRef idx="2">
-        <a:scrgbClr r="0" g="0" b="0"/>
-      </a:lnRef>
-      <a:fillRef idx="0">
-        <a:scrgbClr r="0" g="0" b="0"/>
-      </a:fillRef>
-      <a:effectRef idx="0">
-        <a:scrgbClr r="0" g="0" b="0"/>
-      </a:effectRef>
-      <a:fontRef idx="minor"/>
-    </dgm:style>
-  </dgm:styleLbl>
-  <dgm:styleLbl name="parChTrans1D2">
-    <dgm:scene3d>
-      <a:camera prst="orthographicFront"/>
-      <a:lightRig rig="threePt" dir="t"/>
-    </dgm:scene3d>
-    <dgm:sp3d/>
-    <dgm:txPr/>
-    <dgm:style>
-      <a:lnRef idx="2">
-        <a:scrgbClr r="0" g="0" b="0"/>
-      </a:lnRef>
-      <a:fillRef idx="0">
-        <a:scrgbClr r="0" g="0" b="0"/>
-      </a:fillRef>
-      <a:effectRef idx="0">
-        <a:scrgbClr r="0" g="0" b="0"/>
-      </a:effectRef>
-      <a:fontRef idx="minor"/>
-    </dgm:style>
-  </dgm:styleLbl>
-  <dgm:styleLbl name="parChTrans1D3">
-    <dgm:scene3d>
-      <a:camera prst="orthographicFront"/>
-      <a:lightRig rig="threePt" dir="t"/>
-    </dgm:scene3d>
-    <dgm:sp3d/>
-    <dgm:txPr/>
-    <dgm:style>
-      <a:lnRef idx="2">
-        <a:scrgbClr r="0" g="0" b="0"/>
-      </a:lnRef>
-      <a:fillRef idx="0">
-        <a:scrgbClr r="0" g="0" b="0"/>
-      </a:fillRef>
-      <a:effectRef idx="0">
-        <a:scrgbClr r="0" g="0" b="0"/>
-      </a:effectRef>
-      <a:fontRef idx="minor"/>
-    </dgm:style>
-  </dgm:styleLbl>
-  <dgm:styleLbl name="parChTrans1D4">
-    <dgm:scene3d>
-      <a:camera prst="orthographicFront"/>
-      <a:lightRig rig="threePt" dir="t"/>
-    </dgm:scene3d>
-    <dgm:sp3d/>
-    <dgm:txPr/>
-    <dgm:style>
-      <a:lnRef idx="2">
-        <a:scrgbClr r="0" g="0" b="0"/>
-      </a:lnRef>
-      <a:fillRef idx="0">
-        <a:scrgbClr r="0" g="0" b="0"/>
-      </a:fillRef>
-      <a:effectRef idx="0">
-        <a:scrgbClr r="0" g="0" b="0"/>
-      </a:effectRef>
-      <a:fontRef idx="minor"/>
-    </dgm:style>
-  </dgm:styleLbl>
-  <dgm:styleLbl name="fgAcc1">
-    <dgm:scene3d>
-      <a:camera prst="orthographicFront"/>
-      <a:lightRig rig="threePt" dir="t"/>
-    </dgm:scene3d>
-    <dgm:sp3d/>
-    <dgm:txPr/>
-    <dgm:style>
-      <a:lnRef idx="2">
-        <a:scrgbClr r="0" g="0" b="0"/>
-      </a:lnRef>
-      <a:fillRef idx="1">
-        <a:scrgbClr r="0" g="0" b="0"/>
-      </a:fillRef>
-      <a:effectRef idx="0">
-        <a:scrgbClr r="0" g="0" b="0"/>
-      </a:effectRef>
-      <a:fontRef idx="minor"/>
-    </dgm:style>
-  </dgm:styleLbl>
-  <dgm:styleLbl name="conFgAcc1">
-    <dgm:scene3d>
-      <a:camera prst="orthographicFront"/>
-      <a:lightRig rig="threePt" dir="t"/>
-    </dgm:scene3d>
-    <dgm:sp3d/>
-    <dgm:txPr/>
-    <dgm:style>
-      <a:lnRef idx="2">
-        <a:scrgbClr r="0" g="0" b="0"/>
-      </a:lnRef>
-      <a:fillRef idx="1">
-        <a:scrgbClr r="0" g="0" b="0"/>
-      </a:fillRef>
-      <a:effectRef idx="0">
-        <a:scrgbClr r="0" g="0" b="0"/>
-      </a:effectRef>
-      <a:fontRef idx="minor"/>
-    </dgm:style>
-  </dgm:styleLbl>
-  <dgm:styleLbl name="alignAcc1">
-    <dgm:scene3d>
-      <a:camera prst="orthographicFront"/>
-      <a:lightRig rig="threePt" dir="t"/>
-    </dgm:scene3d>
-    <dgm:sp3d/>
-    <dgm:txPr/>
-    <dgm:style>
-      <a:lnRef idx="2">
-        <a:scrgbClr r="0" g="0" b="0"/>
-      </a:lnRef>
-      <a:fillRef idx="1">
-        <a:scrgbClr r="0" g="0" b="0"/>
-      </a:fillRef>
-      <a:effectRef idx="0">
-        <a:scrgbClr r="0" g="0" b="0"/>
-      </a:effectRef>
-      <a:fontRef idx="minor"/>
-    </dgm:style>
-  </dgm:styleLbl>
-  <dgm:styleLbl name="trAlignAcc1">
-    <dgm:scene3d>
-      <a:camera prst="orthographicFront"/>
-      <a:lightRig rig="threePt" dir="t"/>
-    </dgm:scene3d>
-    <dgm:sp3d/>
-    <dgm:txPr/>
-    <dgm:style>
-      <a:lnRef idx="1">
-        <a:scrgbClr r="0" g="0" b="0"/>
-      </a:lnRef>
-      <a:fillRef idx="1">
-        <a:scrgbClr r="0" g="0" b="0"/>
-      </a:fillRef>
-      <a:effectRef idx="0">
-        <a:scrgbClr r="0" g="0" b="0"/>
-      </a:effectRef>
-      <a:fontRef idx="minor"/>
-    </dgm:style>
-  </dgm:styleLbl>
-  <dgm:styleLbl name="bgAcc1">
-    <dgm:scene3d>
-      <a:camera prst="orthographicFront"/>
-      <a:lightRig rig="threePt" dir="t"/>
-    </dgm:scene3d>
-    <dgm:sp3d/>
-    <dgm:txPr/>
-    <dgm:style>
-      <a:lnRef idx="2">
-        <a:scrgbClr r="0" g="0" b="0"/>
-      </a:lnRef>
-      <a:fillRef idx="1">
-        <a:scrgbClr r="0" g="0" b="0"/>
-      </a:fillRef>
-      <a:effectRef idx="0">
-        <a:scrgbClr r="0" g="0" b="0"/>
-      </a:effectRef>
-      <a:fontRef idx="minor"/>
-    </dgm:style>
-  </dgm:styleLbl>
-  <dgm:styleLbl name="solidFgAcc1">
-    <dgm:scene3d>
-      <a:camera prst="orthographicFront"/>
-      <a:lightRig rig="threePt" dir="t"/>
-    </dgm:scene3d>
-    <dgm:sp3d/>
-    <dgm:txPr/>
-    <dgm:style>
-      <a:lnRef idx="2">
-        <a:scrgbClr r="0" g="0" b="0"/>
-      </a:lnRef>
-      <a:fillRef idx="1">
-        <a:scrgbClr r="0" g="0" b="0"/>
-      </a:fillRef>
-      <a:effectRef idx="0">
-        <a:scrgbClr r="0" g="0" b="0"/>
-      </a:effectRef>
-      <a:fontRef idx="minor"/>
-    </dgm:style>
-  </dgm:styleLbl>
-  <dgm:styleLbl name="solidAlignAcc1">
-    <dgm:scene3d>
-      <a:camera prst="orthographicFront"/>
-      <a:lightRig rig="threePt" dir="t"/>
-    </dgm:scene3d>
-    <dgm:sp3d/>
-    <dgm:txPr/>
-    <dgm:style>
-      <a:lnRef idx="2">
-        <a:scrgbClr r="0" g="0" b="0"/>
-      </a:lnRef>
-      <a:fillRef idx="1">
-        <a:scrgbClr r="0" g="0" b="0"/>
-      </a:fillRef>
-      <a:effectRef idx="0">
-        <a:scrgbClr r="0" g="0" b="0"/>
-      </a:effectRef>
-      <a:fontRef idx="minor"/>
-    </dgm:style>
-  </dgm:styleLbl>
-  <dgm:styleLbl name="solidBgAcc1">
-    <dgm:scene3d>
-      <a:camera prst="orthographicFront"/>
-      <a:lightRig rig="threePt" dir="t"/>
-    </dgm:scene3d>
-    <dgm:sp3d/>
-    <dgm:txPr/>
-    <dgm:style>
-      <a:lnRef idx="2">
-        <a:scrgbClr r="0" g="0" b="0"/>
-      </a:lnRef>
-      <a:fillRef idx="1">
-        <a:scrgbClr r="0" g="0" b="0"/>
-      </a:fillRef>
-      <a:effectRef idx="0">
-        <a:scrgbClr r="0" g="0" b="0"/>
-      </a:effectRef>
-      <a:fontRef idx="minor"/>
-    </dgm:style>
-  </dgm:styleLbl>
-  <dgm:styleLbl name="fgAccFollowNode1">
-    <dgm:scene3d>
-      <a:camera prst="orthographicFront"/>
-      <a:lightRig rig="threePt" dir="t"/>
-    </dgm:scene3d>
-    <dgm:sp3d/>
-    <dgm:txPr/>
-    <dgm:style>
-      <a:lnRef idx="2">
-        <a:scrgbClr r="0" g="0" b="0"/>
-      </a:lnRef>
-      <a:fillRef idx="1">
-        <a:scrgbClr r="0" g="0" b="0"/>
-      </a:fillRef>
-      <a:effectRef idx="0">
-        <a:scrgbClr r="0" g="0" b="0"/>
-      </a:effectRef>
-      <a:fontRef idx="minor"/>
-    </dgm:style>
-  </dgm:styleLbl>
-  <dgm:styleLbl name="alignAccFollowNode1">
-    <dgm:scene3d>
-      <a:camera prst="orthographicFront"/>
-      <a:lightRig rig="threePt" dir="t"/>
-    </dgm:scene3d>
-    <dgm:sp3d/>
-    <dgm:txPr/>
-    <dgm:style>
-      <a:lnRef idx="2">
-        <a:scrgbClr r="0" g="0" b="0"/>
-      </a:lnRef>
-      <a:fillRef idx="1">
-        <a:scrgbClr r="0" g="0" b="0"/>
-      </a:fillRef>
-      <a:effectRef idx="0">
-        <a:scrgbClr r="0" g="0" b="0"/>
-      </a:effectRef>
-      <a:fontRef idx="minor"/>
-    </dgm:style>
-  </dgm:styleLbl>
-  <dgm:styleLbl name="bgAccFollowNode1">
-    <dgm:scene3d>
-      <a:camera prst="orthographicFront"/>
-      <a:lightRig rig="threePt" dir="t"/>
-    </dgm:scene3d>
-    <dgm:sp3d/>
-    <dgm:txPr/>
-    <dgm:style>
-      <a:lnRef idx="2">
-        <a:scrgbClr r="0" g="0" b="0"/>
-      </a:lnRef>
-      <a:fillRef idx="1">
-        <a:scrgbClr r="0" g="0" b="0"/>
-      </a:fillRef>
-      <a:effectRef idx="0">
-        <a:scrgbClr r="0" g="0" b="0"/>
-      </a:effectRef>
-      <a:fontRef idx="minor"/>
-    </dgm:style>
-  </dgm:styleLbl>
-  <dgm:styleLbl name="fgAcc0">
-    <dgm:scene3d>
-      <a:camera prst="orthographicFront"/>
-      <a:lightRig rig="threePt" dir="t"/>
-    </dgm:scene3d>
-    <dgm:sp3d/>
-    <dgm:txPr/>
-    <dgm:style>
-      <a:lnRef idx="2">
-        <a:scrgbClr r="0" g="0" b="0"/>
-      </a:lnRef>
-      <a:fillRef idx="1">
-        <a:scrgbClr r="0" g="0" b="0"/>
-      </a:fillRef>
-      <a:effectRef idx="0">
-        <a:scrgbClr r="0" g="0" b="0"/>
-      </a:effectRef>
-      <a:fontRef idx="minor"/>
-    </dgm:style>
-  </dgm:styleLbl>
-  <dgm:styleLbl name="fgAcc2">
-    <dgm:scene3d>
-      <a:camera prst="orthographicFront"/>
-      <a:lightRig rig="threePt" dir="t"/>
-    </dgm:scene3d>
-    <dgm:sp3d/>
-    <dgm:txPr/>
-    <dgm:style>
-      <a:lnRef idx="2">
-        <a:scrgbClr r="0" g="0" b="0"/>
-      </a:lnRef>
-      <a:fillRef idx="1">
-        <a:scrgbClr r="0" g="0" b="0"/>
-      </a:fillRef>
-      <a:effectRef idx="0">
-        <a:scrgbClr r="0" g="0" b="0"/>
-      </a:effectRef>
-      <a:fontRef idx="minor"/>
-    </dgm:style>
-  </dgm:styleLbl>
-  <dgm:styleLbl name="fgAcc3">
-    <dgm:scene3d>
-      <a:camera prst="orthographicFront"/>
-      <a:lightRig rig="threePt" dir="t"/>
-    </dgm:scene3d>
-    <dgm:sp3d/>
-    <dgm:txPr/>
-    <dgm:style>
-      <a:lnRef idx="2">
-        <a:scrgbClr r="0" g="0" b="0"/>
-      </a:lnRef>
-      <a:fillRef idx="1">
-        <a:scrgbClr r="0" g="0" b="0"/>
-      </a:fillRef>
-      <a:effectRef idx="0">
-        <a:scrgbClr r="0" g="0" b="0"/>
-      </a:effectRef>
-      <a:fontRef idx="minor"/>
-    </dgm:style>
-  </dgm:styleLbl>
-  <dgm:styleLbl name="fgAcc4">
-    <dgm:scene3d>
-      <a:camera prst="orthographicFront"/>
-      <a:lightRig rig="threePt" dir="t"/>
-    </dgm:scene3d>
-    <dgm:sp3d/>
-    <dgm:txPr/>
-    <dgm:style>
-      <a:lnRef idx="2">
-        <a:scrgbClr r="0" g="0" b="0"/>
-      </a:lnRef>
-      <a:fillRef idx="1">
-        <a:scrgbClr r="0" g="0" b="0"/>
-      </a:fillRef>
-      <a:effectRef idx="0">
-        <a:scrgbClr r="0" g="0" b="0"/>
-      </a:effectRef>
-      <a:fontRef idx="minor"/>
-    </dgm:style>
-  </dgm:styleLbl>
-  <dgm:styleLbl name="bgShp">
-    <dgm:scene3d>
-      <a:camera prst="orthographicFront"/>
-      <a:lightRig rig="threePt" dir="t"/>
-    </dgm:scene3d>
-    <dgm:sp3d/>
-    <dgm:txPr/>
-    <dgm:style>
-      <a:lnRef idx="0">
-        <a:scrgbClr r="0" g="0" b="0"/>
-      </a:lnRef>
-      <a:fillRef idx="1">
-        <a:scrgbClr r="0" g="0" b="0"/>
-      </a:fillRef>
-      <a:effectRef idx="0">
-        <a:scrgbClr r="0" g="0" b="0"/>
-      </a:effectRef>
-      <a:fontRef idx="minor"/>
-    </dgm:style>
-  </dgm:styleLbl>
-  <dgm:styleLbl name="dkBgShp">
-    <dgm:scene3d>
-      <a:camera prst="orthographicFront"/>
-      <a:lightRig rig="threePt" dir="t"/>
-    </dgm:scene3d>
-    <dgm:sp3d/>
-    <dgm:txPr/>
-    <dgm:style>
-      <a:lnRef idx="0">
-        <a:scrgbClr r="0" g="0" b="0"/>
-      </a:lnRef>
-      <a:fillRef idx="1">
-        <a:scrgbClr r="0" g="0" b="0"/>
-      </a:fillRef>
-      <a:effectRef idx="0">
-        <a:scrgbClr r="0" g="0" b="0"/>
-      </a:effectRef>
-      <a:fontRef idx="minor"/>
-    </dgm:style>
-  </dgm:styleLbl>
-  <dgm:styleLbl name="trBgShp">
-    <dgm:scene3d>
-      <a:camera prst="orthographicFront"/>
-      <a:lightRig rig="threePt" dir="t"/>
-    </dgm:scene3d>
-    <dgm:sp3d/>
-    <dgm:txPr/>
-    <dgm:style>
-      <a:lnRef idx="0">
-        <a:scrgbClr r="0" g="0" b="0"/>
-      </a:lnRef>
-      <a:fillRef idx="1">
-        <a:scrgbClr r="0" g="0" b="0"/>
-      </a:fillRef>
-      <a:effectRef idx="0">
-        <a:scrgbClr r="0" g="0" b="0"/>
-      </a:effectRef>
-      <a:fontRef idx="minor"/>
-    </dgm:style>
-  </dgm:styleLbl>
-  <dgm:styleLbl name="fgShp">
-    <dgm:scene3d>
-      <a:camera prst="orthographicFront"/>
-      <a:lightRig rig="threePt" dir="t"/>
-    </dgm:scene3d>
-    <dgm:sp3d/>
-    <dgm:txPr/>
-    <dgm:style>
-      <a:lnRef idx="2">
-        <a:scrgbClr r="0" g="0" b="0"/>
-      </a:lnRef>
-      <a:fillRef idx="1">
-        <a:scrgbClr r="0" g="0" b="0"/>
-      </a:fillRef>
-      <a:effectRef idx="0">
-        <a:scrgbClr r="0" g="0" b="0"/>
-      </a:effectRef>
-      <a:fontRef idx="minor"/>
-    </dgm:style>
-  </dgm:styleLbl>
-  <dgm:styleLbl name="revTx">
-    <dgm:scene3d>
-      <a:camera prst="orthographicFront"/>
-      <a:lightRig rig="threePt" dir="t"/>
-    </dgm:scene3d>
-    <dgm:sp3d/>
-    <dgm:txPr/>
-    <dgm:style>
-      <a:lnRef idx="0">
-        <a:scrgbClr r="0" g="0" b="0"/>
-      </a:lnRef>
-      <a:fillRef idx="0">
-        <a:scrgbClr r="0" g="0" b="0"/>
-      </a:fillRef>
-      <a:effectRef idx="0">
-        <a:scrgbClr r="0" g="0" b="0"/>
-      </a:effectRef>
-      <a:fontRef idx="minor"/>
-    </dgm:style>
-  </dgm:styleLbl>
-</dgm:styleDef>
-</file>
-
 <file path=ppt/handoutMasters/handoutMaster1.xml><?xml version="1.0" encoding="utf-8"?>
 <p:handoutMaster xmlns:a="http://schemas.openxmlformats.org/drawingml/2006/main" xmlns:r="http://schemas.openxmlformats.org/officeDocument/2006/relationships" xmlns:p="http://schemas.openxmlformats.org/presentationml/2006/main">
   <p:cSld>
@@ -3852,7 +220,7 @@
           <a:p>
             <a:fld id="{043B725B-653D-4166-A8E9-72A38A1847CF}" type="datetimeFigureOut">
               <a:rPr lang="es-ES"/>
-              <a:t>03/11/2014</a:t>
+              <a:t>04/11/2014</a:t>
             </a:fld>
             <a:endParaRPr/>
           </a:p>
@@ -4017,7 +385,7 @@
           <a:p>
             <a:fld id="{783F64CD-0576-4A9A-BD06-7889D6E60BDC}" type="datetimeFigureOut">
               <a:rPr lang="es-ES"/>
-              <a:t>03/11/2014</a:t>
+              <a:t>04/11/2014</a:t>
             </a:fld>
             <a:endParaRPr/>
           </a:p>
@@ -4608,7 +976,7 @@
           <a:p>
             <a:fld id="{37CC0096-1860-4642-9CD2-0079EA5E7CD1}" type="datetimeFigureOut">
               <a:rPr lang="es-ES"/>
-              <a:t>03/11/2014</a:t>
+              <a:t>04/11/2014</a:t>
             </a:fld>
             <a:endParaRPr/>
           </a:p>
@@ -4864,7 +1232,7 @@
           <a:p>
             <a:fld id="{37CC0096-1860-4642-9CD2-0079EA5E7CD1}" type="datetimeFigureOut">
               <a:rPr lang="es-ES"/>
-              <a:t>03/11/2014</a:t>
+              <a:t>04/11/2014</a:t>
             </a:fld>
             <a:endParaRPr/>
           </a:p>
@@ -5057,7 +1425,7 @@
           <a:p>
             <a:fld id="{37CC0096-1860-4642-9CD2-0079EA5E7CD1}" type="datetimeFigureOut">
               <a:rPr lang="es-ES"/>
-              <a:t>03/11/2014</a:t>
+              <a:t>04/11/2014</a:t>
             </a:fld>
             <a:endParaRPr/>
           </a:p>
@@ -5602,7 +1970,7 @@
           <a:p>
             <a:fld id="{37CC0096-1860-4642-9CD2-0079EA5E7CD1}" type="datetimeFigureOut">
               <a:rPr lang="es-ES"/>
-              <a:t>03/11/2014</a:t>
+              <a:t>04/11/2014</a:t>
             </a:fld>
             <a:endParaRPr/>
           </a:p>
@@ -6066,7 +2434,7 @@
           <a:p>
             <a:fld id="{37CC0096-1860-4642-9CD2-0079EA5E7CD1}" type="datetimeFigureOut">
               <a:rPr lang="es-ES"/>
-              <a:t>03/11/2014</a:t>
+              <a:t>04/11/2014</a:t>
             </a:fld>
             <a:endParaRPr/>
           </a:p>
@@ -6203,7 +2571,7 @@
           <a:p>
             <a:fld id="{37CC0096-1860-4642-9CD2-0079EA5E7CD1}" type="datetimeFigureOut">
               <a:rPr lang="es-ES"/>
-              <a:t>03/11/2014</a:t>
+              <a:t>04/11/2014</a:t>
             </a:fld>
             <a:endParaRPr/>
           </a:p>
@@ -6317,7 +2685,7 @@
           <a:p>
             <a:fld id="{37CC0096-1860-4642-9CD2-0079EA5E7CD1}" type="datetimeFigureOut">
               <a:rPr lang="es-ES"/>
-              <a:t>03/11/2014</a:t>
+              <a:t>04/11/2014</a:t>
             </a:fld>
             <a:endParaRPr/>
           </a:p>
@@ -7311,7 +3679,7 @@
             <a:fld id="{37CC0096-1860-4642-9CD2-0079EA5E7CD1}" type="datetimeFigureOut">
               <a:rPr lang="es-ES"/>
               <a:pPr/>
-              <a:t>03/11/2014</a:t>
+              <a:t>04/11/2014</a:t>
             </a:fld>
             <a:endParaRPr/>
           </a:p>
@@ -7980,12 +4348,7 @@
             <p:ph type="title"/>
           </p:nvPr>
         </p:nvSpPr>
-        <p:spPr>
-          <a:xfrm>
-            <a:off x="1066800" y="99220"/>
-            <a:ext cx="10439400" cy="1325563"/>
-          </a:xfrm>
-        </p:spPr>
+        <p:spPr/>
         <p:txBody>
           <a:bodyPr>
             <a:normAutofit/>
@@ -7993,12 +4356,8 @@
           <a:lstStyle/>
           <a:p>
             <a:r>
-              <a:rPr lang="fr-FR" dirty="0"/>
-              <a:t>Disposition deux contenus avec graphique </a:t>
-            </a:r>
-            <a:r>
-              <a:rPr lang="fr-FR" dirty="0" err="1"/>
-              <a:t>SmartArt</a:t>
+              <a:rPr lang="fr-FR" dirty="0" err="1" smtClean="0"/>
+              <a:t>Levinson-Durbin</a:t>
             </a:r>
             <a:endParaRPr lang="fr-FR" dirty="0"/>
           </a:p>
@@ -8014,7 +4373,12 @@
             <p:ph sz="half" idx="1"/>
           </p:nvPr>
         </p:nvSpPr>
-        <p:spPr/>
+        <p:spPr>
+          <a:xfrm>
+            <a:off x="1066800" y="1700808"/>
+            <a:ext cx="10573816" cy="4575175"/>
+          </a:xfrm>
+        </p:spPr>
         <p:txBody>
           <a:bodyPr>
             <a:normAutofit/>
@@ -8029,67 +4393,53 @@
               </a:buClr>
             </a:pPr>
             <a:r>
-              <a:rPr lang="fr-FR" dirty="0"/>
-              <a:t>Texte de la première puce ici</a:t>
-            </a:r>
-          </a:p>
-          <a:p>
-            <a:pPr>
-              <a:buClr>
-                <a:schemeClr val="tx1">
-                  <a:lumMod val="75000"/>
-                </a:schemeClr>
-              </a:buClr>
-            </a:pPr>
-            <a:r>
-              <a:rPr lang="fr-FR" dirty="0"/>
-              <a:t>Texte de la deuxième puce ici</a:t>
-            </a:r>
-          </a:p>
-          <a:p>
-            <a:pPr>
-              <a:buClr>
-                <a:schemeClr val="tx1">
-                  <a:lumMod val="75000"/>
-                </a:schemeClr>
-              </a:buClr>
-            </a:pPr>
-            <a:r>
-              <a:rPr lang="fr-FR" dirty="0"/>
-              <a:t>Texte de la troisième puce ici</a:t>
-            </a:r>
-          </a:p>
-        </p:txBody>
-      </p:sp>
-      <p:graphicFrame>
-        <p:nvGraphicFramePr>
-          <p:cNvPr id="7" name="Espace réservé du contenu 6" descr="Processus segmenté" title="SmartArt"/>
-          <p:cNvGraphicFramePr>
-            <a:graphicFrameLocks noGrp="1"/>
-          </p:cNvGraphicFramePr>
-          <p:nvPr>
-            <p:ph sz="half" idx="2"/>
-            <p:extLst>
-              <p:ext uri="{D42A27DB-BD31-4B8C-83A1-F6EECF244321}">
-                <p14:modId xmlns:p14="http://schemas.microsoft.com/office/powerpoint/2010/main" val="3312862639"/>
-              </p:ext>
-            </p:extLst>
-          </p:nvPr>
-        </p:nvGraphicFramePr>
-        <p:xfrm>
-          <a:off x="6324600" y="1825625"/>
-          <a:ext cx="5334000" cy="4575175"/>
-        </p:xfrm>
-        <a:graphic>
-          <a:graphicData uri="http://schemas.openxmlformats.org/drawingml/2006/diagram">
-            <dgm:relIds xmlns:dgm="http://schemas.openxmlformats.org/drawingml/2006/diagram" xmlns:r="http://schemas.openxmlformats.org/officeDocument/2006/relationships" r:dm="rId2" r:lo="rId3" r:qs="rId4" r:cs="rId5"/>
-          </a:graphicData>
-        </a:graphic>
-      </p:graphicFrame>
+              <a:rPr lang="fr-FR" dirty="0" smtClean="0"/>
+              <a:t>Application sur </a:t>
+            </a:r>
+            <a:r>
+              <a:rPr lang="fr-FR" dirty="0" smtClean="0"/>
+              <a:t>son de flute :</a:t>
+            </a:r>
+            <a:endParaRPr lang="fr-FR" dirty="0"/>
+          </a:p>
+        </p:txBody>
+      </p:sp>
+      <p:pic>
+        <p:nvPicPr>
+          <p:cNvPr id="11" name="Image 10"/>
+          <p:cNvPicPr>
+            <a:picLocks noChangeAspect="1"/>
+          </p:cNvPicPr>
+          <p:nvPr/>
+        </p:nvPicPr>
+        <p:blipFill rotWithShape="1">
+          <a:blip r:embed="rId2">
+            <a:extLst>
+              <a:ext uri="{28A0092B-C50C-407E-A947-70E740481C1C}">
+                <a14:useLocalDpi xmlns:a14="http://schemas.microsoft.com/office/drawing/2010/main" val="0"/>
+              </a:ext>
+            </a:extLst>
+          </a:blip>
+          <a:srcRect l="7851" t="3217" r="6642" b="3794"/>
+          <a:stretch/>
+        </p:blipFill>
+        <p:spPr>
+          <a:xfrm>
+            <a:off x="1919536" y="2060848"/>
+            <a:ext cx="8712968" cy="4752528"/>
+          </a:xfrm>
+          <a:prstGeom prst="rect">
+            <a:avLst/>
+          </a:prstGeom>
+          <a:effectLst>
+            <a:softEdge rad="50800"/>
+          </a:effectLst>
+        </p:spPr>
+      </p:pic>
     </p:spTree>
     <p:extLst>
       <p:ext uri="{BB962C8B-B14F-4D97-AF65-F5344CB8AC3E}">
-        <p14:creationId xmlns:p14="http://schemas.microsoft.com/office/powerpoint/2010/main" val="3948826341"/>
+        <p14:creationId xmlns:p14="http://schemas.microsoft.com/office/powerpoint/2010/main" val="3423864466"/>
       </p:ext>
     </p:extLst>
   </p:cSld>
@@ -8147,46 +4497,229 @@
         </p:nvSpPr>
         <p:spPr/>
         <p:txBody>
-          <a:bodyPr/>
+          <a:bodyPr>
+            <a:normAutofit/>
+          </a:bodyPr>
           <a:lstStyle/>
           <a:p>
             <a:r>
-              <a:rPr lang="fr-FR" noProof="1" smtClean="0"/>
-              <a:t>Commité </a:t>
-            </a:r>
-            <a:r>
-              <a:rPr lang="fr-FR" noProof="1" smtClean="0">
-                <a:sym typeface="Wingdings" panose="05000000000000000000" pitchFamily="2" charset="2"/>
-              </a:rPr>
-              <a:t></a:t>
-            </a:r>
-            <a:endParaRPr lang="fr-FR" noProof="1"/>
-          </a:p>
-        </p:txBody>
-      </p:sp>
-      <p:sp>
-        <p:nvSpPr>
-          <p:cNvPr id="3" name="Espace réservé du texte 2"/>
+              <a:rPr lang="fr-FR" dirty="0" err="1" smtClean="0"/>
+              <a:t>Levinson-Durbin</a:t>
+            </a:r>
+            <a:endParaRPr lang="fr-FR" dirty="0"/>
+          </a:p>
+        </p:txBody>
+      </p:sp>
+      <p:sp>
+        <p:nvSpPr>
+          <p:cNvPr id="3" name="Espace réservé du contenu 2"/>
           <p:cNvSpPr>
             <a:spLocks noGrp="1"/>
           </p:cNvSpPr>
           <p:nvPr>
-            <p:ph type="body" idx="1"/>
-          </p:nvPr>
-        </p:nvSpPr>
-        <p:spPr/>
-        <p:txBody>
-          <a:bodyPr/>
+            <p:ph sz="half" idx="1"/>
+          </p:nvPr>
+        </p:nvSpPr>
+        <p:spPr>
+          <a:xfrm>
+            <a:off x="1066800" y="1700808"/>
+            <a:ext cx="10573816" cy="4575175"/>
+          </a:xfrm>
+        </p:spPr>
+        <p:txBody>
+          <a:bodyPr>
+            <a:normAutofit/>
+          </a:bodyPr>
           <a:lstStyle/>
           <a:p>
-            <a:endParaRPr lang="fr-FR" noProof="1"/>
-          </a:p>
-        </p:txBody>
-      </p:sp>
+            <a:pPr>
+              <a:buClr>
+                <a:schemeClr val="tx1">
+                  <a:lumMod val="75000"/>
+                </a:schemeClr>
+              </a:buClr>
+            </a:pPr>
+            <a:r>
+              <a:rPr lang="fr-FR" dirty="0" smtClean="0"/>
+              <a:t>Application sur signal réel </a:t>
+            </a:r>
+            <a:r>
+              <a:rPr lang="fr-FR" dirty="0" smtClean="0"/>
+              <a:t>: </a:t>
+            </a:r>
+            <a:endParaRPr lang="fr-FR" dirty="0"/>
+          </a:p>
+        </p:txBody>
+      </p:sp>
+      <p:grpSp>
+        <p:nvGrpSpPr>
+          <p:cNvPr id="10" name="Groupe 9"/>
+          <p:cNvGrpSpPr/>
+          <p:nvPr/>
+        </p:nvGrpSpPr>
+        <p:grpSpPr>
+          <a:xfrm>
+            <a:off x="1066800" y="3249731"/>
+            <a:ext cx="13897544" cy="1477328"/>
+            <a:chOff x="911424" y="2788066"/>
+            <a:chExt cx="13897544" cy="1477328"/>
+          </a:xfrm>
+        </p:grpSpPr>
+        <p:sp>
+          <p:nvSpPr>
+            <p:cNvPr id="7" name="ZoneTexte 6"/>
+            <p:cNvSpPr txBox="1"/>
+            <p:nvPr/>
+          </p:nvSpPr>
+          <p:spPr>
+            <a:xfrm>
+              <a:off x="911424" y="2788066"/>
+              <a:ext cx="7992888" cy="1477328"/>
+            </a:xfrm>
+            <a:prstGeom prst="rect">
+              <a:avLst/>
+            </a:prstGeom>
+            <a:noFill/>
+          </p:spPr>
+          <p:txBody>
+            <a:bodyPr wrap="square" rtlCol="0">
+              <a:spAutoFit/>
+            </a:bodyPr>
+            <a:lstStyle/>
+            <a:p>
+              <a:r>
+                <a:rPr lang="fr-FR" dirty="0" smtClean="0"/>
+                <a:t>Voix : </a:t>
+              </a:r>
+            </a:p>
+            <a:p>
+              <a:endParaRPr lang="fr-FR" dirty="0" smtClean="0"/>
+            </a:p>
+            <a:p>
+              <a:r>
+                <a:rPr lang="fr-FR" dirty="0"/>
+                <a:t>	</a:t>
+              </a:r>
+              <a:r>
+                <a:rPr lang="fr-FR" dirty="0" smtClean="0"/>
+                <a:t>- dépend voyelle /consonne</a:t>
+              </a:r>
+              <a:endParaRPr lang="fr-FR" dirty="0" smtClean="0"/>
+            </a:p>
+            <a:p>
+              <a:r>
+                <a:rPr lang="fr-FR" dirty="0"/>
+                <a:t>	</a:t>
+              </a:r>
+              <a:r>
+                <a:rPr lang="fr-FR" dirty="0" smtClean="0"/>
+                <a:t>- spectre plus complexe</a:t>
+              </a:r>
+            </a:p>
+            <a:p>
+              <a:r>
+                <a:rPr lang="fr-FR" dirty="0"/>
+                <a:t>	</a:t>
+              </a:r>
+              <a:endParaRPr lang="fr-FR" dirty="0" smtClean="0"/>
+            </a:p>
+          </p:txBody>
+        </p:sp>
+        <p:sp>
+          <p:nvSpPr>
+            <p:cNvPr id="8" name="ZoneTexte 7"/>
+            <p:cNvSpPr txBox="1"/>
+            <p:nvPr/>
+          </p:nvSpPr>
+          <p:spPr>
+            <a:xfrm>
+              <a:off x="6816080" y="3203564"/>
+              <a:ext cx="7992888" cy="923330"/>
+            </a:xfrm>
+            <a:prstGeom prst="rect">
+              <a:avLst/>
+            </a:prstGeom>
+            <a:noFill/>
+          </p:spPr>
+          <p:txBody>
+            <a:bodyPr wrap="square" rtlCol="0">
+              <a:spAutoFit/>
+            </a:bodyPr>
+            <a:lstStyle/>
+            <a:p>
+              <a:r>
+                <a:rPr lang="fr-FR" dirty="0"/>
+                <a:t>	</a:t>
+              </a:r>
+              <a:r>
+                <a:rPr lang="fr-FR" dirty="0" smtClean="0"/>
+                <a:t>détection de l’enveloppe spectrale</a:t>
+              </a:r>
+            </a:p>
+            <a:p>
+              <a:r>
+                <a:rPr lang="fr-FR" dirty="0"/>
+                <a:t>	</a:t>
+              </a:r>
+              <a:r>
+                <a:rPr lang="fr-FR" dirty="0" smtClean="0"/>
+                <a:t>distinction voyelle consonne</a:t>
+              </a:r>
+            </a:p>
+            <a:p>
+              <a:r>
+                <a:rPr lang="fr-FR" dirty="0"/>
+                <a:t>	</a:t>
+              </a:r>
+              <a:endParaRPr lang="fr-FR" dirty="0" smtClean="0"/>
+            </a:p>
+          </p:txBody>
+        </p:sp>
+        <p:sp>
+          <p:nvSpPr>
+            <p:cNvPr id="9" name="Flèche droite 8"/>
+            <p:cNvSpPr/>
+            <p:nvPr/>
+          </p:nvSpPr>
+          <p:spPr>
+            <a:xfrm>
+              <a:off x="5807968" y="3284984"/>
+              <a:ext cx="1584176" cy="241745"/>
+            </a:xfrm>
+            <a:prstGeom prst="rightArrow">
+              <a:avLst/>
+            </a:prstGeom>
+          </p:spPr>
+          <p:style>
+            <a:lnRef idx="2">
+              <a:schemeClr val="accent1">
+                <a:shade val="50000"/>
+              </a:schemeClr>
+            </a:lnRef>
+            <a:fillRef idx="1">
+              <a:schemeClr val="accent1"/>
+            </a:fillRef>
+            <a:effectRef idx="0">
+              <a:schemeClr val="accent1"/>
+            </a:effectRef>
+            <a:fontRef idx="minor">
+              <a:schemeClr val="lt1"/>
+            </a:fontRef>
+          </p:style>
+          <p:txBody>
+            <a:bodyPr rtlCol="0" anchor="ctr"/>
+            <a:lstStyle/>
+            <a:p>
+              <a:pPr algn="ctr"/>
+              <a:endParaRPr lang="fr-FR"/>
+            </a:p>
+          </p:txBody>
+        </p:sp>
+      </p:grpSp>
     </p:spTree>
     <p:extLst>
       <p:ext uri="{BB962C8B-B14F-4D97-AF65-F5344CB8AC3E}">
-        <p14:creationId xmlns:p14="http://schemas.microsoft.com/office/powerpoint/2010/main" val="3537718460"/>
+        <p14:creationId xmlns:p14="http://schemas.microsoft.com/office/powerpoint/2010/main" val="3135173293"/>
       </p:ext>
     </p:extLst>
   </p:cSld>
@@ -8244,93 +4777,126 @@
         </p:nvSpPr>
         <p:spPr/>
         <p:txBody>
-          <a:bodyPr/>
+          <a:bodyPr>
+            <a:normAutofit/>
+          </a:bodyPr>
           <a:lstStyle/>
           <a:p>
-            <a:endParaRPr lang="fr-FR" noProof="1"/>
-          </a:p>
-        </p:txBody>
-      </p:sp>
-      <p:sp>
-        <p:nvSpPr>
-          <p:cNvPr id="3" name="Espace réservé du texte 2"/>
+            <a:r>
+              <a:rPr lang="fr-FR" dirty="0" err="1" smtClean="0"/>
+              <a:t>Levinson-Durbin</a:t>
+            </a:r>
+            <a:endParaRPr lang="fr-FR" dirty="0"/>
+          </a:p>
+        </p:txBody>
+      </p:sp>
+      <p:sp>
+        <p:nvSpPr>
+          <p:cNvPr id="3" name="Espace réservé du contenu 2"/>
           <p:cNvSpPr>
             <a:spLocks noGrp="1"/>
           </p:cNvSpPr>
           <p:nvPr>
-            <p:ph type="body" idx="1"/>
-          </p:nvPr>
-        </p:nvSpPr>
-        <p:spPr/>
-        <p:txBody>
-          <a:bodyPr/>
+            <p:ph sz="half" idx="1"/>
+          </p:nvPr>
+        </p:nvSpPr>
+        <p:spPr>
+          <a:xfrm>
+            <a:off x="1066800" y="1700808"/>
+            <a:ext cx="10573816" cy="4575175"/>
+          </a:xfrm>
+        </p:spPr>
+        <p:txBody>
+          <a:bodyPr>
+            <a:normAutofit/>
+          </a:bodyPr>
           <a:lstStyle/>
           <a:p>
-            <a:endParaRPr lang="fr-FR" noProof="1"/>
-          </a:p>
-        </p:txBody>
-      </p:sp>
-      <p:sp>
-        <p:nvSpPr>
-          <p:cNvPr id="4" name="Espace réservé du contenu 3"/>
-          <p:cNvSpPr>
-            <a:spLocks noGrp="1"/>
-          </p:cNvSpPr>
-          <p:nvPr>
-            <p:ph sz="half" idx="2"/>
-          </p:nvPr>
-        </p:nvSpPr>
-        <p:spPr/>
-        <p:txBody>
-          <a:bodyPr/>
+            <a:pPr>
+              <a:buClr>
+                <a:schemeClr val="tx1">
+                  <a:lumMod val="75000"/>
+                </a:schemeClr>
+              </a:buClr>
+            </a:pPr>
+            <a:r>
+              <a:rPr lang="fr-FR" dirty="0" smtClean="0"/>
+              <a:t>Application sur </a:t>
+            </a:r>
+            <a:r>
+              <a:rPr lang="fr-FR" dirty="0" smtClean="0"/>
+              <a:t>voix :</a:t>
+            </a:r>
+            <a:endParaRPr lang="fr-FR" dirty="0"/>
+          </a:p>
+        </p:txBody>
+      </p:sp>
+      <p:pic>
+        <p:nvPicPr>
+          <p:cNvPr id="11" name="Image 10"/>
+          <p:cNvPicPr>
+            <a:picLocks noChangeAspect="1"/>
+          </p:cNvPicPr>
+          <p:nvPr/>
+        </p:nvPicPr>
+        <p:blipFill rotWithShape="1">
+          <a:blip r:embed="rId2">
+            <a:extLst>
+              <a:ext uri="{28A0092B-C50C-407E-A947-70E740481C1C}">
+                <a14:useLocalDpi xmlns:a14="http://schemas.microsoft.com/office/drawing/2010/main" val="0"/>
+              </a:ext>
+            </a:extLst>
+          </a:blip>
+          <a:srcRect l="8681" t="207" r="5811" b="2138"/>
+          <a:stretch/>
+        </p:blipFill>
+        <p:spPr>
+          <a:xfrm>
+            <a:off x="1919536" y="2006010"/>
+            <a:ext cx="8424936" cy="4825934"/>
+          </a:xfrm>
+          <a:prstGeom prst="rect">
+            <a:avLst/>
+          </a:prstGeom>
+          <a:effectLst>
+            <a:softEdge rad="50800"/>
+          </a:effectLst>
+        </p:spPr>
+      </p:pic>
+      <p:sp>
+        <p:nvSpPr>
+          <p:cNvPr id="4" name="ZoneTexte 3"/>
+          <p:cNvSpPr txBox="1"/>
+          <p:nvPr/>
+        </p:nvSpPr>
+        <p:spPr>
+          <a:xfrm>
+            <a:off x="5849652" y="1821344"/>
+            <a:ext cx="1254460" cy="369332"/>
+          </a:xfrm>
+          <a:prstGeom prst="rect">
+            <a:avLst/>
+          </a:prstGeom>
+          <a:noFill/>
+        </p:spPr>
+        <p:txBody>
+          <a:bodyPr wrap="square" rtlCol="0">
+            <a:spAutoFit/>
+          </a:bodyPr>
           <a:lstStyle/>
           <a:p>
-            <a:endParaRPr lang="fr-FR" noProof="1"/>
-          </a:p>
-        </p:txBody>
-      </p:sp>
-      <p:sp>
-        <p:nvSpPr>
-          <p:cNvPr id="5" name="Espace réservé du texte 4"/>
-          <p:cNvSpPr>
-            <a:spLocks noGrp="1"/>
-          </p:cNvSpPr>
-          <p:nvPr>
-            <p:ph type="body" sz="quarter" idx="3"/>
-          </p:nvPr>
-        </p:nvSpPr>
-        <p:spPr/>
-        <p:txBody>
-          <a:bodyPr/>
-          <a:lstStyle/>
-          <a:p>
-            <a:endParaRPr lang="fr-FR" noProof="1"/>
-          </a:p>
-        </p:txBody>
-      </p:sp>
-      <p:sp>
-        <p:nvSpPr>
-          <p:cNvPr id="6" name="Espace réservé du contenu 5"/>
-          <p:cNvSpPr>
-            <a:spLocks noGrp="1"/>
-          </p:cNvSpPr>
-          <p:nvPr>
-            <p:ph sz="quarter" idx="4"/>
-          </p:nvPr>
-        </p:nvSpPr>
-        <p:spPr/>
-        <p:txBody>
-          <a:bodyPr/>
-          <a:lstStyle/>
-          <a:p>
-            <a:endParaRPr lang="fr-FR" noProof="1"/>
+            <a:r>
+              <a:rPr lang="fr-FR" dirty="0" smtClean="0"/>
+              <a:t>consonne</a:t>
+            </a:r>
+            <a:endParaRPr lang="fr-FR" dirty="0"/>
           </a:p>
         </p:txBody>
       </p:sp>
     </p:spTree>
     <p:extLst>
       <p:ext uri="{BB962C8B-B14F-4D97-AF65-F5344CB8AC3E}">
-        <p14:creationId xmlns:p14="http://schemas.microsoft.com/office/powerpoint/2010/main" val="2637673684"/>
+        <p14:creationId xmlns:p14="http://schemas.microsoft.com/office/powerpoint/2010/main" val="2290712983"/>
       </p:ext>
     </p:extLst>
   </p:cSld>
@@ -8388,17 +4954,126 @@
         </p:nvSpPr>
         <p:spPr/>
         <p:txBody>
-          <a:bodyPr/>
+          <a:bodyPr>
+            <a:normAutofit/>
+          </a:bodyPr>
           <a:lstStyle/>
           <a:p>
-            <a:endParaRPr lang="fr-FR" noProof="1"/>
+            <a:r>
+              <a:rPr lang="fr-FR" dirty="0" err="1" smtClean="0"/>
+              <a:t>Levinson-Durbin</a:t>
+            </a:r>
+            <a:endParaRPr lang="fr-FR" dirty="0"/>
+          </a:p>
+        </p:txBody>
+      </p:sp>
+      <p:sp>
+        <p:nvSpPr>
+          <p:cNvPr id="3" name="Espace réservé du contenu 2"/>
+          <p:cNvSpPr>
+            <a:spLocks noGrp="1"/>
+          </p:cNvSpPr>
+          <p:nvPr>
+            <p:ph sz="half" idx="1"/>
+          </p:nvPr>
+        </p:nvSpPr>
+        <p:spPr>
+          <a:xfrm>
+            <a:off x="1025489" y="1700808"/>
+            <a:ext cx="10573816" cy="4575175"/>
+          </a:xfrm>
+        </p:spPr>
+        <p:txBody>
+          <a:bodyPr>
+            <a:normAutofit/>
+          </a:bodyPr>
+          <a:lstStyle/>
+          <a:p>
+            <a:pPr>
+              <a:buClr>
+                <a:schemeClr val="tx1">
+                  <a:lumMod val="75000"/>
+                </a:schemeClr>
+              </a:buClr>
+            </a:pPr>
+            <a:r>
+              <a:rPr lang="fr-FR" dirty="0" smtClean="0"/>
+              <a:t>Application sur </a:t>
+            </a:r>
+            <a:r>
+              <a:rPr lang="fr-FR" dirty="0" smtClean="0"/>
+              <a:t>voix :</a:t>
+            </a:r>
+            <a:endParaRPr lang="fr-FR" dirty="0"/>
+          </a:p>
+        </p:txBody>
+      </p:sp>
+      <p:pic>
+        <p:nvPicPr>
+          <p:cNvPr id="11" name="Image 10"/>
+          <p:cNvPicPr>
+            <a:picLocks noChangeAspect="1"/>
+          </p:cNvPicPr>
+          <p:nvPr/>
+        </p:nvPicPr>
+        <p:blipFill rotWithShape="1">
+          <a:blip r:embed="rId2">
+            <a:extLst>
+              <a:ext uri="{28A0092B-C50C-407E-A947-70E740481C1C}">
+                <a14:useLocalDpi xmlns:a14="http://schemas.microsoft.com/office/drawing/2010/main" val="0"/>
+              </a:ext>
+            </a:extLst>
+          </a:blip>
+          <a:srcRect l="10256" t="2714" r="5983" b="3562"/>
+          <a:stretch/>
+        </p:blipFill>
+        <p:spPr>
+          <a:xfrm>
+            <a:off x="1991544" y="2060848"/>
+            <a:ext cx="8424936" cy="4728281"/>
+          </a:xfrm>
+          <a:prstGeom prst="rect">
+            <a:avLst/>
+          </a:prstGeom>
+          <a:effectLst>
+            <a:softEdge rad="50800"/>
+          </a:effectLst>
+        </p:spPr>
+      </p:pic>
+      <p:sp>
+        <p:nvSpPr>
+          <p:cNvPr id="5" name="ZoneTexte 4"/>
+          <p:cNvSpPr txBox="1"/>
+          <p:nvPr/>
+        </p:nvSpPr>
+        <p:spPr>
+          <a:xfrm>
+            <a:off x="5808340" y="1784823"/>
+            <a:ext cx="1655812" cy="369332"/>
+          </a:xfrm>
+          <a:prstGeom prst="rect">
+            <a:avLst/>
+          </a:prstGeom>
+          <a:noFill/>
+        </p:spPr>
+        <p:txBody>
+          <a:bodyPr wrap="square" rtlCol="0">
+            <a:spAutoFit/>
+          </a:bodyPr>
+          <a:lstStyle/>
+          <a:p>
+            <a:r>
+              <a:rPr lang="fr-FR" dirty="0" smtClean="0"/>
+              <a:t>indéterminé</a:t>
+            </a:r>
+            <a:endParaRPr lang="fr-FR" dirty="0"/>
           </a:p>
         </p:txBody>
       </p:sp>
     </p:spTree>
     <p:extLst>
       <p:ext uri="{BB962C8B-B14F-4D97-AF65-F5344CB8AC3E}">
-        <p14:creationId xmlns:p14="http://schemas.microsoft.com/office/powerpoint/2010/main" val="547100618"/>
+        <p14:creationId xmlns:p14="http://schemas.microsoft.com/office/powerpoint/2010/main" val="4072168952"/>
       </p:ext>
     </p:extLst>
   </p:cSld>
@@ -8444,10 +5119,138 @@
           <a:chExt cx="0" cy="0"/>
         </a:xfrm>
       </p:grpSpPr>
+      <p:sp>
+        <p:nvSpPr>
+          <p:cNvPr id="2" name="Titre 1"/>
+          <p:cNvSpPr>
+            <a:spLocks noGrp="1"/>
+          </p:cNvSpPr>
+          <p:nvPr>
+            <p:ph type="title"/>
+          </p:nvPr>
+        </p:nvSpPr>
+        <p:spPr/>
+        <p:txBody>
+          <a:bodyPr>
+            <a:normAutofit/>
+          </a:bodyPr>
+          <a:lstStyle/>
+          <a:p>
+            <a:r>
+              <a:rPr lang="fr-FR" dirty="0" err="1" smtClean="0"/>
+              <a:t>Levinson-Durbin</a:t>
+            </a:r>
+            <a:endParaRPr lang="fr-FR" dirty="0"/>
+          </a:p>
+        </p:txBody>
+      </p:sp>
+      <p:sp>
+        <p:nvSpPr>
+          <p:cNvPr id="3" name="Espace réservé du contenu 2"/>
+          <p:cNvSpPr>
+            <a:spLocks noGrp="1"/>
+          </p:cNvSpPr>
+          <p:nvPr>
+            <p:ph sz="half" idx="1"/>
+          </p:nvPr>
+        </p:nvSpPr>
+        <p:spPr>
+          <a:xfrm>
+            <a:off x="1025489" y="1700808"/>
+            <a:ext cx="10573816" cy="4575175"/>
+          </a:xfrm>
+        </p:spPr>
+        <p:txBody>
+          <a:bodyPr>
+            <a:normAutofit/>
+          </a:bodyPr>
+          <a:lstStyle/>
+          <a:p>
+            <a:pPr>
+              <a:buClr>
+                <a:schemeClr val="tx1">
+                  <a:lumMod val="75000"/>
+                </a:schemeClr>
+              </a:buClr>
+            </a:pPr>
+            <a:r>
+              <a:rPr lang="fr-FR" dirty="0" smtClean="0"/>
+              <a:t>Application sur </a:t>
+            </a:r>
+            <a:r>
+              <a:rPr lang="fr-FR" dirty="0" smtClean="0"/>
+              <a:t>voix :</a:t>
+            </a:r>
+            <a:endParaRPr lang="fr-FR" dirty="0"/>
+          </a:p>
+        </p:txBody>
+      </p:sp>
+      <p:pic>
+        <p:nvPicPr>
+          <p:cNvPr id="11" name="Image 10"/>
+          <p:cNvPicPr>
+            <a:picLocks noChangeAspect="1"/>
+          </p:cNvPicPr>
+          <p:nvPr/>
+        </p:nvPicPr>
+        <p:blipFill rotWithShape="1">
+          <a:blip r:embed="rId2">
+            <a:extLst>
+              <a:ext uri="{28A0092B-C50C-407E-A947-70E740481C1C}">
+                <a14:useLocalDpi xmlns:a14="http://schemas.microsoft.com/office/drawing/2010/main" val="0"/>
+              </a:ext>
+            </a:extLst>
+          </a:blip>
+          <a:srcRect l="8881" t="1765" r="6178" b="4321"/>
+          <a:stretch/>
+        </p:blipFill>
+        <p:spPr>
+          <a:xfrm>
+            <a:off x="1847528" y="2060847"/>
+            <a:ext cx="8568952" cy="4751873"/>
+          </a:xfrm>
+          <a:prstGeom prst="rect">
+            <a:avLst/>
+          </a:prstGeom>
+          <a:effectLst>
+            <a:softEdge rad="50800"/>
+          </a:effectLst>
+        </p:spPr>
+      </p:pic>
+      <p:sp>
+        <p:nvSpPr>
+          <p:cNvPr id="5" name="ZoneTexte 4"/>
+          <p:cNvSpPr txBox="1"/>
+          <p:nvPr/>
+        </p:nvSpPr>
+        <p:spPr>
+          <a:xfrm>
+            <a:off x="5849652" y="1821344"/>
+            <a:ext cx="1008112" cy="369332"/>
+          </a:xfrm>
+          <a:prstGeom prst="rect">
+            <a:avLst/>
+          </a:prstGeom>
+          <a:noFill/>
+        </p:spPr>
+        <p:txBody>
+          <a:bodyPr wrap="square" rtlCol="0">
+            <a:spAutoFit/>
+          </a:bodyPr>
+          <a:lstStyle/>
+          <a:p>
+            <a:r>
+              <a:rPr lang="fr-FR" dirty="0" smtClean="0"/>
+              <a:t>voyelle</a:t>
+            </a:r>
+            <a:endParaRPr lang="fr-FR" dirty="0"/>
+          </a:p>
+        </p:txBody>
+      </p:sp>
     </p:spTree>
     <p:extLst>
       <p:ext uri="{BB962C8B-B14F-4D97-AF65-F5344CB8AC3E}">
-        <p14:creationId xmlns:p14="http://schemas.microsoft.com/office/powerpoint/2010/main" val="1001865620"/>
+        <p14:creationId xmlns:p14="http://schemas.microsoft.com/office/powerpoint/2010/main" val="447436312"/>
       </p:ext>
     </p:extLst>
   </p:cSld>
@@ -8505,10 +5308,16 @@
         </p:nvSpPr>
         <p:spPr/>
         <p:txBody>
-          <a:bodyPr/>
+          <a:bodyPr>
+            <a:normAutofit/>
+          </a:bodyPr>
           <a:lstStyle/>
           <a:p>
-            <a:endParaRPr lang="fr-FR" noProof="1"/>
+            <a:r>
+              <a:rPr lang="fr-FR" dirty="0" err="1" smtClean="0"/>
+              <a:t>Levinson-Durbin</a:t>
+            </a:r>
+            <a:endParaRPr lang="fr-FR" dirty="0"/>
           </a:p>
         </p:txBody>
       </p:sp>
@@ -8519,41 +5328,106 @@
             <a:spLocks noGrp="1"/>
           </p:cNvSpPr>
           <p:nvPr>
-            <p:ph idx="1"/>
-          </p:nvPr>
-        </p:nvSpPr>
-        <p:spPr/>
-        <p:txBody>
-          <a:bodyPr/>
+            <p:ph sz="half" idx="1"/>
+          </p:nvPr>
+        </p:nvSpPr>
+        <p:spPr>
+          <a:xfrm>
+            <a:off x="1049221" y="1700808"/>
+            <a:ext cx="10573816" cy="4575175"/>
+          </a:xfrm>
+        </p:spPr>
+        <p:txBody>
+          <a:bodyPr>
+            <a:normAutofit/>
+          </a:bodyPr>
           <a:lstStyle/>
           <a:p>
-            <a:endParaRPr lang="fr-FR" noProof="1"/>
-          </a:p>
-        </p:txBody>
-      </p:sp>
-      <p:sp>
-        <p:nvSpPr>
-          <p:cNvPr id="4" name="Espace réservé du texte 3"/>
-          <p:cNvSpPr>
-            <a:spLocks noGrp="1"/>
-          </p:cNvSpPr>
-          <p:nvPr>
-            <p:ph type="body" sz="half" idx="2"/>
-          </p:nvPr>
-        </p:nvSpPr>
-        <p:spPr/>
-        <p:txBody>
-          <a:bodyPr/>
+            <a:pPr>
+              <a:buClr>
+                <a:schemeClr val="tx1">
+                  <a:lumMod val="75000"/>
+                </a:schemeClr>
+              </a:buClr>
+            </a:pPr>
+            <a:r>
+              <a:rPr lang="fr-FR" dirty="0" smtClean="0"/>
+              <a:t>Application sur </a:t>
+            </a:r>
+            <a:r>
+              <a:rPr lang="fr-FR" dirty="0" smtClean="0"/>
+              <a:t>voix :</a:t>
+            </a:r>
+            <a:endParaRPr lang="fr-FR" dirty="0"/>
+          </a:p>
+        </p:txBody>
+      </p:sp>
+      <p:pic>
+        <p:nvPicPr>
+          <p:cNvPr id="11" name="Image 10"/>
+          <p:cNvPicPr>
+            <a:picLocks noChangeAspect="1"/>
+          </p:cNvPicPr>
+          <p:nvPr/>
+        </p:nvPicPr>
+        <p:blipFill rotWithShape="1">
+          <a:blip r:embed="rId2">
+            <a:extLst>
+              <a:ext uri="{28A0092B-C50C-407E-A947-70E740481C1C}">
+                <a14:useLocalDpi xmlns:a14="http://schemas.microsoft.com/office/drawing/2010/main" val="0"/>
+              </a:ext>
+            </a:extLst>
+          </a:blip>
+          <a:srcRect l="9244" t="1420" r="5043" b="3080"/>
+          <a:stretch/>
+        </p:blipFill>
+        <p:spPr>
+          <a:xfrm>
+            <a:off x="2207568" y="2060848"/>
+            <a:ext cx="8496944" cy="4748293"/>
+          </a:xfrm>
+          <a:prstGeom prst="rect">
+            <a:avLst/>
+          </a:prstGeom>
+          <a:effectLst>
+            <a:softEdge rad="50800"/>
+          </a:effectLst>
+        </p:spPr>
+      </p:pic>
+      <p:sp>
+        <p:nvSpPr>
+          <p:cNvPr id="5" name="ZoneTexte 4"/>
+          <p:cNvSpPr txBox="1"/>
+          <p:nvPr/>
+        </p:nvSpPr>
+        <p:spPr>
+          <a:xfrm>
+            <a:off x="5951984" y="1888188"/>
+            <a:ext cx="1224136" cy="369332"/>
+          </a:xfrm>
+          <a:prstGeom prst="rect">
+            <a:avLst/>
+          </a:prstGeom>
+          <a:noFill/>
+        </p:spPr>
+        <p:txBody>
+          <a:bodyPr wrap="square" rtlCol="0">
+            <a:spAutoFit/>
+          </a:bodyPr>
           <a:lstStyle/>
           <a:p>
-            <a:endParaRPr lang="fr-FR" noProof="1"/>
+            <a:r>
+              <a:rPr lang="fr-FR" dirty="0" smtClean="0"/>
+              <a:t>consonne</a:t>
+            </a:r>
+            <a:endParaRPr lang="fr-FR" dirty="0"/>
           </a:p>
         </p:txBody>
       </p:sp>
     </p:spTree>
     <p:extLst>
       <p:ext uri="{BB962C8B-B14F-4D97-AF65-F5344CB8AC3E}">
-        <p14:creationId xmlns:p14="http://schemas.microsoft.com/office/powerpoint/2010/main" val="2914748422"/>
+        <p14:creationId xmlns:p14="http://schemas.microsoft.com/office/powerpoint/2010/main" val="4020513645"/>
       </p:ext>
     </p:extLst>
   </p:cSld>
@@ -8611,48 +5485,480 @@
         </p:nvSpPr>
         <p:spPr/>
         <p:txBody>
-          <a:bodyPr/>
+          <a:bodyPr>
+            <a:normAutofit/>
+          </a:bodyPr>
           <a:lstStyle/>
           <a:p>
-            <a:endParaRPr lang="fr-FR" noProof="1"/>
-          </a:p>
-        </p:txBody>
-      </p:sp>
-      <p:sp>
-        <p:nvSpPr>
-          <p:cNvPr id="3" name="Espace réservé de l'image 2"/>
+            <a:r>
+              <a:rPr lang="fr-FR" dirty="0" err="1" smtClean="0"/>
+              <a:t>Levinson-Durbin</a:t>
+            </a:r>
+            <a:endParaRPr lang="fr-FR" dirty="0"/>
+          </a:p>
+        </p:txBody>
+      </p:sp>
+      <p:sp>
+        <p:nvSpPr>
+          <p:cNvPr id="3" name="Espace réservé du contenu 2"/>
           <p:cNvSpPr>
             <a:spLocks noGrp="1"/>
           </p:cNvSpPr>
           <p:nvPr>
-            <p:ph type="pic" idx="1"/>
-          </p:nvPr>
-        </p:nvSpPr>
-        <p:spPr/>
-      </p:sp>
-      <p:sp>
-        <p:nvSpPr>
-          <p:cNvPr id="4" name="Espace réservé du texte 3"/>
-          <p:cNvSpPr>
-            <a:spLocks noGrp="1"/>
-          </p:cNvSpPr>
-          <p:nvPr>
-            <p:ph type="body" sz="half" idx="2"/>
-          </p:nvPr>
-        </p:nvSpPr>
-        <p:spPr/>
-        <p:txBody>
-          <a:bodyPr/>
+            <p:ph sz="half" idx="1"/>
+          </p:nvPr>
+        </p:nvSpPr>
+        <p:spPr>
+          <a:xfrm>
+            <a:off x="1025489" y="1700808"/>
+            <a:ext cx="10573816" cy="4575175"/>
+          </a:xfrm>
+        </p:spPr>
+        <p:txBody>
+          <a:bodyPr>
+            <a:normAutofit/>
+          </a:bodyPr>
           <a:lstStyle/>
           <a:p>
-            <a:endParaRPr lang="fr-FR" noProof="1"/>
+            <a:pPr>
+              <a:buClr>
+                <a:schemeClr val="tx1">
+                  <a:lumMod val="75000"/>
+                </a:schemeClr>
+              </a:buClr>
+            </a:pPr>
+            <a:r>
+              <a:rPr lang="fr-FR" dirty="0" smtClean="0"/>
+              <a:t>Application sur </a:t>
+            </a:r>
+            <a:r>
+              <a:rPr lang="fr-FR" dirty="0" smtClean="0"/>
+              <a:t>voix :</a:t>
+            </a:r>
+            <a:endParaRPr lang="fr-FR" dirty="0"/>
+          </a:p>
+        </p:txBody>
+      </p:sp>
+      <p:pic>
+        <p:nvPicPr>
+          <p:cNvPr id="11" name="Image 10"/>
+          <p:cNvPicPr>
+            <a:picLocks noChangeAspect="1"/>
+          </p:cNvPicPr>
+          <p:nvPr/>
+        </p:nvPicPr>
+        <p:blipFill rotWithShape="1">
+          <a:blip r:embed="rId2">
+            <a:extLst>
+              <a:ext uri="{28A0092B-C50C-407E-A947-70E740481C1C}">
+                <a14:useLocalDpi xmlns:a14="http://schemas.microsoft.com/office/drawing/2010/main" val="0"/>
+              </a:ext>
+            </a:extLst>
+          </a:blip>
+          <a:srcRect l="8695" t="-859" r="7520" b="4728"/>
+          <a:stretch/>
+        </p:blipFill>
+        <p:spPr>
+          <a:xfrm>
+            <a:off x="2171937" y="1988840"/>
+            <a:ext cx="8280920" cy="4765434"/>
+          </a:xfrm>
+          <a:prstGeom prst="rect">
+            <a:avLst/>
+          </a:prstGeom>
+          <a:effectLst>
+            <a:softEdge rad="50800"/>
+          </a:effectLst>
+        </p:spPr>
+      </p:pic>
+      <p:sp>
+        <p:nvSpPr>
+          <p:cNvPr id="5" name="ZoneTexte 4"/>
+          <p:cNvSpPr txBox="1"/>
+          <p:nvPr/>
+        </p:nvSpPr>
+        <p:spPr>
+          <a:xfrm>
+            <a:off x="5807968" y="1916832"/>
+            <a:ext cx="1656184" cy="369332"/>
+          </a:xfrm>
+          <a:prstGeom prst="rect">
+            <a:avLst/>
+          </a:prstGeom>
+          <a:noFill/>
+        </p:spPr>
+        <p:txBody>
+          <a:bodyPr wrap="square" rtlCol="0">
+            <a:spAutoFit/>
+          </a:bodyPr>
+          <a:lstStyle/>
+          <a:p>
+            <a:r>
+              <a:rPr lang="fr-FR" dirty="0" smtClean="0"/>
+              <a:t>indéterminé</a:t>
+            </a:r>
+            <a:endParaRPr lang="fr-FR" dirty="0"/>
           </a:p>
         </p:txBody>
       </p:sp>
     </p:spTree>
     <p:extLst>
       <p:ext uri="{BB962C8B-B14F-4D97-AF65-F5344CB8AC3E}">
-        <p14:creationId xmlns:p14="http://schemas.microsoft.com/office/powerpoint/2010/main" val="3049232890"/>
+        <p14:creationId xmlns:p14="http://schemas.microsoft.com/office/powerpoint/2010/main" val="2915248895"/>
+      </p:ext>
+    </p:extLst>
+  </p:cSld>
+  <p:clrMapOvr>
+    <a:masterClrMapping/>
+  </p:clrMapOvr>
+  <mc:AlternateContent xmlns:mc="http://schemas.openxmlformats.org/markup-compatibility/2006" xmlns:p14="http://schemas.microsoft.com/office/powerpoint/2010/main">
+    <mc:Choice Requires="p14">
+      <p:transition spd="med" p14:dur="700">
+        <p:fade/>
+      </p:transition>
+    </mc:Choice>
+    <mc:Fallback xmlns="">
+      <p:transition spd="med">
+        <p:fade/>
+      </p:transition>
+    </mc:Fallback>
+  </mc:AlternateContent>
+  <p:timing>
+    <p:tnLst>
+      <p:par>
+        <p:cTn id="1" dur="indefinite" restart="never" nodeType="tmRoot"/>
+      </p:par>
+    </p:tnLst>
+  </p:timing>
+</p:sld>
+</file>
+
+<file path=ppt/slides/slide17.xml><?xml version="1.0" encoding="utf-8"?>
+<p:sld xmlns:a="http://schemas.openxmlformats.org/drawingml/2006/main" xmlns:r="http://schemas.openxmlformats.org/officeDocument/2006/relationships" xmlns:p="http://schemas.openxmlformats.org/presentationml/2006/main">
+  <p:cSld>
+    <p:spTree>
+      <p:nvGrpSpPr>
+        <p:cNvPr id="1" name=""/>
+        <p:cNvGrpSpPr/>
+        <p:nvPr/>
+      </p:nvGrpSpPr>
+      <p:grpSpPr>
+        <a:xfrm>
+          <a:off x="0" y="0"/>
+          <a:ext cx="0" cy="0"/>
+          <a:chOff x="0" y="0"/>
+          <a:chExt cx="0" cy="0"/>
+        </a:xfrm>
+      </p:grpSpPr>
+      <p:sp>
+        <p:nvSpPr>
+          <p:cNvPr id="2" name="Titre 1"/>
+          <p:cNvSpPr>
+            <a:spLocks noGrp="1"/>
+          </p:cNvSpPr>
+          <p:nvPr>
+            <p:ph type="title"/>
+          </p:nvPr>
+        </p:nvSpPr>
+        <p:spPr/>
+        <p:txBody>
+          <a:bodyPr>
+            <a:normAutofit/>
+          </a:bodyPr>
+          <a:lstStyle/>
+          <a:p>
+            <a:r>
+              <a:rPr lang="fr-FR" dirty="0" err="1" smtClean="0"/>
+              <a:t>Levinson-Durbin</a:t>
+            </a:r>
+            <a:endParaRPr lang="fr-FR" dirty="0"/>
+          </a:p>
+        </p:txBody>
+      </p:sp>
+      <p:sp>
+        <p:nvSpPr>
+          <p:cNvPr id="3" name="Espace réservé du contenu 2"/>
+          <p:cNvSpPr>
+            <a:spLocks noGrp="1"/>
+          </p:cNvSpPr>
+          <p:nvPr>
+            <p:ph sz="half" idx="1"/>
+          </p:nvPr>
+        </p:nvSpPr>
+        <p:spPr>
+          <a:xfrm>
+            <a:off x="1025489" y="1700808"/>
+            <a:ext cx="10573816" cy="4575175"/>
+          </a:xfrm>
+        </p:spPr>
+        <p:txBody>
+          <a:bodyPr>
+            <a:normAutofit/>
+          </a:bodyPr>
+          <a:lstStyle/>
+          <a:p>
+            <a:pPr>
+              <a:buClr>
+                <a:schemeClr val="tx1">
+                  <a:lumMod val="75000"/>
+                </a:schemeClr>
+              </a:buClr>
+            </a:pPr>
+            <a:r>
+              <a:rPr lang="fr-FR" dirty="0" smtClean="0"/>
+              <a:t>Application sur </a:t>
+            </a:r>
+            <a:r>
+              <a:rPr lang="fr-FR" dirty="0" smtClean="0"/>
+              <a:t>voix :</a:t>
+            </a:r>
+            <a:endParaRPr lang="fr-FR" dirty="0"/>
+          </a:p>
+        </p:txBody>
+      </p:sp>
+      <p:pic>
+        <p:nvPicPr>
+          <p:cNvPr id="11" name="Image 10"/>
+          <p:cNvPicPr>
+            <a:picLocks noChangeAspect="1"/>
+          </p:cNvPicPr>
+          <p:nvPr/>
+        </p:nvPicPr>
+        <p:blipFill rotWithShape="1">
+          <a:blip r:embed="rId2">
+            <a:extLst>
+              <a:ext uri="{28A0092B-C50C-407E-A947-70E740481C1C}">
+                <a14:useLocalDpi xmlns:a14="http://schemas.microsoft.com/office/drawing/2010/main" val="0"/>
+              </a:ext>
+            </a:extLst>
+          </a:blip>
+          <a:srcRect l="8475" t="1051" r="6780" b="951"/>
+          <a:stretch/>
+        </p:blipFill>
+        <p:spPr>
+          <a:xfrm>
+            <a:off x="2387588" y="2060848"/>
+            <a:ext cx="8136904" cy="4719404"/>
+          </a:xfrm>
+          <a:prstGeom prst="rect">
+            <a:avLst/>
+          </a:prstGeom>
+          <a:effectLst>
+            <a:softEdge rad="50800"/>
+          </a:effectLst>
+        </p:spPr>
+      </p:pic>
+      <p:sp>
+        <p:nvSpPr>
+          <p:cNvPr id="5" name="ZoneTexte 4"/>
+          <p:cNvSpPr txBox="1"/>
+          <p:nvPr/>
+        </p:nvSpPr>
+        <p:spPr>
+          <a:xfrm>
+            <a:off x="5951984" y="1888188"/>
+            <a:ext cx="1368152" cy="369332"/>
+          </a:xfrm>
+          <a:prstGeom prst="rect">
+            <a:avLst/>
+          </a:prstGeom>
+          <a:noFill/>
+        </p:spPr>
+        <p:txBody>
+          <a:bodyPr wrap="square" rtlCol="0">
+            <a:spAutoFit/>
+          </a:bodyPr>
+          <a:lstStyle/>
+          <a:p>
+            <a:r>
+              <a:rPr lang="fr-FR" dirty="0" smtClean="0"/>
+              <a:t>voyelle</a:t>
+            </a:r>
+            <a:endParaRPr lang="fr-FR" dirty="0"/>
+          </a:p>
+        </p:txBody>
+      </p:sp>
+    </p:spTree>
+    <p:extLst>
+      <p:ext uri="{BB962C8B-B14F-4D97-AF65-F5344CB8AC3E}">
+        <p14:creationId xmlns:p14="http://schemas.microsoft.com/office/powerpoint/2010/main" val="3259668415"/>
+      </p:ext>
+    </p:extLst>
+  </p:cSld>
+  <p:clrMapOvr>
+    <a:masterClrMapping/>
+  </p:clrMapOvr>
+  <mc:AlternateContent xmlns:mc="http://schemas.openxmlformats.org/markup-compatibility/2006" xmlns:p14="http://schemas.microsoft.com/office/powerpoint/2010/main">
+    <mc:Choice Requires="p14">
+      <p:transition spd="med" p14:dur="700">
+        <p:fade/>
+      </p:transition>
+    </mc:Choice>
+    <mc:Fallback xmlns="">
+      <p:transition spd="med">
+        <p:fade/>
+      </p:transition>
+    </mc:Fallback>
+  </mc:AlternateContent>
+  <p:timing>
+    <p:tnLst>
+      <p:par>
+        <p:cTn id="1" dur="indefinite" restart="never" nodeType="tmRoot"/>
+      </p:par>
+    </p:tnLst>
+  </p:timing>
+</p:sld>
+</file>
+
+<file path=ppt/slides/slide18.xml><?xml version="1.0" encoding="utf-8"?>
+<p:sld xmlns:a="http://schemas.openxmlformats.org/drawingml/2006/main" xmlns:r="http://schemas.openxmlformats.org/officeDocument/2006/relationships" xmlns:p="http://schemas.openxmlformats.org/presentationml/2006/main">
+  <p:cSld>
+    <p:spTree>
+      <p:nvGrpSpPr>
+        <p:cNvPr id="1" name=""/>
+        <p:cNvGrpSpPr/>
+        <p:nvPr/>
+      </p:nvGrpSpPr>
+      <p:grpSpPr>
+        <a:xfrm>
+          <a:off x="0" y="0"/>
+          <a:ext cx="0" cy="0"/>
+          <a:chOff x="0" y="0"/>
+          <a:chExt cx="0" cy="0"/>
+        </a:xfrm>
+      </p:grpSpPr>
+      <p:sp>
+        <p:nvSpPr>
+          <p:cNvPr id="2" name="Titre 1"/>
+          <p:cNvSpPr>
+            <a:spLocks noGrp="1"/>
+          </p:cNvSpPr>
+          <p:nvPr>
+            <p:ph type="title"/>
+          </p:nvPr>
+        </p:nvSpPr>
+        <p:spPr/>
+        <p:txBody>
+          <a:bodyPr>
+            <a:normAutofit/>
+          </a:bodyPr>
+          <a:lstStyle/>
+          <a:p>
+            <a:r>
+              <a:rPr lang="fr-FR" dirty="0" err="1" smtClean="0"/>
+              <a:t>Levinson-Durbin</a:t>
+            </a:r>
+            <a:endParaRPr lang="fr-FR" dirty="0"/>
+          </a:p>
+        </p:txBody>
+      </p:sp>
+      <p:sp>
+        <p:nvSpPr>
+          <p:cNvPr id="3" name="Espace réservé du contenu 2"/>
+          <p:cNvSpPr>
+            <a:spLocks noGrp="1"/>
+          </p:cNvSpPr>
+          <p:nvPr>
+            <p:ph sz="half" idx="1"/>
+          </p:nvPr>
+        </p:nvSpPr>
+        <p:spPr>
+          <a:xfrm>
+            <a:off x="1025489" y="1700808"/>
+            <a:ext cx="10573816" cy="4575175"/>
+          </a:xfrm>
+        </p:spPr>
+        <p:txBody>
+          <a:bodyPr>
+            <a:normAutofit/>
+          </a:bodyPr>
+          <a:lstStyle/>
+          <a:p>
+            <a:pPr>
+              <a:buClr>
+                <a:schemeClr val="tx1">
+                  <a:lumMod val="75000"/>
+                </a:schemeClr>
+              </a:buClr>
+            </a:pPr>
+            <a:r>
+              <a:rPr lang="fr-FR" dirty="0" smtClean="0"/>
+              <a:t>Application sur </a:t>
+            </a:r>
+            <a:r>
+              <a:rPr lang="fr-FR" dirty="0" smtClean="0"/>
+              <a:t>voix :</a:t>
+            </a:r>
+            <a:endParaRPr lang="fr-FR" dirty="0"/>
+          </a:p>
+        </p:txBody>
+      </p:sp>
+      <p:pic>
+        <p:nvPicPr>
+          <p:cNvPr id="11" name="Image 10"/>
+          <p:cNvPicPr>
+            <a:picLocks noChangeAspect="1"/>
+          </p:cNvPicPr>
+          <p:nvPr/>
+        </p:nvPicPr>
+        <p:blipFill rotWithShape="1">
+          <a:blip r:embed="rId2">
+            <a:extLst>
+              <a:ext uri="{28A0092B-C50C-407E-A947-70E740481C1C}">
+                <a14:useLocalDpi xmlns:a14="http://schemas.microsoft.com/office/drawing/2010/main" val="0"/>
+              </a:ext>
+            </a:extLst>
+          </a:blip>
+          <a:srcRect l="8475" t="1051" r="6780" b="951"/>
+          <a:stretch/>
+        </p:blipFill>
+        <p:spPr>
+          <a:xfrm>
+            <a:off x="2387588" y="2060848"/>
+            <a:ext cx="8136904" cy="4719404"/>
+          </a:xfrm>
+          <a:prstGeom prst="rect">
+            <a:avLst/>
+          </a:prstGeom>
+          <a:effectLst>
+            <a:softEdge rad="50800"/>
+          </a:effectLst>
+        </p:spPr>
+      </p:pic>
+      <p:sp>
+        <p:nvSpPr>
+          <p:cNvPr id="5" name="ZoneTexte 4"/>
+          <p:cNvSpPr txBox="1"/>
+          <p:nvPr/>
+        </p:nvSpPr>
+        <p:spPr>
+          <a:xfrm>
+            <a:off x="5951984" y="1888188"/>
+            <a:ext cx="1368152" cy="369332"/>
+          </a:xfrm>
+          <a:prstGeom prst="rect">
+            <a:avLst/>
+          </a:prstGeom>
+          <a:noFill/>
+        </p:spPr>
+        <p:txBody>
+          <a:bodyPr wrap="square" rtlCol="0">
+            <a:spAutoFit/>
+          </a:bodyPr>
+          <a:lstStyle/>
+          <a:p>
+            <a:r>
+              <a:rPr lang="fr-FR" dirty="0" smtClean="0"/>
+              <a:t>voyelle</a:t>
+            </a:r>
+            <a:endParaRPr lang="fr-FR" dirty="0"/>
+          </a:p>
+        </p:txBody>
+      </p:sp>
+    </p:spTree>
+    <p:extLst>
+      <p:ext uri="{BB962C8B-B14F-4D97-AF65-F5344CB8AC3E}">
+        <p14:creationId xmlns:p14="http://schemas.microsoft.com/office/powerpoint/2010/main" val="185527477"/>
       </p:ext>
     </p:extLst>
   </p:cSld>
@@ -8682,141 +5988,6 @@
 </file>
 
 <file path=ppt/slides/slide2.xml><?xml version="1.0" encoding="utf-8"?>
-<p:sld xmlns:a="http://schemas.openxmlformats.org/drawingml/2006/main" xmlns:r="http://schemas.openxmlformats.org/officeDocument/2006/relationships" xmlns:p="http://schemas.openxmlformats.org/presentationml/2006/main">
-  <p:cSld>
-    <p:spTree>
-      <p:nvGrpSpPr>
-        <p:cNvPr id="1" name=""/>
-        <p:cNvGrpSpPr/>
-        <p:nvPr/>
-      </p:nvGrpSpPr>
-      <p:grpSpPr>
-        <a:xfrm>
-          <a:off x="0" y="0"/>
-          <a:ext cx="0" cy="0"/>
-          <a:chOff x="0" y="0"/>
-          <a:chExt cx="0" cy="0"/>
-        </a:xfrm>
-      </p:grpSpPr>
-      <p:sp>
-        <p:nvSpPr>
-          <p:cNvPr id="2" name="Titre 1"/>
-          <p:cNvSpPr>
-            <a:spLocks noGrp="1"/>
-          </p:cNvSpPr>
-          <p:nvPr>
-            <p:ph type="title"/>
-          </p:nvPr>
-        </p:nvSpPr>
-        <p:spPr/>
-        <p:txBody>
-          <a:bodyPr>
-            <a:normAutofit/>
-          </a:bodyPr>
-          <a:lstStyle/>
-          <a:p>
-            <a:r>
-              <a:rPr lang="fr-FR" dirty="0" smtClean="0"/>
-              <a:t>Analyse non-</a:t>
-            </a:r>
-            <a:r>
-              <a:rPr lang="fr-FR" dirty="0" err="1" smtClean="0"/>
-              <a:t>parametrique</a:t>
-            </a:r>
-            <a:endParaRPr lang="fr-FR" dirty="0"/>
-          </a:p>
-        </p:txBody>
-      </p:sp>
-      <p:sp>
-        <p:nvSpPr>
-          <p:cNvPr id="3" name="Espace réservé du contenu 2"/>
-          <p:cNvSpPr>
-            <a:spLocks noGrp="1"/>
-          </p:cNvSpPr>
-          <p:nvPr>
-            <p:ph idx="1"/>
-          </p:nvPr>
-        </p:nvSpPr>
-        <p:spPr/>
-        <p:txBody>
-          <a:bodyPr>
-            <a:normAutofit/>
-          </a:bodyPr>
-          <a:lstStyle/>
-          <a:p>
-            <a:pPr>
-              <a:buClr>
-                <a:schemeClr val="tx1">
-                  <a:lumMod val="75000"/>
-                </a:schemeClr>
-              </a:buClr>
-            </a:pPr>
-            <a:r>
-              <a:rPr lang="fr-FR" dirty="0"/>
-              <a:t>Ajouter le texte de la première puce ici</a:t>
-            </a:r>
-          </a:p>
-          <a:p>
-            <a:pPr>
-              <a:buClr>
-                <a:schemeClr val="tx1">
-                  <a:lumMod val="75000"/>
-                </a:schemeClr>
-              </a:buClr>
-            </a:pPr>
-            <a:r>
-              <a:rPr lang="fr-FR" dirty="0"/>
-              <a:t>Ajouter le texte de la deuxième puce ici</a:t>
-            </a:r>
-          </a:p>
-          <a:p>
-            <a:pPr>
-              <a:buClr>
-                <a:schemeClr val="tx1">
-                  <a:lumMod val="75000"/>
-                </a:schemeClr>
-              </a:buClr>
-            </a:pPr>
-            <a:r>
-              <a:rPr lang="fr-FR" dirty="0"/>
-              <a:t>Ajouter le texte de la troisième puce ici</a:t>
-            </a:r>
-          </a:p>
-        </p:txBody>
-      </p:sp>
-    </p:spTree>
-    <p:extLst>
-      <p:ext uri="{BB962C8B-B14F-4D97-AF65-F5344CB8AC3E}">
-        <p14:creationId xmlns:p14="http://schemas.microsoft.com/office/powerpoint/2010/main" val="1772969468"/>
-      </p:ext>
-    </p:extLst>
-  </p:cSld>
-  <p:clrMapOvr>
-    <a:masterClrMapping/>
-  </p:clrMapOvr>
-  <mc:AlternateContent xmlns:mc="http://schemas.openxmlformats.org/markup-compatibility/2006" xmlns:p14="http://schemas.microsoft.com/office/powerpoint/2010/main">
-    <mc:Choice Requires="p14">
-      <p:transition spd="med" p14:dur="700">
-        <p:fade/>
-      </p:transition>
-    </mc:Choice>
-    <mc:Fallback xmlns="">
-      <p:transition spd="med">
-        <p:fade/>
-      </p:transition>
-    </mc:Fallback>
-  </mc:AlternateContent>
-  <p:timing>
-    <p:tnLst>
-      <p:par>
-        <p:cTn id="1" dur="indefinite" restart="never" nodeType="tmRoot"/>
-      </p:par>
-    </p:tnLst>
-  </p:timing>
-</p:sld>
-</file>
-
-<file path=ppt/slides/slide3.xml><?xml version="1.0" encoding="utf-8"?>
 <p:sld xmlns:a="http://schemas.openxmlformats.org/drawingml/2006/main" xmlns:r="http://schemas.openxmlformats.org/officeDocument/2006/relationships" xmlns:p="http://schemas.openxmlformats.org/presentationml/2006/main">
   <p:cSld>
     <p:spTree>
@@ -9780,7 +6951,7 @@
 </p:sld>
 </file>
 
-<file path=ppt/slides/slide4.xml><?xml version="1.0" encoding="utf-8"?>
+<file path=ppt/slides/slide3.xml><?xml version="1.0" encoding="utf-8"?>
 <p:sld xmlns:a="http://schemas.openxmlformats.org/drawingml/2006/main" xmlns:r="http://schemas.openxmlformats.org/officeDocument/2006/relationships" xmlns:p="http://schemas.openxmlformats.org/presentationml/2006/main">
   <p:cSld>
     <p:spTree>
@@ -9993,7 +7164,7 @@
 </p:sld>
 </file>
 
-<file path=ppt/slides/slide5.xml><?xml version="1.0" encoding="utf-8"?>
+<file path=ppt/slides/slide4.xml><?xml version="1.0" encoding="utf-8"?>
 <p:sld xmlns:a="http://schemas.openxmlformats.org/drawingml/2006/main" xmlns:r="http://schemas.openxmlformats.org/officeDocument/2006/relationships" xmlns:p="http://schemas.openxmlformats.org/presentationml/2006/main">
   <p:cSld>
     <p:spTree>
@@ -10176,7 +7347,7 @@
 </p:sld>
 </file>
 
-<file path=ppt/slides/slide6.xml><?xml version="1.0" encoding="utf-8"?>
+<file path=ppt/slides/slide5.xml><?xml version="1.0" encoding="utf-8"?>
 <p:sld xmlns:a="http://schemas.openxmlformats.org/drawingml/2006/main" xmlns:r="http://schemas.openxmlformats.org/officeDocument/2006/relationships" xmlns:p="http://schemas.openxmlformats.org/presentationml/2006/main">
   <p:cSld>
     <p:spTree>
@@ -10295,38 +7466,329 @@
           </a:p>
         </p:txBody>
       </p:sp>
-      <p:pic>
-        <p:nvPicPr>
-          <p:cNvPr id="6" name="Image 5"/>
-          <p:cNvPicPr>
-            <a:picLocks noChangeAspect="1"/>
-          </p:cNvPicPr>
+      <p:grpSp>
+        <p:nvGrpSpPr>
+          <p:cNvPr id="12" name="Groupe 11"/>
+          <p:cNvGrpSpPr/>
           <p:nvPr/>
-        </p:nvPicPr>
-        <p:blipFill rotWithShape="1">
-          <a:blip r:embed="rId2">
-            <a:extLst>
-              <a:ext uri="{28A0092B-C50C-407E-A947-70E740481C1C}">
-                <a14:useLocalDpi xmlns:a14="http://schemas.microsoft.com/office/drawing/2010/main" val="0"/>
-              </a:ext>
-            </a:extLst>
-          </a:blip>
-          <a:srcRect l="7826" t="2547" r="6956" b="3832"/>
-          <a:stretch/>
-        </p:blipFill>
-        <p:spPr>
+        </p:nvGrpSpPr>
+        <p:grpSpPr>
           <a:xfrm>
             <a:off x="3431704" y="2060848"/>
             <a:ext cx="8489583" cy="4677934"/>
+            <a:chOff x="3431704" y="2060848"/>
+            <a:chExt cx="8489583" cy="4677934"/>
           </a:xfrm>
-          <a:prstGeom prst="rect">
-            <a:avLst/>
-          </a:prstGeom>
-          <a:effectLst>
-            <a:softEdge rad="50800"/>
-          </a:effectLst>
-        </p:spPr>
-      </p:pic>
+        </p:grpSpPr>
+        <p:pic>
+          <p:nvPicPr>
+            <p:cNvPr id="6" name="Image 5"/>
+            <p:cNvPicPr>
+              <a:picLocks noChangeAspect="1"/>
+            </p:cNvPicPr>
+            <p:nvPr/>
+          </p:nvPicPr>
+          <p:blipFill rotWithShape="1">
+            <a:blip r:embed="rId2">
+              <a:extLst>
+                <a:ext uri="{28A0092B-C50C-407E-A947-70E740481C1C}">
+                  <a14:useLocalDpi xmlns:a14="http://schemas.microsoft.com/office/drawing/2010/main" val="0"/>
+                </a:ext>
+              </a:extLst>
+            </a:blip>
+            <a:srcRect l="7826" t="2547" r="6956" b="3832"/>
+            <a:stretch/>
+          </p:blipFill>
+          <p:spPr>
+            <a:xfrm>
+              <a:off x="3431704" y="2060848"/>
+              <a:ext cx="8489583" cy="4677934"/>
+            </a:xfrm>
+            <a:prstGeom prst="rect">
+              <a:avLst/>
+            </a:prstGeom>
+            <a:effectLst>
+              <a:softEdge rad="50800"/>
+            </a:effectLst>
+          </p:spPr>
+        </p:pic>
+        <p:sp>
+          <p:nvSpPr>
+            <p:cNvPr id="4" name="Rectangle 3"/>
+            <p:cNvSpPr/>
+            <p:nvPr/>
+          </p:nvSpPr>
+          <p:spPr>
+            <a:xfrm>
+              <a:off x="3647728" y="2708920"/>
+              <a:ext cx="144016" cy="288032"/>
+            </a:xfrm>
+            <a:prstGeom prst="rect">
+              <a:avLst/>
+            </a:prstGeom>
+            <a:solidFill>
+              <a:schemeClr val="bg1"/>
+            </a:solidFill>
+            <a:ln>
+              <a:noFill/>
+            </a:ln>
+          </p:spPr>
+          <p:style>
+            <a:lnRef idx="2">
+              <a:schemeClr val="accent1">
+                <a:shade val="50000"/>
+              </a:schemeClr>
+            </a:lnRef>
+            <a:fillRef idx="1">
+              <a:schemeClr val="accent1"/>
+            </a:fillRef>
+            <a:effectRef idx="0">
+              <a:schemeClr val="accent1"/>
+            </a:effectRef>
+            <a:fontRef idx="minor">
+              <a:schemeClr val="lt1"/>
+            </a:fontRef>
+          </p:style>
+          <p:txBody>
+            <a:bodyPr rtlCol="0" anchor="ctr"/>
+            <a:lstStyle/>
+            <a:p>
+              <a:pPr algn="ctr"/>
+              <a:endParaRPr lang="fr-FR"/>
+            </a:p>
+          </p:txBody>
+        </p:sp>
+        <p:sp>
+          <p:nvSpPr>
+            <p:cNvPr id="7" name="Rectangle 6"/>
+            <p:cNvSpPr/>
+            <p:nvPr/>
+          </p:nvSpPr>
+          <p:spPr>
+            <a:xfrm>
+              <a:off x="3647728" y="5085184"/>
+              <a:ext cx="144016" cy="288032"/>
+            </a:xfrm>
+            <a:prstGeom prst="rect">
+              <a:avLst/>
+            </a:prstGeom>
+            <a:solidFill>
+              <a:schemeClr val="bg1"/>
+            </a:solidFill>
+            <a:ln>
+              <a:noFill/>
+            </a:ln>
+          </p:spPr>
+          <p:style>
+            <a:lnRef idx="2">
+              <a:schemeClr val="accent1">
+                <a:shade val="50000"/>
+              </a:schemeClr>
+            </a:lnRef>
+            <a:fillRef idx="1">
+              <a:schemeClr val="accent1"/>
+            </a:fillRef>
+            <a:effectRef idx="0">
+              <a:schemeClr val="accent1"/>
+            </a:effectRef>
+            <a:fontRef idx="minor">
+              <a:schemeClr val="lt1"/>
+            </a:fontRef>
+          </p:style>
+          <p:txBody>
+            <a:bodyPr rtlCol="0" anchor="ctr"/>
+            <a:lstStyle/>
+            <a:p>
+              <a:pPr algn="ctr"/>
+              <a:endParaRPr lang="fr-FR"/>
+            </a:p>
+          </p:txBody>
+        </p:sp>
+        <p:sp>
+          <p:nvSpPr>
+            <p:cNvPr id="8" name="Rectangle 7"/>
+            <p:cNvSpPr/>
+            <p:nvPr/>
+          </p:nvSpPr>
+          <p:spPr>
+            <a:xfrm>
+              <a:off x="6456040" y="5074637"/>
+              <a:ext cx="144016" cy="288032"/>
+            </a:xfrm>
+            <a:prstGeom prst="rect">
+              <a:avLst/>
+            </a:prstGeom>
+            <a:solidFill>
+              <a:schemeClr val="bg1"/>
+            </a:solidFill>
+            <a:ln>
+              <a:noFill/>
+            </a:ln>
+          </p:spPr>
+          <p:style>
+            <a:lnRef idx="2">
+              <a:schemeClr val="accent1">
+                <a:shade val="50000"/>
+              </a:schemeClr>
+            </a:lnRef>
+            <a:fillRef idx="1">
+              <a:schemeClr val="accent1"/>
+            </a:fillRef>
+            <a:effectRef idx="0">
+              <a:schemeClr val="accent1"/>
+            </a:effectRef>
+            <a:fontRef idx="minor">
+              <a:schemeClr val="lt1"/>
+            </a:fontRef>
+          </p:style>
+          <p:txBody>
+            <a:bodyPr rtlCol="0" anchor="ctr"/>
+            <a:lstStyle/>
+            <a:p>
+              <a:pPr algn="ctr"/>
+              <a:endParaRPr lang="fr-FR"/>
+            </a:p>
+          </p:txBody>
+        </p:sp>
+        <p:sp>
+          <p:nvSpPr>
+            <p:cNvPr id="9" name="Rectangle 8"/>
+            <p:cNvSpPr/>
+            <p:nvPr/>
+          </p:nvSpPr>
+          <p:spPr>
+            <a:xfrm>
+              <a:off x="6456040" y="2708920"/>
+              <a:ext cx="144016" cy="288032"/>
+            </a:xfrm>
+            <a:prstGeom prst="rect">
+              <a:avLst/>
+            </a:prstGeom>
+            <a:solidFill>
+              <a:schemeClr val="bg1"/>
+            </a:solidFill>
+            <a:ln>
+              <a:noFill/>
+            </a:ln>
+          </p:spPr>
+          <p:style>
+            <a:lnRef idx="2">
+              <a:schemeClr val="accent1">
+                <a:shade val="50000"/>
+              </a:schemeClr>
+            </a:lnRef>
+            <a:fillRef idx="1">
+              <a:schemeClr val="accent1"/>
+            </a:fillRef>
+            <a:effectRef idx="0">
+              <a:schemeClr val="accent1"/>
+            </a:effectRef>
+            <a:fontRef idx="minor">
+              <a:schemeClr val="lt1"/>
+            </a:fontRef>
+          </p:style>
+          <p:txBody>
+            <a:bodyPr rtlCol="0" anchor="ctr"/>
+            <a:lstStyle/>
+            <a:p>
+              <a:pPr algn="ctr"/>
+              <a:endParaRPr lang="fr-FR"/>
+            </a:p>
+          </p:txBody>
+        </p:sp>
+        <p:sp>
+          <p:nvSpPr>
+            <p:cNvPr id="10" name="Rectangle 9"/>
+            <p:cNvSpPr/>
+            <p:nvPr/>
+          </p:nvSpPr>
+          <p:spPr>
+            <a:xfrm>
+              <a:off x="9264352" y="5074637"/>
+              <a:ext cx="144016" cy="288032"/>
+            </a:xfrm>
+            <a:prstGeom prst="rect">
+              <a:avLst/>
+            </a:prstGeom>
+            <a:solidFill>
+              <a:schemeClr val="bg1"/>
+            </a:solidFill>
+            <a:ln>
+              <a:noFill/>
+            </a:ln>
+          </p:spPr>
+          <p:style>
+            <a:lnRef idx="2">
+              <a:schemeClr val="accent1">
+                <a:shade val="50000"/>
+              </a:schemeClr>
+            </a:lnRef>
+            <a:fillRef idx="1">
+              <a:schemeClr val="accent1"/>
+            </a:fillRef>
+            <a:effectRef idx="0">
+              <a:schemeClr val="accent1"/>
+            </a:effectRef>
+            <a:fontRef idx="minor">
+              <a:schemeClr val="lt1"/>
+            </a:fontRef>
+          </p:style>
+          <p:txBody>
+            <a:bodyPr rtlCol="0" anchor="ctr"/>
+            <a:lstStyle/>
+            <a:p>
+              <a:pPr algn="ctr"/>
+              <a:endParaRPr lang="fr-FR"/>
+            </a:p>
+          </p:txBody>
+        </p:sp>
+        <p:sp>
+          <p:nvSpPr>
+            <p:cNvPr id="11" name="Rectangle 10"/>
+            <p:cNvSpPr/>
+            <p:nvPr/>
+          </p:nvSpPr>
+          <p:spPr>
+            <a:xfrm>
+              <a:off x="9224227" y="2708920"/>
+              <a:ext cx="144016" cy="288032"/>
+            </a:xfrm>
+            <a:prstGeom prst="rect">
+              <a:avLst/>
+            </a:prstGeom>
+            <a:solidFill>
+              <a:schemeClr val="bg1"/>
+            </a:solidFill>
+            <a:ln>
+              <a:noFill/>
+            </a:ln>
+          </p:spPr>
+          <p:style>
+            <a:lnRef idx="2">
+              <a:schemeClr val="accent1">
+                <a:shade val="50000"/>
+              </a:schemeClr>
+            </a:lnRef>
+            <a:fillRef idx="1">
+              <a:schemeClr val="accent1"/>
+            </a:fillRef>
+            <a:effectRef idx="0">
+              <a:schemeClr val="accent1"/>
+            </a:effectRef>
+            <a:fontRef idx="minor">
+              <a:schemeClr val="lt1"/>
+            </a:fontRef>
+          </p:style>
+          <p:txBody>
+            <a:bodyPr rtlCol="0" anchor="ctr"/>
+            <a:lstStyle/>
+            <a:p>
+              <a:pPr algn="ctr"/>
+              <a:endParaRPr lang="fr-FR"/>
+            </a:p>
+          </p:txBody>
+        </p:sp>
+      </p:grpSp>
     </p:spTree>
     <p:extLst>
       <p:ext uri="{BB962C8B-B14F-4D97-AF65-F5344CB8AC3E}">
@@ -10359,7 +7821,7 @@
 </p:sld>
 </file>
 
-<file path=ppt/slides/slide7.xml><?xml version="1.0" encoding="utf-8"?>
+<file path=ppt/slides/slide6.xml><?xml version="1.0" encoding="utf-8"?>
 <p:sld xmlns:a="http://schemas.openxmlformats.org/drawingml/2006/main" xmlns:r="http://schemas.openxmlformats.org/officeDocument/2006/relationships" xmlns:p="http://schemas.openxmlformats.org/presentationml/2006/main">
   <p:cSld>
     <p:spTree>
@@ -10542,6 +8004,189 @@
 </p:sld>
 </file>
 
+<file path=ppt/slides/slide7.xml><?xml version="1.0" encoding="utf-8"?>
+<p:sld xmlns:a="http://schemas.openxmlformats.org/drawingml/2006/main" xmlns:r="http://schemas.openxmlformats.org/officeDocument/2006/relationships" xmlns:p="http://schemas.openxmlformats.org/presentationml/2006/main">
+  <p:cSld>
+    <p:spTree>
+      <p:nvGrpSpPr>
+        <p:cNvPr id="1" name=""/>
+        <p:cNvGrpSpPr/>
+        <p:nvPr/>
+      </p:nvGrpSpPr>
+      <p:grpSpPr>
+        <a:xfrm>
+          <a:off x="0" y="0"/>
+          <a:ext cx="0" cy="0"/>
+          <a:chOff x="0" y="0"/>
+          <a:chExt cx="0" cy="0"/>
+        </a:xfrm>
+      </p:grpSpPr>
+      <p:sp>
+        <p:nvSpPr>
+          <p:cNvPr id="2" name="Titre 1"/>
+          <p:cNvSpPr>
+            <a:spLocks noGrp="1"/>
+          </p:cNvSpPr>
+          <p:nvPr>
+            <p:ph type="title"/>
+          </p:nvPr>
+        </p:nvSpPr>
+        <p:spPr/>
+        <p:txBody>
+          <a:bodyPr>
+            <a:normAutofit/>
+          </a:bodyPr>
+          <a:lstStyle/>
+          <a:p>
+            <a:r>
+              <a:rPr lang="fr-FR" dirty="0" err="1" smtClean="0"/>
+              <a:t>Levinson-Durbin</a:t>
+            </a:r>
+            <a:endParaRPr lang="fr-FR" dirty="0"/>
+          </a:p>
+        </p:txBody>
+      </p:sp>
+      <p:sp>
+        <p:nvSpPr>
+          <p:cNvPr id="3" name="Espace réservé du contenu 2"/>
+          <p:cNvSpPr>
+            <a:spLocks noGrp="1"/>
+          </p:cNvSpPr>
+          <p:nvPr>
+            <p:ph sz="half" idx="1"/>
+          </p:nvPr>
+        </p:nvSpPr>
+        <p:spPr>
+          <a:xfrm>
+            <a:off x="1066800" y="1700808"/>
+            <a:ext cx="10573816" cy="4575175"/>
+          </a:xfrm>
+        </p:spPr>
+        <p:txBody>
+          <a:bodyPr>
+            <a:normAutofit/>
+          </a:bodyPr>
+          <a:lstStyle/>
+          <a:p>
+            <a:pPr>
+              <a:buClr>
+                <a:schemeClr val="tx1">
+                  <a:lumMod val="75000"/>
+                </a:schemeClr>
+              </a:buClr>
+            </a:pPr>
+            <a:r>
+              <a:rPr lang="fr-FR" dirty="0" smtClean="0"/>
+              <a:t>Performances de l’algorithme (suite) :</a:t>
+            </a:r>
+            <a:endParaRPr lang="fr-FR" dirty="0"/>
+          </a:p>
+        </p:txBody>
+      </p:sp>
+      <p:sp>
+        <p:nvSpPr>
+          <p:cNvPr id="5" name="ZoneTexte 4"/>
+          <p:cNvSpPr txBox="1"/>
+          <p:nvPr/>
+        </p:nvSpPr>
+        <p:spPr>
+          <a:xfrm>
+            <a:off x="767408" y="4077072"/>
+            <a:ext cx="2694005" cy="646331"/>
+          </a:xfrm>
+          <a:prstGeom prst="rect">
+            <a:avLst/>
+          </a:prstGeom>
+          <a:noFill/>
+        </p:spPr>
+        <p:txBody>
+          <a:bodyPr wrap="square" rtlCol="0">
+            <a:spAutoFit/>
+          </a:bodyPr>
+          <a:lstStyle/>
+          <a:p>
+            <a:pPr marL="285750" indent="-285750" algn="ctr">
+              <a:buFontTx/>
+              <a:buChar char="-"/>
+            </a:pPr>
+            <a:r>
+              <a:rPr lang="fr-FR" dirty="0" smtClean="0"/>
+              <a:t>Amplitude variable :</a:t>
+            </a:r>
+          </a:p>
+          <a:p>
+            <a:pPr marL="285750" indent="-285750">
+              <a:buFontTx/>
+              <a:buChar char="-"/>
+            </a:pPr>
+            <a:endParaRPr lang="fr-FR" dirty="0" smtClean="0"/>
+          </a:p>
+        </p:txBody>
+      </p:sp>
+      <p:pic>
+        <p:nvPicPr>
+          <p:cNvPr id="6" name="Image 5"/>
+          <p:cNvPicPr>
+            <a:picLocks noChangeAspect="1"/>
+          </p:cNvPicPr>
+          <p:nvPr/>
+        </p:nvPicPr>
+        <p:blipFill rotWithShape="1">
+          <a:blip r:embed="rId2">
+            <a:extLst>
+              <a:ext uri="{28A0092B-C50C-407E-A947-70E740481C1C}">
+                <a14:useLocalDpi xmlns:a14="http://schemas.microsoft.com/office/drawing/2010/main" val="0"/>
+              </a:ext>
+            </a:extLst>
+          </a:blip>
+          <a:srcRect l="10060" t="2913" r="7281" b="5712"/>
+          <a:stretch/>
+        </p:blipFill>
+        <p:spPr>
+          <a:xfrm>
+            <a:off x="3359695" y="2060848"/>
+            <a:ext cx="8441653" cy="4680520"/>
+          </a:xfrm>
+          <a:prstGeom prst="rect">
+            <a:avLst/>
+          </a:prstGeom>
+          <a:effectLst>
+            <a:softEdge rad="50800"/>
+          </a:effectLst>
+        </p:spPr>
+      </p:pic>
+    </p:spTree>
+    <p:extLst>
+      <p:ext uri="{BB962C8B-B14F-4D97-AF65-F5344CB8AC3E}">
+        <p14:creationId xmlns:p14="http://schemas.microsoft.com/office/powerpoint/2010/main" val="569882389"/>
+      </p:ext>
+    </p:extLst>
+  </p:cSld>
+  <p:clrMapOvr>
+    <a:masterClrMapping/>
+  </p:clrMapOvr>
+  <mc:AlternateContent xmlns:mc="http://schemas.openxmlformats.org/markup-compatibility/2006" xmlns:p14="http://schemas.microsoft.com/office/powerpoint/2010/main">
+    <mc:Choice Requires="p14">
+      <p:transition spd="med" p14:dur="700">
+        <p:fade/>
+      </p:transition>
+    </mc:Choice>
+    <mc:Fallback xmlns="">
+      <p:transition spd="med">
+        <p:fade/>
+      </p:transition>
+    </mc:Fallback>
+  </mc:AlternateContent>
+  <p:timing>
+    <p:tnLst>
+      <p:par>
+        <p:cTn id="1" dur="indefinite" restart="never" nodeType="tmRoot"/>
+      </p:par>
+    </p:tnLst>
+  </p:timing>
+</p:sld>
+</file>
+
 <file path=ppt/slides/slide8.xml><?xml version="1.0" encoding="utf-8"?>
 <p:sld xmlns:a="http://schemas.openxmlformats.org/drawingml/2006/main" xmlns:r="http://schemas.openxmlformats.org/officeDocument/2006/relationships" xmlns:p="http://schemas.openxmlformats.org/presentationml/2006/main">
   <p:cSld>
@@ -10615,52 +8260,174 @@
             </a:pPr>
             <a:r>
               <a:rPr lang="fr-FR" dirty="0" smtClean="0"/>
-              <a:t>Application sur signal réel :</a:t>
+              <a:t>Application sur signal réel </a:t>
+            </a:r>
+            <a:r>
+              <a:rPr lang="fr-FR" dirty="0" smtClean="0"/>
+              <a:t>: </a:t>
             </a:r>
             <a:endParaRPr lang="fr-FR" dirty="0"/>
           </a:p>
         </p:txBody>
       </p:sp>
-      <p:sp>
-        <p:nvSpPr>
-          <p:cNvPr id="5" name="ZoneTexte 4"/>
-          <p:cNvSpPr txBox="1"/>
+      <p:grpSp>
+        <p:nvGrpSpPr>
+          <p:cNvPr id="10" name="Groupe 9"/>
+          <p:cNvGrpSpPr/>
           <p:nvPr/>
-        </p:nvSpPr>
-        <p:spPr>
+        </p:nvGrpSpPr>
+        <p:grpSpPr>
           <a:xfrm>
-            <a:off x="767408" y="4077072"/>
-            <a:ext cx="2694005" cy="646331"/>
+            <a:off x="1343472" y="3249731"/>
+            <a:ext cx="13897544" cy="1477328"/>
+            <a:chOff x="911424" y="2788066"/>
+            <a:chExt cx="13897544" cy="1477328"/>
           </a:xfrm>
-          <a:prstGeom prst="rect">
-            <a:avLst/>
-          </a:prstGeom>
-          <a:noFill/>
-        </p:spPr>
-        <p:txBody>
-          <a:bodyPr wrap="square" rtlCol="0">
-            <a:spAutoFit/>
-          </a:bodyPr>
-          <a:lstStyle/>
-          <a:p>
-            <a:pPr marL="285750" indent="-285750" algn="ctr">
-              <a:buFontTx/>
-              <a:buChar char="-"/>
-            </a:pPr>
-            <a:r>
-              <a:rPr lang="fr-FR" dirty="0" smtClean="0"/>
-              <a:t>Amplitude variable :</a:t>
-            </a:r>
-          </a:p>
-          <a:p>
-            <a:pPr marL="285750" indent="-285750">
-              <a:buFontTx/>
-              <a:buChar char="-"/>
-            </a:pPr>
-            <a:endParaRPr lang="fr-FR" dirty="0" smtClean="0"/>
-          </a:p>
-        </p:txBody>
-      </p:sp>
+        </p:grpSpPr>
+        <p:sp>
+          <p:nvSpPr>
+            <p:cNvPr id="7" name="ZoneTexte 6"/>
+            <p:cNvSpPr txBox="1"/>
+            <p:nvPr/>
+          </p:nvSpPr>
+          <p:spPr>
+            <a:xfrm>
+              <a:off x="911424" y="2788066"/>
+              <a:ext cx="7992888" cy="1477328"/>
+            </a:xfrm>
+            <a:prstGeom prst="rect">
+              <a:avLst/>
+            </a:prstGeom>
+            <a:noFill/>
+          </p:spPr>
+          <p:txBody>
+            <a:bodyPr wrap="square" rtlCol="0">
+              <a:spAutoFit/>
+            </a:bodyPr>
+            <a:lstStyle/>
+            <a:p>
+              <a:r>
+                <a:rPr lang="fr-FR" dirty="0" smtClean="0"/>
+                <a:t>Son de flute : </a:t>
+              </a:r>
+            </a:p>
+            <a:p>
+              <a:endParaRPr lang="fr-FR" dirty="0" smtClean="0"/>
+            </a:p>
+            <a:p>
+              <a:r>
+                <a:rPr lang="fr-FR" dirty="0"/>
+                <a:t>	</a:t>
+              </a:r>
+              <a:r>
+                <a:rPr lang="fr-FR" dirty="0" smtClean="0"/>
+                <a:t>- </a:t>
+              </a:r>
+              <a:r>
+                <a:rPr lang="fr-FR" dirty="0" smtClean="0"/>
+                <a:t>harmoniques bien déterminées</a:t>
+              </a:r>
+            </a:p>
+            <a:p>
+              <a:r>
+                <a:rPr lang="fr-FR" dirty="0"/>
+                <a:t>	</a:t>
+              </a:r>
+              <a:r>
+                <a:rPr lang="fr-FR" dirty="0" smtClean="0"/>
+                <a:t>- pas de bruit</a:t>
+              </a:r>
+            </a:p>
+            <a:p>
+              <a:r>
+                <a:rPr lang="fr-FR" dirty="0"/>
+                <a:t>	</a:t>
+              </a:r>
+              <a:endParaRPr lang="fr-FR" dirty="0" smtClean="0"/>
+            </a:p>
+          </p:txBody>
+        </p:sp>
+        <p:sp>
+          <p:nvSpPr>
+            <p:cNvPr id="8" name="ZoneTexte 7"/>
+            <p:cNvSpPr txBox="1"/>
+            <p:nvPr/>
+          </p:nvSpPr>
+          <p:spPr>
+            <a:xfrm>
+              <a:off x="6816080" y="3203564"/>
+              <a:ext cx="7992888" cy="646331"/>
+            </a:xfrm>
+            <a:prstGeom prst="rect">
+              <a:avLst/>
+            </a:prstGeom>
+            <a:noFill/>
+          </p:spPr>
+          <p:txBody>
+            <a:bodyPr wrap="square" rtlCol="0">
+              <a:spAutoFit/>
+            </a:bodyPr>
+            <a:lstStyle/>
+            <a:p>
+              <a:r>
+                <a:rPr lang="fr-FR" dirty="0"/>
+                <a:t>	</a:t>
+              </a:r>
+              <a:r>
+                <a:rPr lang="fr-FR" dirty="0" smtClean="0"/>
+                <a:t>détection de f0 (et multiples)</a:t>
+              </a:r>
+            </a:p>
+            <a:p>
+              <a:r>
+                <a:rPr lang="fr-FR" dirty="0"/>
+                <a:t>	</a:t>
+              </a:r>
+              <a:endParaRPr lang="fr-FR" dirty="0" smtClean="0"/>
+            </a:p>
+          </p:txBody>
+        </p:sp>
+        <p:sp>
+          <p:nvSpPr>
+            <p:cNvPr id="9" name="Flèche droite 8"/>
+            <p:cNvSpPr/>
+            <p:nvPr/>
+          </p:nvSpPr>
+          <p:spPr>
+            <a:xfrm>
+              <a:off x="5807968" y="3284984"/>
+              <a:ext cx="1584176" cy="241745"/>
+            </a:xfrm>
+            <a:prstGeom prst="rightArrow">
+              <a:avLst/>
+            </a:prstGeom>
+          </p:spPr>
+          <p:style>
+            <a:lnRef idx="2">
+              <a:schemeClr val="accent1">
+                <a:shade val="50000"/>
+              </a:schemeClr>
+            </a:lnRef>
+            <a:fillRef idx="1">
+              <a:schemeClr val="accent1"/>
+            </a:fillRef>
+            <a:effectRef idx="0">
+              <a:schemeClr val="accent1"/>
+            </a:effectRef>
+            <a:fontRef idx="minor">
+              <a:schemeClr val="lt1"/>
+            </a:fontRef>
+          </p:style>
+          <p:txBody>
+            <a:bodyPr rtlCol="0" anchor="ctr"/>
+            <a:lstStyle/>
+            <a:p>
+              <a:pPr algn="ctr"/>
+              <a:endParaRPr lang="fr-FR"/>
+            </a:p>
+          </p:txBody>
+        </p:sp>
+      </p:grpSp>
     </p:spTree>
     <p:extLst>
       <p:ext uri="{BB962C8B-B14F-4D97-AF65-F5344CB8AC3E}">
@@ -10766,55 +8533,19 @@
             </a:pPr>
             <a:r>
               <a:rPr lang="fr-FR" dirty="0" smtClean="0"/>
-              <a:t>Performances de l’algorithme (suite) :</a:t>
+              <a:t>Application sur </a:t>
+            </a:r>
+            <a:r>
+              <a:rPr lang="fr-FR" dirty="0" smtClean="0"/>
+              <a:t>son de flute :</a:t>
             </a:r>
             <a:endParaRPr lang="fr-FR" dirty="0"/>
-          </a:p>
-        </p:txBody>
-      </p:sp>
-      <p:sp>
-        <p:nvSpPr>
-          <p:cNvPr id="5" name="ZoneTexte 4"/>
-          <p:cNvSpPr txBox="1"/>
-          <p:nvPr/>
-        </p:nvSpPr>
-        <p:spPr>
-          <a:xfrm>
-            <a:off x="767408" y="4077072"/>
-            <a:ext cx="2694005" cy="646331"/>
-          </a:xfrm>
-          <a:prstGeom prst="rect">
-            <a:avLst/>
-          </a:prstGeom>
-          <a:noFill/>
-        </p:spPr>
-        <p:txBody>
-          <a:bodyPr wrap="square" rtlCol="0">
-            <a:spAutoFit/>
-          </a:bodyPr>
-          <a:lstStyle/>
-          <a:p>
-            <a:pPr marL="285750" indent="-285750" algn="ctr">
-              <a:buFontTx/>
-              <a:buChar char="-"/>
-            </a:pPr>
-            <a:r>
-              <a:rPr lang="fr-FR" dirty="0" smtClean="0"/>
-              <a:t>Amplitude variable :</a:t>
-            </a:r>
-          </a:p>
-          <a:p>
-            <a:pPr marL="285750" indent="-285750">
-              <a:buFontTx/>
-              <a:buChar char="-"/>
-            </a:pPr>
-            <a:endParaRPr lang="fr-FR" dirty="0" smtClean="0"/>
           </a:p>
         </p:txBody>
       </p:sp>
       <p:pic>
         <p:nvPicPr>
-          <p:cNvPr id="6" name="Image 5"/>
+          <p:cNvPr id="11" name="Image 10"/>
           <p:cNvPicPr>
             <a:picLocks noChangeAspect="1"/>
           </p:cNvPicPr>
@@ -10828,13 +8559,13 @@
               </a:ext>
             </a:extLst>
           </a:blip>
-          <a:srcRect l="10060" t="2913" r="7281" b="5712"/>
+          <a:srcRect l="8066" t="2355" r="8066" b="5796"/>
           <a:stretch/>
         </p:blipFill>
         <p:spPr>
           <a:xfrm>
-            <a:off x="3359695" y="2060848"/>
-            <a:ext cx="8441653" cy="4680520"/>
+            <a:off x="1958591" y="1988840"/>
+            <a:ext cx="8673913" cy="4764544"/>
           </a:xfrm>
           <a:prstGeom prst="rect">
             <a:avLst/>
@@ -10847,7 +8578,7 @@
     </p:spTree>
     <p:extLst>
       <p:ext uri="{BB962C8B-B14F-4D97-AF65-F5344CB8AC3E}">
-        <p14:creationId xmlns:p14="http://schemas.microsoft.com/office/powerpoint/2010/main" val="569882389"/>
+        <p14:creationId xmlns:p14="http://schemas.microsoft.com/office/powerpoint/2010/main" val="3201945792"/>
       </p:ext>
     </p:extLst>
   </p:cSld>
